--- a/etap2/Zadanie Dodatkowe/ConsultIt - prezentacja.pptx
+++ b/etap2/Zadanie Dodatkowe/ConsultIt - prezentacja.pptx
@@ -4,10 +4,13 @@
   <p:sldMasterIdLst>
     <p:sldMasterId id="2147483648" r:id="rId1"/>
   </p:sldMasterIdLst>
+  <p:notesMasterIdLst>
+    <p:notesMasterId r:id="rId9"/>
+  </p:notesMasterIdLst>
   <p:sldIdLst>
-    <p:sldId id="256" r:id="rId2"/>
+    <p:sldId id="258" r:id="rId2"/>
     <p:sldId id="257" r:id="rId3"/>
-    <p:sldId id="258" r:id="rId4"/>
+    <p:sldId id="256" r:id="rId4"/>
     <p:sldId id="259" r:id="rId5"/>
     <p:sldId id="260" r:id="rId6"/>
     <p:sldId id="261" r:id="rId7"/>
@@ -110,7 +113,458 @@
       </a:defRPr>
     </a:lvl9pPr>
   </p:defaultTextStyle>
+  <p:extLst>
+    <p:ext uri="{EFAFB233-063F-42B5-8137-9DF3F51BA10A}">
+      <p15:sldGuideLst xmlns:p15="http://schemas.microsoft.com/office/powerpoint/2012/main"/>
+    </p:ext>
+  </p:extLst>
 </p:presentation>
+</file>
+
+<file path=ppt/commentAuthors.xml><?xml version="1.0" encoding="utf-8"?>
+<p:cmAuthorLst xmlns:a="http://schemas.openxmlformats.org/drawingml/2006/main" xmlns:r="http://schemas.openxmlformats.org/officeDocument/2006/relationships" xmlns:p="http://schemas.openxmlformats.org/presentationml/2006/main">
+  <p:cmAuthor id="1" name="Oskar Bartoszyński" initials="OB" lastIdx="1" clrIdx="0">
+    <p:extLst>
+      <p:ext uri="{19B8F6BF-5375-455C-9EA6-DF929625EA0E}">
+        <p15:presenceInfo xmlns:p15="http://schemas.microsoft.com/office/powerpoint/2012/main" userId="S::oskar.bartoszynski@zsm01.onmicrosoft.com::1a030fb2-d9ec-42f4-b47c-93df80f7d5f5" providerId="AD"/>
+      </p:ext>
+    </p:extLst>
+  </p:cmAuthor>
+</p:cmAuthorLst>
+</file>
+
+<file path=ppt/notesMasters/notesMaster1.xml><?xml version="1.0" encoding="utf-8"?>
+<p:notesMaster xmlns:a="http://schemas.openxmlformats.org/drawingml/2006/main" xmlns:r="http://schemas.openxmlformats.org/officeDocument/2006/relationships" xmlns:p="http://schemas.openxmlformats.org/presentationml/2006/main">
+  <p:cSld>
+    <p:bg>
+      <p:bgRef idx="1001">
+        <a:schemeClr val="bg1"/>
+      </p:bgRef>
+    </p:bg>
+    <p:spTree>
+      <p:nvGrpSpPr>
+        <p:cNvPr id="1" name=""/>
+        <p:cNvGrpSpPr/>
+        <p:nvPr/>
+      </p:nvGrpSpPr>
+      <p:grpSpPr>
+        <a:xfrm>
+          <a:off x="0" y="0"/>
+          <a:ext cx="0" cy="0"/>
+          <a:chOff x="0" y="0"/>
+          <a:chExt cx="0" cy="0"/>
+        </a:xfrm>
+      </p:grpSpPr>
+      <p:sp>
+        <p:nvSpPr>
+          <p:cNvPr id="2" name="Header Placeholder 1"/>
+          <p:cNvSpPr>
+            <a:spLocks noGrp="1"/>
+          </p:cNvSpPr>
+          <p:nvPr>
+            <p:ph type="hdr" sz="quarter"/>
+          </p:nvPr>
+        </p:nvSpPr>
+        <p:spPr>
+          <a:xfrm>
+            <a:off x="0" y="0"/>
+            <a:ext cx="2971800" cy="458788"/>
+          </a:xfrm>
+          <a:prstGeom prst="rect">
+            <a:avLst/>
+          </a:prstGeom>
+        </p:spPr>
+        <p:txBody>
+          <a:bodyPr vert="horz" lIns="91440" tIns="45720" rIns="91440" bIns="45720" rtlCol="0"/>
+          <a:lstStyle>
+            <a:lvl1pPr algn="l">
+              <a:defRPr sz="1200"/>
+            </a:lvl1pPr>
+          </a:lstStyle>
+          <a:p>
+            <a:endParaRPr lang="pl-PL"/>
+          </a:p>
+        </p:txBody>
+      </p:sp>
+      <p:sp>
+        <p:nvSpPr>
+          <p:cNvPr id="3" name="Date Placeholder 2"/>
+          <p:cNvSpPr>
+            <a:spLocks noGrp="1"/>
+          </p:cNvSpPr>
+          <p:nvPr>
+            <p:ph type="dt" idx="1"/>
+          </p:nvPr>
+        </p:nvSpPr>
+        <p:spPr>
+          <a:xfrm>
+            <a:off x="3884613" y="0"/>
+            <a:ext cx="2971800" cy="458788"/>
+          </a:xfrm>
+          <a:prstGeom prst="rect">
+            <a:avLst/>
+          </a:prstGeom>
+        </p:spPr>
+        <p:txBody>
+          <a:bodyPr vert="horz" lIns="91440" tIns="45720" rIns="91440" bIns="45720" rtlCol="0"/>
+          <a:lstStyle>
+            <a:lvl1pPr algn="r">
+              <a:defRPr sz="1200"/>
+            </a:lvl1pPr>
+          </a:lstStyle>
+          <a:p>
+            <a:fld id="{AE0BBC98-5A4A-43A4-B1B8-8D27AAB21FD0}" type="datetimeFigureOut">
+              <a:rPr lang="pl-PL" smtClean="0"/>
+              <a:t>13.04.2025</a:t>
+            </a:fld>
+            <a:endParaRPr lang="pl-PL"/>
+          </a:p>
+        </p:txBody>
+      </p:sp>
+      <p:sp>
+        <p:nvSpPr>
+          <p:cNvPr id="4" name="Slide Image Placeholder 3"/>
+          <p:cNvSpPr>
+            <a:spLocks noGrp="1" noRot="1" noChangeAspect="1"/>
+          </p:cNvSpPr>
+          <p:nvPr>
+            <p:ph type="sldImg" idx="2"/>
+          </p:nvPr>
+        </p:nvSpPr>
+        <p:spPr>
+          <a:xfrm>
+            <a:off x="685800" y="1143000"/>
+            <a:ext cx="5486400" cy="3086100"/>
+          </a:xfrm>
+          <a:prstGeom prst="rect">
+            <a:avLst/>
+          </a:prstGeom>
+          <a:noFill/>
+          <a:ln w="12700">
+            <a:solidFill>
+              <a:prstClr val="black"/>
+            </a:solidFill>
+          </a:ln>
+        </p:spPr>
+        <p:txBody>
+          <a:bodyPr vert="horz" lIns="91440" tIns="45720" rIns="91440" bIns="45720" rtlCol="0" anchor="ctr"/>
+          <a:lstStyle/>
+          <a:p>
+            <a:endParaRPr lang="pl-PL"/>
+          </a:p>
+        </p:txBody>
+      </p:sp>
+      <p:sp>
+        <p:nvSpPr>
+          <p:cNvPr id="5" name="Notes Placeholder 4"/>
+          <p:cNvSpPr>
+            <a:spLocks noGrp="1"/>
+          </p:cNvSpPr>
+          <p:nvPr>
+            <p:ph type="body" sz="quarter" idx="3"/>
+          </p:nvPr>
+        </p:nvSpPr>
+        <p:spPr>
+          <a:xfrm>
+            <a:off x="685800" y="4400550"/>
+            <a:ext cx="5486400" cy="3600450"/>
+          </a:xfrm>
+          <a:prstGeom prst="rect">
+            <a:avLst/>
+          </a:prstGeom>
+        </p:spPr>
+        <p:txBody>
+          <a:bodyPr vert="horz" lIns="91440" tIns="45720" rIns="91440" bIns="45720" rtlCol="0"/>
+          <a:lstStyle/>
+          <a:p>
+            <a:pPr lvl="0"/>
+            <a:r>
+              <a:rPr lang="en-US"/>
+              <a:t>Click to edit Master text styles</a:t>
+            </a:r>
+          </a:p>
+          <a:p>
+            <a:pPr lvl="1"/>
+            <a:r>
+              <a:rPr lang="en-US"/>
+              <a:t>Second level</a:t>
+            </a:r>
+          </a:p>
+          <a:p>
+            <a:pPr lvl="2"/>
+            <a:r>
+              <a:rPr lang="en-US"/>
+              <a:t>Third level</a:t>
+            </a:r>
+          </a:p>
+          <a:p>
+            <a:pPr lvl="3"/>
+            <a:r>
+              <a:rPr lang="en-US"/>
+              <a:t>Fourth level</a:t>
+            </a:r>
+          </a:p>
+          <a:p>
+            <a:pPr lvl="4"/>
+            <a:r>
+              <a:rPr lang="en-US"/>
+              <a:t>Fifth level</a:t>
+            </a:r>
+            <a:endParaRPr lang="pl-PL"/>
+          </a:p>
+        </p:txBody>
+      </p:sp>
+      <p:sp>
+        <p:nvSpPr>
+          <p:cNvPr id="6" name="Footer Placeholder 5"/>
+          <p:cNvSpPr>
+            <a:spLocks noGrp="1"/>
+          </p:cNvSpPr>
+          <p:nvPr>
+            <p:ph type="ftr" sz="quarter" idx="4"/>
+          </p:nvPr>
+        </p:nvSpPr>
+        <p:spPr>
+          <a:xfrm>
+            <a:off x="0" y="8685213"/>
+            <a:ext cx="2971800" cy="458787"/>
+          </a:xfrm>
+          <a:prstGeom prst="rect">
+            <a:avLst/>
+          </a:prstGeom>
+        </p:spPr>
+        <p:txBody>
+          <a:bodyPr vert="horz" lIns="91440" tIns="45720" rIns="91440" bIns="45720" rtlCol="0" anchor="b"/>
+          <a:lstStyle>
+            <a:lvl1pPr algn="l">
+              <a:defRPr sz="1200"/>
+            </a:lvl1pPr>
+          </a:lstStyle>
+          <a:p>
+            <a:endParaRPr lang="pl-PL"/>
+          </a:p>
+        </p:txBody>
+      </p:sp>
+      <p:sp>
+        <p:nvSpPr>
+          <p:cNvPr id="7" name="Slide Number Placeholder 6"/>
+          <p:cNvSpPr>
+            <a:spLocks noGrp="1"/>
+          </p:cNvSpPr>
+          <p:nvPr>
+            <p:ph type="sldNum" sz="quarter" idx="5"/>
+          </p:nvPr>
+        </p:nvSpPr>
+        <p:spPr>
+          <a:xfrm>
+            <a:off x="3884613" y="8685213"/>
+            <a:ext cx="2971800" cy="458787"/>
+          </a:xfrm>
+          <a:prstGeom prst="rect">
+            <a:avLst/>
+          </a:prstGeom>
+        </p:spPr>
+        <p:txBody>
+          <a:bodyPr vert="horz" lIns="91440" tIns="45720" rIns="91440" bIns="45720" rtlCol="0" anchor="b"/>
+          <a:lstStyle>
+            <a:lvl1pPr algn="r">
+              <a:defRPr sz="1200"/>
+            </a:lvl1pPr>
+          </a:lstStyle>
+          <a:p>
+            <a:fld id="{8E31A358-9691-45F3-8A2E-837B6C047BD3}" type="slidenum">
+              <a:rPr lang="pl-PL" smtClean="0"/>
+              <a:t>‹#›</a:t>
+            </a:fld>
+            <a:endParaRPr lang="pl-PL"/>
+          </a:p>
+        </p:txBody>
+      </p:sp>
+    </p:spTree>
+    <p:extLst>
+      <p:ext uri="{BB962C8B-B14F-4D97-AF65-F5344CB8AC3E}">
+        <p14:creationId xmlns:p14="http://schemas.microsoft.com/office/powerpoint/2010/main" val="1521400988"/>
+      </p:ext>
+    </p:extLst>
+  </p:cSld>
+  <p:clrMap bg1="lt1" tx1="dk1" bg2="lt2" tx2="dk2" accent1="accent1" accent2="accent2" accent3="accent3" accent4="accent4" accent5="accent5" accent6="accent6" hlink="hlink" folHlink="folHlink"/>
+  <p:notesStyle>
+    <a:lvl1pPr marL="0" algn="l" defTabSz="914400" rtl="0" eaLnBrk="1" latinLnBrk="0" hangingPunct="1">
+      <a:defRPr sz="1200" kern="1200">
+        <a:solidFill>
+          <a:schemeClr val="tx1"/>
+        </a:solidFill>
+        <a:latin typeface="+mn-lt"/>
+        <a:ea typeface="+mn-ea"/>
+        <a:cs typeface="+mn-cs"/>
+      </a:defRPr>
+    </a:lvl1pPr>
+    <a:lvl2pPr marL="457200" algn="l" defTabSz="914400" rtl="0" eaLnBrk="1" latinLnBrk="0" hangingPunct="1">
+      <a:defRPr sz="1200" kern="1200">
+        <a:solidFill>
+          <a:schemeClr val="tx1"/>
+        </a:solidFill>
+        <a:latin typeface="+mn-lt"/>
+        <a:ea typeface="+mn-ea"/>
+        <a:cs typeface="+mn-cs"/>
+      </a:defRPr>
+    </a:lvl2pPr>
+    <a:lvl3pPr marL="914400" algn="l" defTabSz="914400" rtl="0" eaLnBrk="1" latinLnBrk="0" hangingPunct="1">
+      <a:defRPr sz="1200" kern="1200">
+        <a:solidFill>
+          <a:schemeClr val="tx1"/>
+        </a:solidFill>
+        <a:latin typeface="+mn-lt"/>
+        <a:ea typeface="+mn-ea"/>
+        <a:cs typeface="+mn-cs"/>
+      </a:defRPr>
+    </a:lvl3pPr>
+    <a:lvl4pPr marL="1371600" algn="l" defTabSz="914400" rtl="0" eaLnBrk="1" latinLnBrk="0" hangingPunct="1">
+      <a:defRPr sz="1200" kern="1200">
+        <a:solidFill>
+          <a:schemeClr val="tx1"/>
+        </a:solidFill>
+        <a:latin typeface="+mn-lt"/>
+        <a:ea typeface="+mn-ea"/>
+        <a:cs typeface="+mn-cs"/>
+      </a:defRPr>
+    </a:lvl4pPr>
+    <a:lvl5pPr marL="1828800" algn="l" defTabSz="914400" rtl="0" eaLnBrk="1" latinLnBrk="0" hangingPunct="1">
+      <a:defRPr sz="1200" kern="1200">
+        <a:solidFill>
+          <a:schemeClr val="tx1"/>
+        </a:solidFill>
+        <a:latin typeface="+mn-lt"/>
+        <a:ea typeface="+mn-ea"/>
+        <a:cs typeface="+mn-cs"/>
+      </a:defRPr>
+    </a:lvl5pPr>
+    <a:lvl6pPr marL="2286000" algn="l" defTabSz="914400" rtl="0" eaLnBrk="1" latinLnBrk="0" hangingPunct="1">
+      <a:defRPr sz="1200" kern="1200">
+        <a:solidFill>
+          <a:schemeClr val="tx1"/>
+        </a:solidFill>
+        <a:latin typeface="+mn-lt"/>
+        <a:ea typeface="+mn-ea"/>
+        <a:cs typeface="+mn-cs"/>
+      </a:defRPr>
+    </a:lvl6pPr>
+    <a:lvl7pPr marL="2743200" algn="l" defTabSz="914400" rtl="0" eaLnBrk="1" latinLnBrk="0" hangingPunct="1">
+      <a:defRPr sz="1200" kern="1200">
+        <a:solidFill>
+          <a:schemeClr val="tx1"/>
+        </a:solidFill>
+        <a:latin typeface="+mn-lt"/>
+        <a:ea typeface="+mn-ea"/>
+        <a:cs typeface="+mn-cs"/>
+      </a:defRPr>
+    </a:lvl7pPr>
+    <a:lvl8pPr marL="3200400" algn="l" defTabSz="914400" rtl="0" eaLnBrk="1" latinLnBrk="0" hangingPunct="1">
+      <a:defRPr sz="1200" kern="1200">
+        <a:solidFill>
+          <a:schemeClr val="tx1"/>
+        </a:solidFill>
+        <a:latin typeface="+mn-lt"/>
+        <a:ea typeface="+mn-ea"/>
+        <a:cs typeface="+mn-cs"/>
+      </a:defRPr>
+    </a:lvl8pPr>
+    <a:lvl9pPr marL="3657600" algn="l" defTabSz="914400" rtl="0" eaLnBrk="1" latinLnBrk="0" hangingPunct="1">
+      <a:defRPr sz="1200" kern="1200">
+        <a:solidFill>
+          <a:schemeClr val="tx1"/>
+        </a:solidFill>
+        <a:latin typeface="+mn-lt"/>
+        <a:ea typeface="+mn-ea"/>
+        <a:cs typeface="+mn-cs"/>
+      </a:defRPr>
+    </a:lvl9pPr>
+  </p:notesStyle>
+</p:notesMaster>
+</file>
+
+<file path=ppt/notesSlides/notesSlide1.xml><?xml version="1.0" encoding="utf-8"?>
+<p:notes xmlns:a="http://schemas.openxmlformats.org/drawingml/2006/main" xmlns:r="http://schemas.openxmlformats.org/officeDocument/2006/relationships" xmlns:p="http://schemas.openxmlformats.org/presentationml/2006/main">
+  <p:cSld>
+    <p:spTree>
+      <p:nvGrpSpPr>
+        <p:cNvPr id="1" name=""/>
+        <p:cNvGrpSpPr/>
+        <p:nvPr/>
+      </p:nvGrpSpPr>
+      <p:grpSpPr>
+        <a:xfrm>
+          <a:off x="0" y="0"/>
+          <a:ext cx="0" cy="0"/>
+          <a:chOff x="0" y="0"/>
+          <a:chExt cx="0" cy="0"/>
+        </a:xfrm>
+      </p:grpSpPr>
+      <p:sp>
+        <p:nvSpPr>
+          <p:cNvPr id="2" name="Slide Image Placeholder 1"/>
+          <p:cNvSpPr>
+            <a:spLocks noGrp="1" noRot="1" noChangeAspect="1"/>
+          </p:cNvSpPr>
+          <p:nvPr>
+            <p:ph type="sldImg"/>
+          </p:nvPr>
+        </p:nvSpPr>
+        <p:spPr/>
+      </p:sp>
+      <p:sp>
+        <p:nvSpPr>
+          <p:cNvPr id="3" name="Notes Placeholder 2"/>
+          <p:cNvSpPr>
+            <a:spLocks noGrp="1"/>
+          </p:cNvSpPr>
+          <p:nvPr>
+            <p:ph type="body" idx="1"/>
+          </p:nvPr>
+        </p:nvSpPr>
+        <p:spPr/>
+        <p:txBody>
+          <a:bodyPr/>
+          <a:lstStyle/>
+          <a:p>
+            <a:endParaRPr lang="pl-PL" dirty="0"/>
+          </a:p>
+        </p:txBody>
+      </p:sp>
+      <p:sp>
+        <p:nvSpPr>
+          <p:cNvPr id="4" name="Slide Number Placeholder 3"/>
+          <p:cNvSpPr>
+            <a:spLocks noGrp="1"/>
+          </p:cNvSpPr>
+          <p:nvPr>
+            <p:ph type="sldNum" sz="quarter" idx="5"/>
+          </p:nvPr>
+        </p:nvSpPr>
+        <p:spPr/>
+        <p:txBody>
+          <a:bodyPr/>
+          <a:lstStyle/>
+          <a:p>
+            <a:fld id="{8E31A358-9691-45F3-8A2E-837B6C047BD3}" type="slidenum">
+              <a:rPr lang="pl-PL" smtClean="0"/>
+              <a:t>6</a:t>
+            </a:fld>
+            <a:endParaRPr lang="pl-PL"/>
+          </a:p>
+        </p:txBody>
+      </p:sp>
+    </p:spTree>
+    <p:extLst>
+      <p:ext uri="{BB962C8B-B14F-4D97-AF65-F5344CB8AC3E}">
+        <p14:creationId xmlns:p14="http://schemas.microsoft.com/office/powerpoint/2010/main" val="3520561870"/>
+      </p:ext>
+    </p:extLst>
+  </p:cSld>
+  <p:clrMapOvr>
+    <a:masterClrMapping/>
+  </p:clrMapOvr>
+</p:notes>
 </file>
 
 <file path=ppt/slideLayouts/slideLayout1.xml><?xml version="1.0" encoding="utf-8"?>
@@ -262,7 +716,7 @@
           <a:p>
             <a:fld id="{F8F584ED-92D6-455D-AAD7-5E2E18C0E058}" type="datetimeFigureOut">
               <a:rPr lang="pl-PL" smtClean="0"/>
-              <a:t>11.04.2025</a:t>
+              <a:t>13.04.2025</a:t>
             </a:fld>
             <a:endParaRPr lang="pl-PL"/>
           </a:p>
@@ -462,7 +916,7 @@
           <a:p>
             <a:fld id="{F8F584ED-92D6-455D-AAD7-5E2E18C0E058}" type="datetimeFigureOut">
               <a:rPr lang="pl-PL" smtClean="0"/>
-              <a:t>11.04.2025</a:t>
+              <a:t>13.04.2025</a:t>
             </a:fld>
             <a:endParaRPr lang="pl-PL"/>
           </a:p>
@@ -672,7 +1126,7 @@
           <a:p>
             <a:fld id="{F8F584ED-92D6-455D-AAD7-5E2E18C0E058}" type="datetimeFigureOut">
               <a:rPr lang="pl-PL" smtClean="0"/>
-              <a:t>11.04.2025</a:t>
+              <a:t>13.04.2025</a:t>
             </a:fld>
             <a:endParaRPr lang="pl-PL"/>
           </a:p>
@@ -872,7 +1326,7 @@
           <a:p>
             <a:fld id="{F8F584ED-92D6-455D-AAD7-5E2E18C0E058}" type="datetimeFigureOut">
               <a:rPr lang="pl-PL" smtClean="0"/>
-              <a:t>11.04.2025</a:t>
+              <a:t>13.04.2025</a:t>
             </a:fld>
             <a:endParaRPr lang="pl-PL"/>
           </a:p>
@@ -1148,7 +1602,7 @@
           <a:p>
             <a:fld id="{F8F584ED-92D6-455D-AAD7-5E2E18C0E058}" type="datetimeFigureOut">
               <a:rPr lang="pl-PL" smtClean="0"/>
-              <a:t>11.04.2025</a:t>
+              <a:t>13.04.2025</a:t>
             </a:fld>
             <a:endParaRPr lang="pl-PL"/>
           </a:p>
@@ -1416,7 +1870,7 @@
           <a:p>
             <a:fld id="{F8F584ED-92D6-455D-AAD7-5E2E18C0E058}" type="datetimeFigureOut">
               <a:rPr lang="pl-PL" smtClean="0"/>
-              <a:t>11.04.2025</a:t>
+              <a:t>13.04.2025</a:t>
             </a:fld>
             <a:endParaRPr lang="pl-PL"/>
           </a:p>
@@ -1831,7 +2285,7 @@
           <a:p>
             <a:fld id="{F8F584ED-92D6-455D-AAD7-5E2E18C0E058}" type="datetimeFigureOut">
               <a:rPr lang="pl-PL" smtClean="0"/>
-              <a:t>11.04.2025</a:t>
+              <a:t>13.04.2025</a:t>
             </a:fld>
             <a:endParaRPr lang="pl-PL"/>
           </a:p>
@@ -1973,7 +2427,7 @@
           <a:p>
             <a:fld id="{F8F584ED-92D6-455D-AAD7-5E2E18C0E058}" type="datetimeFigureOut">
               <a:rPr lang="pl-PL" smtClean="0"/>
-              <a:t>11.04.2025</a:t>
+              <a:t>13.04.2025</a:t>
             </a:fld>
             <a:endParaRPr lang="pl-PL"/>
           </a:p>
@@ -2086,7 +2540,7 @@
           <a:p>
             <a:fld id="{F8F584ED-92D6-455D-AAD7-5E2E18C0E058}" type="datetimeFigureOut">
               <a:rPr lang="pl-PL" smtClean="0"/>
-              <a:t>11.04.2025</a:t>
+              <a:t>13.04.2025</a:t>
             </a:fld>
             <a:endParaRPr lang="pl-PL"/>
           </a:p>
@@ -2399,7 +2853,7 @@
           <a:p>
             <a:fld id="{F8F584ED-92D6-455D-AAD7-5E2E18C0E058}" type="datetimeFigureOut">
               <a:rPr lang="pl-PL" smtClean="0"/>
-              <a:t>11.04.2025</a:t>
+              <a:t>13.04.2025</a:t>
             </a:fld>
             <a:endParaRPr lang="pl-PL"/>
           </a:p>
@@ -2688,7 +3142,7 @@
           <a:p>
             <a:fld id="{F8F584ED-92D6-455D-AAD7-5E2E18C0E058}" type="datetimeFigureOut">
               <a:rPr lang="pl-PL" smtClean="0"/>
-              <a:t>11.04.2025</a:t>
+              <a:t>13.04.2025</a:t>
             </a:fld>
             <a:endParaRPr lang="pl-PL"/>
           </a:p>
@@ -2931,7 +3385,7 @@
           <a:p>
             <a:fld id="{F8F584ED-92D6-455D-AAD7-5E2E18C0E058}" type="datetimeFigureOut">
               <a:rPr lang="pl-PL" smtClean="0"/>
-              <a:t>11.04.2025</a:t>
+              <a:t>13.04.2025</a:t>
             </a:fld>
             <a:endParaRPr lang="pl-PL"/>
           </a:p>
@@ -3350,58 +3804,252 @@
       </p:grpSpPr>
       <p:sp>
         <p:nvSpPr>
-          <p:cNvPr id="2" name="Title 1">
-            <a:extLst>
-              <a:ext uri="{FF2B5EF4-FFF2-40B4-BE49-F238E27FC236}">
-                <a16:creationId xmlns:a16="http://schemas.microsoft.com/office/drawing/2014/main" id="{FF39FD92-3DEB-3246-3744-ED86A5356E33}"/>
-              </a:ext>
-            </a:extLst>
-          </p:cNvPr>
-          <p:cNvSpPr>
-            <a:spLocks noGrp="1"/>
-          </p:cNvSpPr>
-          <p:nvPr>
-            <p:ph type="ctrTitle"/>
-          </p:nvPr>
-        </p:nvSpPr>
-        <p:spPr/>
-        <p:txBody>
-          <a:bodyPr/>
-          <a:lstStyle/>
-          <a:p>
-            <a:endParaRPr lang="pl-PL"/>
-          </a:p>
-        </p:txBody>
-      </p:sp>
-      <p:sp>
-        <p:nvSpPr>
-          <p:cNvPr id="3" name="Subtitle 2">
-            <a:extLst>
-              <a:ext uri="{FF2B5EF4-FFF2-40B4-BE49-F238E27FC236}">
-                <a16:creationId xmlns:a16="http://schemas.microsoft.com/office/drawing/2014/main" id="{457C14E4-18CD-9CF3-A382-7DCE14BE8905}"/>
-              </a:ext>
-            </a:extLst>
-          </p:cNvPr>
-          <p:cNvSpPr>
-            <a:spLocks noGrp="1"/>
-          </p:cNvSpPr>
-          <p:nvPr>
-            <p:ph type="subTitle" idx="1"/>
-          </p:nvPr>
-        </p:nvSpPr>
-        <p:spPr/>
-        <p:txBody>
-          <a:bodyPr/>
-          <a:lstStyle/>
-          <a:p>
-            <a:endParaRPr lang="pl-PL"/>
-          </a:p>
-        </p:txBody>
-      </p:sp>
+          <p:cNvPr id="13" name="Text 0">
+            <a:extLst>
+              <a:ext uri="{FF2B5EF4-FFF2-40B4-BE49-F238E27FC236}">
+                <a16:creationId xmlns:a16="http://schemas.microsoft.com/office/drawing/2014/main" id="{C9F75376-57C8-9695-C532-14CAC6DBB4D3}"/>
+              </a:ext>
+            </a:extLst>
+          </p:cNvPr>
+          <p:cNvSpPr/>
+          <p:nvPr/>
+        </p:nvSpPr>
+        <p:spPr>
+          <a:xfrm>
+            <a:off x="614363" y="264008"/>
+            <a:ext cx="4686222" cy="712627"/>
+          </a:xfrm>
+          <a:prstGeom prst="rect">
+            <a:avLst/>
+          </a:prstGeom>
+          <a:noFill/>
+          <a:ln/>
+        </p:spPr>
+        <p:txBody>
+          <a:bodyPr wrap="none" lIns="0" tIns="0" rIns="0" bIns="0" rtlCol="0" anchor="t"/>
+          <a:lstStyle/>
+          <a:p>
+            <a:pPr marL="0" indent="0" algn="l">
+              <a:lnSpc>
+                <a:spcPts val="5050"/>
+              </a:lnSpc>
+              <a:buNone/>
+            </a:pPr>
+            <a:r>
+              <a:rPr lang="en-US" sz="4050" b="1" kern="0" spc="-122" dirty="0">
+                <a:solidFill>
+                  <a:srgbClr val="000000"/>
+                </a:solidFill>
+                <a:latin typeface="Inter Bold" pitchFamily="34" charset="0"/>
+                <a:ea typeface="Inter Bold" pitchFamily="34" charset="-122"/>
+                <a:cs typeface="Inter Bold" pitchFamily="34" charset="-120"/>
+              </a:rPr>
+              <a:t>Analiza rynku</a:t>
+            </a:r>
+            <a:endParaRPr lang="en-US" sz="4050" dirty="0"/>
+          </a:p>
+        </p:txBody>
+      </p:sp>
+      <p:sp>
+        <p:nvSpPr>
+          <p:cNvPr id="14" name="Text 1">
+            <a:extLst>
+              <a:ext uri="{FF2B5EF4-FFF2-40B4-BE49-F238E27FC236}">
+                <a16:creationId xmlns:a16="http://schemas.microsoft.com/office/drawing/2014/main" id="{B33129AB-58D6-5D76-AEEE-2F3C57BCAB26}"/>
+              </a:ext>
+            </a:extLst>
+          </p:cNvPr>
+          <p:cNvSpPr/>
+          <p:nvPr/>
+        </p:nvSpPr>
+        <p:spPr>
+          <a:xfrm>
+            <a:off x="614363" y="1153596"/>
+            <a:ext cx="11920538" cy="559793"/>
+          </a:xfrm>
+          <a:prstGeom prst="rect">
+            <a:avLst/>
+          </a:prstGeom>
+          <a:noFill/>
+          <a:ln/>
+        </p:spPr>
+        <p:txBody>
+          <a:bodyPr wrap="none" lIns="0" tIns="0" rIns="0" bIns="0" rtlCol="0" anchor="t"/>
+          <a:lstStyle/>
+          <a:p>
+            <a:pPr marL="0" indent="0" algn="l">
+              <a:lnSpc>
+                <a:spcPts val="2600"/>
+              </a:lnSpc>
+              <a:buNone/>
+            </a:pPr>
+            <a:r>
+              <a:rPr lang="en-US" sz="1600" kern="0" spc="-33" dirty="0">
+                <a:solidFill>
+                  <a:srgbClr val="272525"/>
+                </a:solidFill>
+                <a:latin typeface="Inter" pitchFamily="34" charset="0"/>
+                <a:ea typeface="Inter" pitchFamily="34" charset="-122"/>
+                <a:cs typeface="Inter" pitchFamily="34" charset="-120"/>
+              </a:rPr>
+              <a:t>Wykaz cen </a:t>
+            </a:r>
+            <a:r>
+              <a:rPr lang="en-US" sz="2000" b="1" kern="0" spc="-33" dirty="0">
+                <a:solidFill>
+                  <a:srgbClr val="272525"/>
+                </a:solidFill>
+                <a:latin typeface="Inter" pitchFamily="34" charset="0"/>
+                <a:ea typeface="Inter" pitchFamily="34" charset="-122"/>
+                <a:cs typeface="Inter" pitchFamily="34" charset="-120"/>
+              </a:rPr>
+              <a:t>6</a:t>
+            </a:r>
+            <a:r>
+              <a:rPr lang="en-US" sz="1600" kern="0" spc="-33" dirty="0">
+                <a:solidFill>
+                  <a:srgbClr val="272525"/>
+                </a:solidFill>
+                <a:latin typeface="Inter" pitchFamily="34" charset="0"/>
+                <a:ea typeface="Inter" pitchFamily="34" charset="-122"/>
+                <a:cs typeface="Inter" pitchFamily="34" charset="-120"/>
+              </a:rPr>
+              <a:t> najpopularniejszych dostawców inetnetu w Polsce oraz ich </a:t>
+            </a:r>
+            <a:r>
+              <a:rPr lang="en-US" sz="1600" kern="0" spc="-33" dirty="0" err="1">
+                <a:solidFill>
+                  <a:srgbClr val="272525"/>
+                </a:solidFill>
+                <a:latin typeface="Inter" pitchFamily="34" charset="0"/>
+                <a:ea typeface="Inter" pitchFamily="34" charset="-122"/>
+                <a:cs typeface="Inter" pitchFamily="34" charset="-120"/>
+              </a:rPr>
+              <a:t>ofert</a:t>
+            </a:r>
+            <a:r>
+              <a:rPr lang="pl-PL" sz="1600" kern="0" spc="-33" dirty="0">
+                <a:solidFill>
+                  <a:srgbClr val="272525"/>
+                </a:solidFill>
+                <a:latin typeface="Inter" pitchFamily="34" charset="0"/>
+                <a:ea typeface="Inter" pitchFamily="34" charset="-122"/>
+                <a:cs typeface="Inter" pitchFamily="34" charset="-120"/>
+              </a:rPr>
+              <a:t> z podziałem na </a:t>
+            </a:r>
+            <a:r>
+              <a:rPr lang="pl-PL" sz="2000" b="1" kern="0" spc="-33" dirty="0">
+                <a:solidFill>
+                  <a:srgbClr val="272525"/>
+                </a:solidFill>
+                <a:latin typeface="Inter" pitchFamily="34" charset="0"/>
+                <a:ea typeface="Inter" pitchFamily="34" charset="-122"/>
+                <a:cs typeface="Inter" pitchFamily="34" charset="-120"/>
+              </a:rPr>
+              <a:t>typ</a:t>
+            </a:r>
+            <a:r>
+              <a:rPr lang="pl-PL" sz="1600" kern="0" spc="-33" dirty="0">
+                <a:solidFill>
+                  <a:srgbClr val="272525"/>
+                </a:solidFill>
+                <a:latin typeface="Inter" pitchFamily="34" charset="0"/>
+                <a:ea typeface="Inter" pitchFamily="34" charset="-122"/>
+                <a:cs typeface="Inter" pitchFamily="34" charset="-120"/>
+              </a:rPr>
+              <a:t> oraz </a:t>
+            </a:r>
+            <a:r>
+              <a:rPr lang="pl-PL" sz="2000" b="1" kern="0" spc="-33" dirty="0">
+                <a:solidFill>
+                  <a:srgbClr val="272525"/>
+                </a:solidFill>
+                <a:latin typeface="Inter" pitchFamily="34" charset="0"/>
+                <a:ea typeface="Inter" pitchFamily="34" charset="-122"/>
+                <a:cs typeface="Inter" pitchFamily="34" charset="-120"/>
+              </a:rPr>
+              <a:t>prędkość łącza</a:t>
+            </a:r>
+            <a:r>
+              <a:rPr lang="en-US" sz="2000" kern="0" spc="-33" dirty="0">
+                <a:solidFill>
+                  <a:srgbClr val="272525"/>
+                </a:solidFill>
+                <a:latin typeface="Inter" pitchFamily="34" charset="0"/>
+                <a:ea typeface="Inter" pitchFamily="34" charset="-122"/>
+                <a:cs typeface="Inter" pitchFamily="34" charset="-120"/>
+              </a:rPr>
+              <a:t>.</a:t>
+            </a:r>
+            <a:endParaRPr lang="en-US" sz="2000" dirty="0"/>
+          </a:p>
+        </p:txBody>
+      </p:sp>
+      <p:pic>
+        <p:nvPicPr>
+          <p:cNvPr id="15" name="Image 0" descr="preencoded.png">
+            <a:extLst>
+              <a:ext uri="{FF2B5EF4-FFF2-40B4-BE49-F238E27FC236}">
+                <a16:creationId xmlns:a16="http://schemas.microsoft.com/office/drawing/2014/main" id="{C5B1B56C-C0AE-D600-A5AD-577BEA49D022}"/>
+              </a:ext>
+            </a:extLst>
+          </p:cNvPr>
+          <p:cNvPicPr>
+            <a:picLocks noChangeAspect="1"/>
+          </p:cNvPicPr>
+          <p:nvPr/>
+        </p:nvPicPr>
+        <p:blipFill>
+          <a:blip r:embed="rId2"/>
+          <a:stretch>
+            <a:fillRect/>
+          </a:stretch>
+        </p:blipFill>
+        <p:spPr>
+          <a:xfrm>
+            <a:off x="436038" y="2138326"/>
+            <a:ext cx="4323100" cy="4519090"/>
+          </a:xfrm>
+          <a:prstGeom prst="rect">
+            <a:avLst/>
+          </a:prstGeom>
+        </p:spPr>
+      </p:pic>
+      <p:pic>
+        <p:nvPicPr>
+          <p:cNvPr id="16" name="Image 1" descr="preencoded.png">
+            <a:extLst>
+              <a:ext uri="{FF2B5EF4-FFF2-40B4-BE49-F238E27FC236}">
+                <a16:creationId xmlns:a16="http://schemas.microsoft.com/office/drawing/2014/main" id="{7129624B-6F05-CCF7-0B28-2EC5BE4392E4}"/>
+              </a:ext>
+            </a:extLst>
+          </p:cNvPr>
+          <p:cNvPicPr>
+            <a:picLocks noChangeAspect="1"/>
+          </p:cNvPicPr>
+          <p:nvPr/>
+        </p:nvPicPr>
+        <p:blipFill>
+          <a:blip r:embed="rId3"/>
+          <a:stretch>
+            <a:fillRect/>
+          </a:stretch>
+        </p:blipFill>
+        <p:spPr>
+          <a:xfrm>
+            <a:off x="4759138" y="2138326"/>
+            <a:ext cx="7258968" cy="4093798"/>
+          </a:xfrm>
+          <a:prstGeom prst="rect">
+            <a:avLst/>
+          </a:prstGeom>
+        </p:spPr>
+      </p:pic>
     </p:spTree>
     <p:extLst>
       <p:ext uri="{BB962C8B-B14F-4D97-AF65-F5344CB8AC3E}">
-        <p14:creationId xmlns:p14="http://schemas.microsoft.com/office/powerpoint/2010/main" val="3534303718"/>
+        <p14:creationId xmlns:p14="http://schemas.microsoft.com/office/powerpoint/2010/main" val="3063929280"/>
       </p:ext>
     </p:extLst>
   </p:cSld>
@@ -3428,12 +4076,47 @@
           <a:chExt cx="0" cy="0"/>
         </a:xfrm>
       </p:grpSpPr>
+      <p:sp>
+        <p:nvSpPr>
+          <p:cNvPr id="2" name="TextBox 1">
+            <a:extLst>
+              <a:ext uri="{FF2B5EF4-FFF2-40B4-BE49-F238E27FC236}">
+                <a16:creationId xmlns:a16="http://schemas.microsoft.com/office/drawing/2014/main" id="{40B24505-5DFA-5C8B-30BA-DB405683788E}"/>
+              </a:ext>
+            </a:extLst>
+          </p:cNvPr>
+          <p:cNvSpPr txBox="1"/>
+          <p:nvPr/>
+        </p:nvSpPr>
+        <p:spPr>
+          <a:xfrm>
+            <a:off x="3321728" y="160187"/>
+            <a:ext cx="5548544" cy="461665"/>
+          </a:xfrm>
+          <a:prstGeom prst="rect">
+            <a:avLst/>
+          </a:prstGeom>
+          <a:noFill/>
+        </p:spPr>
+        <p:txBody>
+          <a:bodyPr wrap="square" rtlCol="0">
+            <a:spAutoFit/>
+          </a:bodyPr>
+          <a:lstStyle/>
+          <a:p>
+            <a:r>
+              <a:rPr lang="pl-PL" sz="2400" dirty="0"/>
+              <a:t>Jak nasza firma wpasowuje się w rynek ? </a:t>
+            </a:r>
+          </a:p>
+        </p:txBody>
+      </p:sp>
       <p:pic>
         <p:nvPicPr>
-          <p:cNvPr id="5" name="Picture 4">
-            <a:extLst>
-              <a:ext uri="{FF2B5EF4-FFF2-40B4-BE49-F238E27FC236}">
-                <a16:creationId xmlns:a16="http://schemas.microsoft.com/office/drawing/2014/main" id="{61C83457-AC9B-BEB7-A91C-B70C4B42B1A2}"/>
+          <p:cNvPr id="4" name="Picture 3">
+            <a:extLst>
+              <a:ext uri="{FF2B5EF4-FFF2-40B4-BE49-F238E27FC236}">
+                <a16:creationId xmlns:a16="http://schemas.microsoft.com/office/drawing/2014/main" id="{C2E3CFDA-AC43-1A0B-71A4-CB710E1B2499}"/>
               </a:ext>
             </a:extLst>
           </p:cNvPr>
@@ -3450,14 +4133,98 @@
         </p:blipFill>
         <p:spPr>
           <a:xfrm>
-            <a:off x="1873776" y="1766656"/>
-            <a:ext cx="8444447" cy="4762480"/>
+            <a:off x="414193" y="1725809"/>
+            <a:ext cx="8765317" cy="3797568"/>
           </a:xfrm>
           <a:prstGeom prst="rect">
             <a:avLst/>
           </a:prstGeom>
         </p:spPr>
       </p:pic>
+      <p:sp>
+        <p:nvSpPr>
+          <p:cNvPr id="6" name="TextBox 5">
+            <a:extLst>
+              <a:ext uri="{FF2B5EF4-FFF2-40B4-BE49-F238E27FC236}">
+                <a16:creationId xmlns:a16="http://schemas.microsoft.com/office/drawing/2014/main" id="{BDE63A77-A341-A350-2A92-C57D66D46A76}"/>
+              </a:ext>
+            </a:extLst>
+          </p:cNvPr>
+          <p:cNvSpPr txBox="1"/>
+          <p:nvPr/>
+        </p:nvSpPr>
+        <p:spPr>
+          <a:xfrm>
+            <a:off x="8975324" y="2697046"/>
+            <a:ext cx="2802483" cy="2585323"/>
+          </a:xfrm>
+          <a:prstGeom prst="rect">
+            <a:avLst/>
+          </a:prstGeom>
+          <a:noFill/>
+        </p:spPr>
+        <p:txBody>
+          <a:bodyPr wrap="square" rtlCol="0">
+            <a:spAutoFit/>
+          </a:bodyPr>
+          <a:lstStyle/>
+          <a:p>
+            <a:r>
+              <a:rPr lang="pl-PL" dirty="0"/>
+              <a:t>Nasza firma zajmuje </a:t>
+            </a:r>
+            <a:r>
+              <a:rPr lang="pl-PL" dirty="0">
+                <a:solidFill>
+                  <a:schemeClr val="accent1">
+                    <a:lumMod val="75000"/>
+                  </a:schemeClr>
+                </a:solidFill>
+              </a:rPr>
+              <a:t>drugie</a:t>
+            </a:r>
+            <a:r>
+              <a:rPr lang="pl-PL" dirty="0"/>
+              <a:t> miejsce pod względem </a:t>
+            </a:r>
+            <a:r>
+              <a:rPr lang="pl-PL" dirty="0">
+                <a:solidFill>
+                  <a:schemeClr val="accent1">
+                    <a:lumMod val="75000"/>
+                  </a:schemeClr>
+                </a:solidFill>
+              </a:rPr>
+              <a:t>średnich cen </a:t>
+            </a:r>
+            <a:r>
+              <a:rPr lang="pl-PL" dirty="0"/>
+              <a:t>usług dla </a:t>
+            </a:r>
+            <a:r>
+              <a:rPr lang="pl-PL" dirty="0">
+                <a:solidFill>
+                  <a:schemeClr val="accent1">
+                    <a:lumMod val="75000"/>
+                  </a:schemeClr>
+                </a:solidFill>
+              </a:rPr>
+              <a:t>gospodarstw domowych</a:t>
+            </a:r>
+            <a:r>
+              <a:rPr lang="pl-PL" dirty="0"/>
+              <a:t>, oferując jednocześnie niestandardowe i wysokiej klasy rozwiązania dla firm, przy zachowaniu adekwatnego poziomu cen.</a:t>
+            </a:r>
+            <a:endParaRPr lang="pl-PL" dirty="0">
+              <a:solidFill>
+                <a:schemeClr val="accent5">
+                  <a:lumMod val="75000"/>
+                </a:schemeClr>
+              </a:solidFill>
+            </a:endParaRPr>
+          </a:p>
+        </p:txBody>
+      </p:sp>
     </p:spTree>
     <p:extLst>
       <p:ext uri="{BB962C8B-B14F-4D97-AF65-F5344CB8AC3E}">
@@ -3490,66 +4257,526 @@
       </p:grpSpPr>
       <p:sp>
         <p:nvSpPr>
-          <p:cNvPr id="2" name="Title 1">
-            <a:extLst>
-              <a:ext uri="{FF2B5EF4-FFF2-40B4-BE49-F238E27FC236}">
-                <a16:creationId xmlns:a16="http://schemas.microsoft.com/office/drawing/2014/main" id="{A79C1B2E-3A40-A86A-CCE9-532218DEC1FF}"/>
-              </a:ext>
-            </a:extLst>
-          </p:cNvPr>
-          <p:cNvSpPr>
-            <a:spLocks noGrp="1"/>
-          </p:cNvSpPr>
-          <p:nvPr>
-            <p:ph type="title"/>
-          </p:nvPr>
-        </p:nvSpPr>
-        <p:spPr/>
-        <p:txBody>
-          <a:bodyPr/>
-          <a:lstStyle/>
-          <a:p>
-            <a:r>
-              <a:rPr lang="pl-PL" dirty="0"/>
-              <a:t>Analiza rynku w postaci tabeli </a:t>
-            </a:r>
-          </a:p>
-        </p:txBody>
-      </p:sp>
-      <p:pic>
-        <p:nvPicPr>
-          <p:cNvPr id="5" name="Picture 4">
-            <a:extLst>
-              <a:ext uri="{FF2B5EF4-FFF2-40B4-BE49-F238E27FC236}">
-                <a16:creationId xmlns:a16="http://schemas.microsoft.com/office/drawing/2014/main" id="{79CC3F04-83DE-E483-D4FA-42FC2520E813}"/>
-              </a:ext>
-            </a:extLst>
-          </p:cNvPr>
-          <p:cNvPicPr>
-            <a:picLocks noChangeAspect="1"/>
-          </p:cNvPicPr>
-          <p:nvPr/>
-        </p:nvPicPr>
-        <p:blipFill>
-          <a:blip r:embed="rId2"/>
-          <a:stretch>
-            <a:fillRect/>
-          </a:stretch>
-        </p:blipFill>
-        <p:spPr>
-          <a:xfrm>
-            <a:off x="570406" y="2064661"/>
-            <a:ext cx="4410691" cy="4610743"/>
-          </a:xfrm>
-          <a:prstGeom prst="rect">
-            <a:avLst/>
-          </a:prstGeom>
-        </p:spPr>
-      </p:pic>
+          <p:cNvPr id="18" name="Text 0">
+            <a:extLst>
+              <a:ext uri="{FF2B5EF4-FFF2-40B4-BE49-F238E27FC236}">
+                <a16:creationId xmlns:a16="http://schemas.microsoft.com/office/drawing/2014/main" id="{602C70E0-0966-7EA0-CEA4-C04600191386}"/>
+              </a:ext>
+            </a:extLst>
+          </p:cNvPr>
+          <p:cNvSpPr/>
+          <p:nvPr/>
+        </p:nvSpPr>
+        <p:spPr>
+          <a:xfrm>
+            <a:off x="5194340" y="211633"/>
+            <a:ext cx="7469386" cy="708779"/>
+          </a:xfrm>
+          <a:prstGeom prst="rect">
+            <a:avLst/>
+          </a:prstGeom>
+          <a:noFill/>
+          <a:ln/>
+        </p:spPr>
+        <p:txBody>
+          <a:bodyPr wrap="none" lIns="0" tIns="0" rIns="0" bIns="0" rtlCol="0" anchor="t"/>
+          <a:lstStyle/>
+          <a:p>
+            <a:pPr marL="0" indent="0" algn="l">
+              <a:lnSpc>
+                <a:spcPts val="5550"/>
+              </a:lnSpc>
+              <a:buNone/>
+            </a:pPr>
+            <a:r>
+              <a:rPr lang="en-US" sz="4450" b="1" kern="0" spc="-134" dirty="0">
+                <a:solidFill>
+                  <a:srgbClr val="000000"/>
+                </a:solidFill>
+                <a:latin typeface="Inter Bold" pitchFamily="34" charset="0"/>
+                <a:ea typeface="Inter Bold" pitchFamily="34" charset="-122"/>
+                <a:cs typeface="Inter Bold" pitchFamily="34" charset="-120"/>
+              </a:rPr>
+              <a:t>Określenie grup docelowych</a:t>
+            </a:r>
+            <a:endParaRPr lang="en-US" sz="4450" dirty="0"/>
+          </a:p>
+        </p:txBody>
+      </p:sp>
+      <p:sp>
+        <p:nvSpPr>
+          <p:cNvPr id="19" name="Text 1">
+            <a:extLst>
+              <a:ext uri="{FF2B5EF4-FFF2-40B4-BE49-F238E27FC236}">
+                <a16:creationId xmlns:a16="http://schemas.microsoft.com/office/drawing/2014/main" id="{96427DA8-FBCE-B5CC-FB4B-69BC566D5EC1}"/>
+              </a:ext>
+            </a:extLst>
+          </p:cNvPr>
+          <p:cNvSpPr/>
+          <p:nvPr/>
+        </p:nvSpPr>
+        <p:spPr>
+          <a:xfrm>
+            <a:off x="241340" y="708779"/>
+            <a:ext cx="3402330" cy="425291"/>
+          </a:xfrm>
+          <a:prstGeom prst="rect">
+            <a:avLst/>
+          </a:prstGeom>
+          <a:noFill/>
+          <a:ln/>
+        </p:spPr>
+        <p:txBody>
+          <a:bodyPr wrap="none" lIns="0" tIns="0" rIns="0" bIns="0" rtlCol="0" anchor="t"/>
+          <a:lstStyle/>
+          <a:p>
+            <a:pPr marL="0" indent="0" algn="l">
+              <a:lnSpc>
+                <a:spcPts val="3300"/>
+              </a:lnSpc>
+              <a:buNone/>
+            </a:pPr>
+            <a:r>
+              <a:rPr lang="en-US" b="1" kern="0" spc="-80" dirty="0">
+                <a:solidFill>
+                  <a:srgbClr val="000000"/>
+                </a:solidFill>
+                <a:latin typeface="Inter Bold" pitchFamily="34" charset="0"/>
+                <a:ea typeface="Inter Bold" pitchFamily="34" charset="-122"/>
+                <a:cs typeface="Inter Bold" pitchFamily="34" charset="-120"/>
+              </a:rPr>
+              <a:t>Docelowe segmenty:</a:t>
+            </a:r>
+            <a:endParaRPr lang="en-US" dirty="0"/>
+          </a:p>
+        </p:txBody>
+      </p:sp>
+      <p:sp>
+        <p:nvSpPr>
+          <p:cNvPr id="20" name="Text 2">
+            <a:extLst>
+              <a:ext uri="{FF2B5EF4-FFF2-40B4-BE49-F238E27FC236}">
+                <a16:creationId xmlns:a16="http://schemas.microsoft.com/office/drawing/2014/main" id="{D293B737-41F7-C687-8C39-DA87A6553933}"/>
+              </a:ext>
+            </a:extLst>
+          </p:cNvPr>
+          <p:cNvSpPr/>
+          <p:nvPr/>
+        </p:nvSpPr>
+        <p:spPr>
+          <a:xfrm>
+            <a:off x="241340" y="1474231"/>
+            <a:ext cx="13042821" cy="362903"/>
+          </a:xfrm>
+          <a:prstGeom prst="rect">
+            <a:avLst/>
+          </a:prstGeom>
+          <a:noFill/>
+          <a:ln/>
+        </p:spPr>
+        <p:txBody>
+          <a:bodyPr wrap="none" lIns="0" tIns="0" rIns="0" bIns="0" rtlCol="0" anchor="t"/>
+          <a:lstStyle/>
+          <a:p>
+            <a:pPr algn="l">
+              <a:lnSpc>
+                <a:spcPts val="2850"/>
+              </a:lnSpc>
+              <a:buSzPct val="100000"/>
+            </a:pPr>
+            <a:r>
+              <a:rPr lang="en-US" kern="0" spc="-36" dirty="0">
+                <a:solidFill>
+                  <a:srgbClr val="272525"/>
+                </a:solidFill>
+                <a:latin typeface="Inter" pitchFamily="34" charset="0"/>
+                <a:ea typeface="Inter" pitchFamily="34" charset="-122"/>
+                <a:cs typeface="Inter" pitchFamily="34" charset="-120"/>
+              </a:rPr>
+              <a:t>Gospodarstwa domowe:</a:t>
+            </a:r>
+            <a:endParaRPr lang="en-US" dirty="0"/>
+          </a:p>
+        </p:txBody>
+      </p:sp>
+      <p:sp>
+        <p:nvSpPr>
+          <p:cNvPr id="21" name="Text 3">
+            <a:extLst>
+              <a:ext uri="{FF2B5EF4-FFF2-40B4-BE49-F238E27FC236}">
+                <a16:creationId xmlns:a16="http://schemas.microsoft.com/office/drawing/2014/main" id="{76404786-E51E-A0FB-DA70-337006E7789F}"/>
+              </a:ext>
+            </a:extLst>
+          </p:cNvPr>
+          <p:cNvSpPr/>
+          <p:nvPr/>
+        </p:nvSpPr>
+        <p:spPr>
+          <a:xfrm>
+            <a:off x="241340" y="1916430"/>
+            <a:ext cx="13042821" cy="725805"/>
+          </a:xfrm>
+          <a:prstGeom prst="rect">
+            <a:avLst/>
+          </a:prstGeom>
+          <a:noFill/>
+          <a:ln/>
+        </p:spPr>
+        <p:txBody>
+          <a:bodyPr wrap="square" lIns="0" tIns="0" rIns="0" bIns="0" rtlCol="0" anchor="t"/>
+          <a:lstStyle/>
+          <a:p>
+            <a:pPr marL="685800" lvl="1" indent="-342900" algn="l">
+              <a:lnSpc>
+                <a:spcPts val="2850"/>
+              </a:lnSpc>
+              <a:buSzPct val="100000"/>
+              <a:buChar char="•"/>
+            </a:pPr>
+            <a:r>
+              <a:rPr lang="en-US" kern="0" spc="-36" dirty="0">
+                <a:solidFill>
+                  <a:srgbClr val="272525"/>
+                </a:solidFill>
+                <a:latin typeface="Inter" pitchFamily="34" charset="0"/>
+                <a:ea typeface="Inter" pitchFamily="34" charset="-122"/>
+                <a:cs typeface="Inter" pitchFamily="34" charset="-120"/>
+              </a:rPr>
+              <a:t>Potrzeby: stabilny i szybki internet, rozwiązania multimedialne, streaming w jakości 4K, elastyczne pakiety z niższym kosztem</a:t>
+            </a:r>
+            <a:endParaRPr lang="en-US" dirty="0"/>
+          </a:p>
+        </p:txBody>
+      </p:sp>
+      <p:sp>
+        <p:nvSpPr>
+          <p:cNvPr id="22" name="Text 4">
+            <a:extLst>
+              <a:ext uri="{FF2B5EF4-FFF2-40B4-BE49-F238E27FC236}">
+                <a16:creationId xmlns:a16="http://schemas.microsoft.com/office/drawing/2014/main" id="{F1ABFA2C-B460-F854-0A33-E911749F0E36}"/>
+              </a:ext>
+            </a:extLst>
+          </p:cNvPr>
+          <p:cNvSpPr/>
+          <p:nvPr/>
+        </p:nvSpPr>
+        <p:spPr>
+          <a:xfrm>
+            <a:off x="241340" y="2721530"/>
+            <a:ext cx="13042821" cy="362903"/>
+          </a:xfrm>
+          <a:prstGeom prst="rect">
+            <a:avLst/>
+          </a:prstGeom>
+          <a:noFill/>
+          <a:ln/>
+        </p:spPr>
+        <p:txBody>
+          <a:bodyPr wrap="none" lIns="0" tIns="0" rIns="0" bIns="0" rtlCol="0" anchor="t"/>
+          <a:lstStyle/>
+          <a:p>
+            <a:pPr algn="l">
+              <a:lnSpc>
+                <a:spcPts val="2850"/>
+              </a:lnSpc>
+              <a:buSzPct val="100000"/>
+            </a:pPr>
+            <a:r>
+              <a:rPr lang="en-US" kern="0" spc="-36" dirty="0">
+                <a:solidFill>
+                  <a:srgbClr val="272525"/>
+                </a:solidFill>
+                <a:latin typeface="Inter" pitchFamily="34" charset="0"/>
+                <a:ea typeface="Inter" pitchFamily="34" charset="-122"/>
+                <a:cs typeface="Inter" pitchFamily="34" charset="-120"/>
+              </a:rPr>
+              <a:t>Małe i średnie firmy:</a:t>
+            </a:r>
+            <a:endParaRPr lang="en-US" dirty="0"/>
+          </a:p>
+        </p:txBody>
+      </p:sp>
+      <p:sp>
+        <p:nvSpPr>
+          <p:cNvPr id="23" name="Text 5">
+            <a:extLst>
+              <a:ext uri="{FF2B5EF4-FFF2-40B4-BE49-F238E27FC236}">
+                <a16:creationId xmlns:a16="http://schemas.microsoft.com/office/drawing/2014/main" id="{F7E39CF8-4B51-067A-258A-BEBE10B990B3}"/>
+              </a:ext>
+            </a:extLst>
+          </p:cNvPr>
+          <p:cNvSpPr/>
+          <p:nvPr/>
+        </p:nvSpPr>
+        <p:spPr>
+          <a:xfrm>
+            <a:off x="241341" y="3163728"/>
+            <a:ext cx="11531560" cy="725805"/>
+          </a:xfrm>
+          <a:prstGeom prst="rect">
+            <a:avLst/>
+          </a:prstGeom>
+          <a:noFill/>
+          <a:ln/>
+        </p:spPr>
+        <p:txBody>
+          <a:bodyPr wrap="square" lIns="0" tIns="0" rIns="0" bIns="0" rtlCol="0" anchor="t"/>
+          <a:lstStyle/>
+          <a:p>
+            <a:pPr marL="685800" lvl="1" indent="-342900" algn="l">
+              <a:lnSpc>
+                <a:spcPts val="2850"/>
+              </a:lnSpc>
+              <a:buSzPct val="100000"/>
+              <a:buChar char="•"/>
+            </a:pPr>
+            <a:r>
+              <a:rPr lang="en-US" kern="0" spc="-36" dirty="0">
+                <a:solidFill>
+                  <a:srgbClr val="272525"/>
+                </a:solidFill>
+                <a:latin typeface="Inter" pitchFamily="34" charset="0"/>
+                <a:ea typeface="Inter" pitchFamily="34" charset="-122"/>
+                <a:cs typeface="Inter" pitchFamily="34" charset="-120"/>
+              </a:rPr>
+              <a:t>Potrzeby: niezawodne łącze, symetryczne prędkości (lub bardzo wysokie prędkości), dedykowane wsparcie techniczne, </a:t>
+            </a:r>
+            <a:r>
+              <a:rPr lang="pl-PL" kern="0" spc="-36" dirty="0">
+                <a:solidFill>
+                  <a:srgbClr val="272525"/>
+                </a:solidFill>
+                <a:latin typeface="Inter" pitchFamily="34" charset="0"/>
+                <a:ea typeface="Inter" pitchFamily="34" charset="-122"/>
+                <a:cs typeface="Inter" pitchFamily="34" charset="-120"/>
+              </a:rPr>
+              <a:t>                               </a:t>
+            </a:r>
+            <a:r>
+              <a:rPr lang="en-US" kern="0" spc="-36" dirty="0" err="1">
+                <a:solidFill>
+                  <a:srgbClr val="272525"/>
+                </a:solidFill>
+                <a:latin typeface="Inter" pitchFamily="34" charset="0"/>
+                <a:ea typeface="Inter" pitchFamily="34" charset="-122"/>
+                <a:cs typeface="Inter" pitchFamily="34" charset="-120"/>
+              </a:rPr>
+              <a:t>usługi</a:t>
+            </a:r>
+            <a:r>
+              <a:rPr lang="en-US" kern="0" spc="-36" dirty="0">
+                <a:solidFill>
+                  <a:srgbClr val="272525"/>
+                </a:solidFill>
+                <a:latin typeface="Inter" pitchFamily="34" charset="0"/>
+                <a:ea typeface="Inter" pitchFamily="34" charset="-122"/>
+                <a:cs typeface="Inter" pitchFamily="34" charset="-120"/>
+              </a:rPr>
+              <a:t> dodatkowe (telefonia, VPN, firewall), gwarancje SLA oraz opcje integracji z infrastrukturą IT</a:t>
+            </a:r>
+            <a:endParaRPr lang="en-US" dirty="0"/>
+          </a:p>
+        </p:txBody>
+      </p:sp>
+      <p:sp>
+        <p:nvSpPr>
+          <p:cNvPr id="24" name="Text 6">
+            <a:extLst>
+              <a:ext uri="{FF2B5EF4-FFF2-40B4-BE49-F238E27FC236}">
+                <a16:creationId xmlns:a16="http://schemas.microsoft.com/office/drawing/2014/main" id="{2950A1C5-D1BC-99F1-82ED-C69AC2C8C143}"/>
+              </a:ext>
+            </a:extLst>
+          </p:cNvPr>
+          <p:cNvSpPr/>
+          <p:nvPr/>
+        </p:nvSpPr>
+        <p:spPr>
+          <a:xfrm>
+            <a:off x="241340" y="4229695"/>
+            <a:ext cx="3402330" cy="425291"/>
+          </a:xfrm>
+          <a:prstGeom prst="rect">
+            <a:avLst/>
+          </a:prstGeom>
+          <a:noFill/>
+          <a:ln/>
+        </p:spPr>
+        <p:txBody>
+          <a:bodyPr wrap="none" lIns="0" tIns="0" rIns="0" bIns="0" rtlCol="0" anchor="t"/>
+          <a:lstStyle/>
+          <a:p>
+            <a:pPr marL="0" indent="0" algn="l">
+              <a:lnSpc>
+                <a:spcPts val="3300"/>
+              </a:lnSpc>
+              <a:buNone/>
+            </a:pPr>
+            <a:r>
+              <a:rPr lang="en-US" b="1" kern="0" spc="-80" dirty="0">
+                <a:solidFill>
+                  <a:srgbClr val="000000"/>
+                </a:solidFill>
+                <a:latin typeface="Inter Bold" pitchFamily="34" charset="0"/>
+                <a:ea typeface="Inter Bold" pitchFamily="34" charset="-122"/>
+                <a:cs typeface="Inter Bold" pitchFamily="34" charset="-120"/>
+              </a:rPr>
+              <a:t>Działania:</a:t>
+            </a:r>
+            <a:endParaRPr lang="en-US" dirty="0"/>
+          </a:p>
+        </p:txBody>
+      </p:sp>
+      <p:sp>
+        <p:nvSpPr>
+          <p:cNvPr id="25" name="Text 7">
+            <a:extLst>
+              <a:ext uri="{FF2B5EF4-FFF2-40B4-BE49-F238E27FC236}">
+                <a16:creationId xmlns:a16="http://schemas.microsoft.com/office/drawing/2014/main" id="{3A9FEA6B-3BF5-46AA-4443-4FF22C84BD1B}"/>
+              </a:ext>
+            </a:extLst>
+          </p:cNvPr>
+          <p:cNvSpPr/>
+          <p:nvPr/>
+        </p:nvSpPr>
+        <p:spPr>
+          <a:xfrm>
+            <a:off x="241340" y="4737695"/>
+            <a:ext cx="13042821" cy="362903"/>
+          </a:xfrm>
+          <a:prstGeom prst="rect">
+            <a:avLst/>
+          </a:prstGeom>
+          <a:noFill/>
+          <a:ln/>
+        </p:spPr>
+        <p:txBody>
+          <a:bodyPr wrap="none" lIns="0" tIns="0" rIns="0" bIns="0" rtlCol="0" anchor="t"/>
+          <a:lstStyle/>
+          <a:p>
+            <a:pPr marL="342900" indent="-342900" algn="l">
+              <a:lnSpc>
+                <a:spcPts val="2850"/>
+              </a:lnSpc>
+              <a:buSzPct val="100000"/>
+              <a:buChar char="•"/>
+            </a:pPr>
+            <a:r>
+              <a:rPr lang="en-US" kern="0" spc="-36" dirty="0">
+                <a:solidFill>
+                  <a:srgbClr val="272525"/>
+                </a:solidFill>
+                <a:latin typeface="Inter" pitchFamily="34" charset="0"/>
+                <a:ea typeface="Inter" pitchFamily="34" charset="-122"/>
+                <a:cs typeface="Inter" pitchFamily="34" charset="-120"/>
+              </a:rPr>
+              <a:t>Przeprowadzenie badań rynku i analiza konkurencji</a:t>
+            </a:r>
+            <a:endParaRPr lang="en-US" dirty="0"/>
+          </a:p>
+        </p:txBody>
+      </p:sp>
+      <p:sp>
+        <p:nvSpPr>
+          <p:cNvPr id="26" name="Text 8">
+            <a:extLst>
+              <a:ext uri="{FF2B5EF4-FFF2-40B4-BE49-F238E27FC236}">
+                <a16:creationId xmlns:a16="http://schemas.microsoft.com/office/drawing/2014/main" id="{287D0E2C-0F85-95E3-591B-23F90A048340}"/>
+              </a:ext>
+            </a:extLst>
+          </p:cNvPr>
+          <p:cNvSpPr/>
+          <p:nvPr/>
+        </p:nvSpPr>
+        <p:spPr>
+          <a:xfrm>
+            <a:off x="241340" y="5179893"/>
+            <a:ext cx="11531561" cy="725805"/>
+          </a:xfrm>
+          <a:prstGeom prst="rect">
+            <a:avLst/>
+          </a:prstGeom>
+          <a:noFill/>
+          <a:ln/>
+        </p:spPr>
+        <p:txBody>
+          <a:bodyPr wrap="square" lIns="0" tIns="0" rIns="0" bIns="0" rtlCol="0" anchor="t"/>
+          <a:lstStyle/>
+          <a:p>
+            <a:pPr marL="342900" indent="-342900" algn="l">
+              <a:lnSpc>
+                <a:spcPts val="2850"/>
+              </a:lnSpc>
+              <a:buSzPct val="100000"/>
+              <a:buChar char="•"/>
+            </a:pPr>
+            <a:r>
+              <a:rPr lang="en-US" kern="0" spc="-36" dirty="0">
+                <a:solidFill>
+                  <a:srgbClr val="272525"/>
+                </a:solidFill>
+                <a:latin typeface="Inter" pitchFamily="34" charset="0"/>
+                <a:ea typeface="Inter" pitchFamily="34" charset="-122"/>
+                <a:cs typeface="Inter" pitchFamily="34" charset="-120"/>
+              </a:rPr>
+              <a:t>Wywiady z przedstawicielami docelowych segmentów, aby dokładnie określić priorytety (np czy dla firm ważne jest bezpieczeństwo i wsparcie, a dla gospodarstw domowych – łatwość użycia i wysoka prędkość)</a:t>
+            </a:r>
+            <a:endParaRPr lang="en-US" dirty="0"/>
+          </a:p>
+        </p:txBody>
+      </p:sp>
+      <p:sp>
+        <p:nvSpPr>
+          <p:cNvPr id="27" name="Text 9">
+            <a:extLst>
+              <a:ext uri="{FF2B5EF4-FFF2-40B4-BE49-F238E27FC236}">
+                <a16:creationId xmlns:a16="http://schemas.microsoft.com/office/drawing/2014/main" id="{6CEF68B1-984B-1768-7596-D6C330B73970}"/>
+              </a:ext>
+            </a:extLst>
+          </p:cNvPr>
+          <p:cNvSpPr/>
+          <p:nvPr/>
+        </p:nvSpPr>
+        <p:spPr>
+          <a:xfrm>
+            <a:off x="241340" y="5984993"/>
+            <a:ext cx="13042821" cy="362903"/>
+          </a:xfrm>
+          <a:prstGeom prst="rect">
+            <a:avLst/>
+          </a:prstGeom>
+          <a:noFill/>
+          <a:ln/>
+        </p:spPr>
+        <p:txBody>
+          <a:bodyPr wrap="none" lIns="0" tIns="0" rIns="0" bIns="0" rtlCol="0" anchor="t"/>
+          <a:lstStyle/>
+          <a:p>
+            <a:pPr marL="342900" indent="-342900" algn="l">
+              <a:lnSpc>
+                <a:spcPts val="2850"/>
+              </a:lnSpc>
+              <a:buSzPct val="100000"/>
+              <a:buChar char="•"/>
+            </a:pPr>
+            <a:r>
+              <a:rPr lang="en-US" kern="0" spc="-36" dirty="0">
+                <a:solidFill>
+                  <a:srgbClr val="272525"/>
+                </a:solidFill>
+                <a:latin typeface="Inter" pitchFamily="34" charset="0"/>
+                <a:ea typeface="Inter" pitchFamily="34" charset="-122"/>
+                <a:cs typeface="Inter" pitchFamily="34" charset="-120"/>
+              </a:rPr>
+              <a:t>Segmentacja klientów na mniejsze grupy, co umożliwi lepsze dostosowanie pakietów</a:t>
+            </a:r>
+            <a:endParaRPr lang="en-US" dirty="0"/>
+          </a:p>
+        </p:txBody>
+      </p:sp>
     </p:spTree>
     <p:extLst>
       <p:ext uri="{BB962C8B-B14F-4D97-AF65-F5344CB8AC3E}">
-        <p14:creationId xmlns:p14="http://schemas.microsoft.com/office/powerpoint/2010/main" val="3063929280"/>
+        <p14:creationId xmlns:p14="http://schemas.microsoft.com/office/powerpoint/2010/main" val="3534303718"/>
       </p:ext>
     </p:extLst>
   </p:cSld>
@@ -3578,51 +4805,1831 @@
       </p:grpSpPr>
       <p:sp>
         <p:nvSpPr>
-          <p:cNvPr id="2" name="Title 1">
-            <a:extLst>
-              <a:ext uri="{FF2B5EF4-FFF2-40B4-BE49-F238E27FC236}">
-                <a16:creationId xmlns:a16="http://schemas.microsoft.com/office/drawing/2014/main" id="{6D9E05A9-B426-F267-498F-C404B01100A6}"/>
-              </a:ext>
-            </a:extLst>
-          </p:cNvPr>
-          <p:cNvSpPr>
-            <a:spLocks noGrp="1"/>
-          </p:cNvSpPr>
-          <p:nvPr>
-            <p:ph type="title"/>
-          </p:nvPr>
-        </p:nvSpPr>
-        <p:spPr/>
-        <p:txBody>
-          <a:bodyPr/>
-          <a:lstStyle/>
-          <a:p>
-            <a:endParaRPr lang="pl-PL"/>
-          </a:p>
-        </p:txBody>
-      </p:sp>
-      <p:sp>
-        <p:nvSpPr>
-          <p:cNvPr id="3" name="Content Placeholder 2">
-            <a:extLst>
-              <a:ext uri="{FF2B5EF4-FFF2-40B4-BE49-F238E27FC236}">
-                <a16:creationId xmlns:a16="http://schemas.microsoft.com/office/drawing/2014/main" id="{67CFCC57-237D-9B2C-7551-6F7145270825}"/>
-              </a:ext>
-            </a:extLst>
-          </p:cNvPr>
-          <p:cNvSpPr>
-            <a:spLocks noGrp="1"/>
-          </p:cNvSpPr>
-          <p:nvPr>
-            <p:ph idx="1"/>
-          </p:nvPr>
-        </p:nvSpPr>
-        <p:spPr/>
-        <p:txBody>
-          <a:bodyPr/>
-          <a:lstStyle/>
-          <a:p>
-            <a:endParaRPr lang="pl-PL"/>
+          <p:cNvPr id="9" name="Text 0">
+            <a:extLst>
+              <a:ext uri="{FF2B5EF4-FFF2-40B4-BE49-F238E27FC236}">
+                <a16:creationId xmlns:a16="http://schemas.microsoft.com/office/drawing/2014/main" id="{C6FCC0FF-36B0-031E-275F-C622FDE32E3E}"/>
+              </a:ext>
+            </a:extLst>
+          </p:cNvPr>
+          <p:cNvSpPr/>
+          <p:nvPr/>
+        </p:nvSpPr>
+        <p:spPr>
+          <a:xfrm>
+            <a:off x="396835" y="311825"/>
+            <a:ext cx="3187898" cy="354330"/>
+          </a:xfrm>
+          <a:prstGeom prst="rect">
+            <a:avLst/>
+          </a:prstGeom>
+          <a:noFill/>
+          <a:ln/>
+        </p:spPr>
+        <p:txBody>
+          <a:bodyPr wrap="none" lIns="0" tIns="0" rIns="0" bIns="0" rtlCol="0" anchor="t"/>
+          <a:lstStyle/>
+          <a:p>
+            <a:pPr marL="0" indent="0" algn="l">
+              <a:lnSpc>
+                <a:spcPts val="2750"/>
+              </a:lnSpc>
+              <a:buNone/>
+            </a:pPr>
+            <a:r>
+              <a:rPr lang="en-US" sz="3600" b="1" kern="0" spc="-67" dirty="0">
+                <a:solidFill>
+                  <a:srgbClr val="000000"/>
+                </a:solidFill>
+                <a:latin typeface="Inter Bold" pitchFamily="34" charset="0"/>
+                <a:ea typeface="Inter Bold" pitchFamily="34" charset="-122"/>
+                <a:cs typeface="Inter Bold" pitchFamily="34" charset="-120"/>
+              </a:rPr>
+              <a:t>Ustalenie zakresu oferty</a:t>
+            </a:r>
+            <a:endParaRPr lang="en-US" sz="3600" dirty="0"/>
+          </a:p>
+        </p:txBody>
+      </p:sp>
+      <p:sp>
+        <p:nvSpPr>
+          <p:cNvPr id="10" name="Text 1">
+            <a:extLst>
+              <a:ext uri="{FF2B5EF4-FFF2-40B4-BE49-F238E27FC236}">
+                <a16:creationId xmlns:a16="http://schemas.microsoft.com/office/drawing/2014/main" id="{A4B7E8EE-DF4C-F418-9584-12E6945C702D}"/>
+              </a:ext>
+            </a:extLst>
+          </p:cNvPr>
+          <p:cNvSpPr/>
+          <p:nvPr/>
+        </p:nvSpPr>
+        <p:spPr>
+          <a:xfrm>
+            <a:off x="396835" y="949523"/>
+            <a:ext cx="2798207" cy="212646"/>
+          </a:xfrm>
+          <a:prstGeom prst="rect">
+            <a:avLst/>
+          </a:prstGeom>
+          <a:noFill/>
+          <a:ln/>
+        </p:spPr>
+        <p:txBody>
+          <a:bodyPr wrap="none" lIns="0" tIns="0" rIns="0" bIns="0" rtlCol="0" anchor="t"/>
+          <a:lstStyle/>
+          <a:p>
+            <a:pPr marL="0" indent="0" algn="l">
+              <a:lnSpc>
+                <a:spcPts val="1650"/>
+              </a:lnSpc>
+              <a:buNone/>
+            </a:pPr>
+            <a:r>
+              <a:rPr lang="en-US" sz="1300" b="1" kern="0" spc="-40" dirty="0">
+                <a:solidFill>
+                  <a:srgbClr val="000000"/>
+                </a:solidFill>
+                <a:latin typeface="Inter Bold" pitchFamily="34" charset="0"/>
+                <a:ea typeface="Inter Bold" pitchFamily="34" charset="-122"/>
+                <a:cs typeface="Inter Bold" pitchFamily="34" charset="-120"/>
+              </a:rPr>
+              <a:t>Oferta dla Gospodarstw Domowych</a:t>
+            </a:r>
+            <a:endParaRPr lang="en-US" sz="1300" dirty="0"/>
+          </a:p>
+        </p:txBody>
+      </p:sp>
+      <p:sp>
+        <p:nvSpPr>
+          <p:cNvPr id="11" name="Shape 2">
+            <a:extLst>
+              <a:ext uri="{FF2B5EF4-FFF2-40B4-BE49-F238E27FC236}">
+                <a16:creationId xmlns:a16="http://schemas.microsoft.com/office/drawing/2014/main" id="{8AB11917-BF53-A54E-9E4A-23304F8EA7B3}"/>
+              </a:ext>
+            </a:extLst>
+          </p:cNvPr>
+          <p:cNvSpPr/>
+          <p:nvPr/>
+        </p:nvSpPr>
+        <p:spPr>
+          <a:xfrm>
+            <a:off x="396835" y="1289685"/>
+            <a:ext cx="5546765" cy="1564362"/>
+          </a:xfrm>
+          <a:prstGeom prst="roundRect">
+            <a:avLst>
+              <a:gd name="adj" fmla="val 3045"/>
+            </a:avLst>
+          </a:prstGeom>
+          <a:solidFill>
+            <a:srgbClr val="DADBF1"/>
+          </a:solidFill>
+          <a:ln w="7620">
+            <a:solidFill>
+              <a:srgbClr val="C0C1D7"/>
+            </a:solidFill>
+            <a:prstDash val="solid"/>
+          </a:ln>
+        </p:spPr>
+      </p:sp>
+      <p:sp>
+        <p:nvSpPr>
+          <p:cNvPr id="12" name="Text 3">
+            <a:extLst>
+              <a:ext uri="{FF2B5EF4-FFF2-40B4-BE49-F238E27FC236}">
+                <a16:creationId xmlns:a16="http://schemas.microsoft.com/office/drawing/2014/main" id="{90151A88-F08A-6C17-7E52-D6959E997023}"/>
+              </a:ext>
+            </a:extLst>
+          </p:cNvPr>
+          <p:cNvSpPr/>
+          <p:nvPr/>
+        </p:nvSpPr>
+        <p:spPr>
+          <a:xfrm>
+            <a:off x="517803" y="1410653"/>
+            <a:ext cx="1417558" cy="177165"/>
+          </a:xfrm>
+          <a:prstGeom prst="rect">
+            <a:avLst/>
+          </a:prstGeom>
+          <a:noFill/>
+          <a:ln/>
+        </p:spPr>
+        <p:txBody>
+          <a:bodyPr wrap="none" lIns="0" tIns="0" rIns="0" bIns="0" rtlCol="0" anchor="t"/>
+          <a:lstStyle/>
+          <a:p>
+            <a:pPr marL="0" indent="0" algn="l">
+              <a:lnSpc>
+                <a:spcPts val="1350"/>
+              </a:lnSpc>
+              <a:buNone/>
+            </a:pPr>
+            <a:r>
+              <a:rPr lang="en-US" sz="1100" b="1" kern="0" spc="-33" dirty="0">
+                <a:solidFill>
+                  <a:srgbClr val="272525"/>
+                </a:solidFill>
+                <a:latin typeface="Inter Bold" pitchFamily="34" charset="0"/>
+                <a:ea typeface="Inter Bold" pitchFamily="34" charset="-122"/>
+                <a:cs typeface="Inter Bold" pitchFamily="34" charset="-120"/>
+              </a:rPr>
+              <a:t>Speedster</a:t>
+            </a:r>
+            <a:endParaRPr lang="en-US" sz="1100" dirty="0"/>
+          </a:p>
+        </p:txBody>
+      </p:sp>
+      <p:sp>
+        <p:nvSpPr>
+          <p:cNvPr id="13" name="Text 4">
+            <a:extLst>
+              <a:ext uri="{FF2B5EF4-FFF2-40B4-BE49-F238E27FC236}">
+                <a16:creationId xmlns:a16="http://schemas.microsoft.com/office/drawing/2014/main" id="{BF62237F-1451-7395-5BCF-CB77D38366A8}"/>
+              </a:ext>
+            </a:extLst>
+          </p:cNvPr>
+          <p:cNvSpPr/>
+          <p:nvPr/>
+        </p:nvSpPr>
+        <p:spPr>
+          <a:xfrm>
+            <a:off x="517803" y="1701165"/>
+            <a:ext cx="6538079" cy="181451"/>
+          </a:xfrm>
+          <a:prstGeom prst="rect">
+            <a:avLst/>
+          </a:prstGeom>
+          <a:noFill/>
+          <a:ln/>
+        </p:spPr>
+        <p:txBody>
+          <a:bodyPr wrap="none" lIns="0" tIns="0" rIns="0" bIns="0" rtlCol="0" anchor="t"/>
+          <a:lstStyle/>
+          <a:p>
+            <a:pPr marL="0" indent="0" algn="l">
+              <a:lnSpc>
+                <a:spcPts val="1400"/>
+              </a:lnSpc>
+              <a:buNone/>
+            </a:pPr>
+            <a:r>
+              <a:rPr lang="en-US" sz="850" kern="0" spc="-18" dirty="0">
+                <a:solidFill>
+                  <a:srgbClr val="272525"/>
+                </a:solidFill>
+                <a:latin typeface="Inter" pitchFamily="34" charset="0"/>
+                <a:ea typeface="Inter" pitchFamily="34" charset="-122"/>
+                <a:cs typeface="Inter" pitchFamily="34" charset="-120"/>
+              </a:rPr>
+              <a:t>- Opis: Dla osób, które kochają prędkość i streaming w jakości 4K</a:t>
+            </a:r>
+            <a:endParaRPr lang="en-US" sz="850" dirty="0"/>
+          </a:p>
+        </p:txBody>
+      </p:sp>
+      <p:sp>
+        <p:nvSpPr>
+          <p:cNvPr id="14" name="Text 5">
+            <a:extLst>
+              <a:ext uri="{FF2B5EF4-FFF2-40B4-BE49-F238E27FC236}">
+                <a16:creationId xmlns:a16="http://schemas.microsoft.com/office/drawing/2014/main" id="{8EA2A472-D520-43FF-D33E-DAB05D151761}"/>
+              </a:ext>
+            </a:extLst>
+          </p:cNvPr>
+          <p:cNvSpPr/>
+          <p:nvPr/>
+        </p:nvSpPr>
+        <p:spPr>
+          <a:xfrm>
+            <a:off x="517803" y="1984653"/>
+            <a:ext cx="6538079" cy="181451"/>
+          </a:xfrm>
+          <a:prstGeom prst="rect">
+            <a:avLst/>
+          </a:prstGeom>
+          <a:noFill/>
+          <a:ln/>
+        </p:spPr>
+        <p:txBody>
+          <a:bodyPr wrap="none" lIns="0" tIns="0" rIns="0" bIns="0" rtlCol="0" anchor="t"/>
+          <a:lstStyle/>
+          <a:p>
+            <a:pPr marL="0" indent="0" algn="l">
+              <a:lnSpc>
+                <a:spcPts val="1400"/>
+              </a:lnSpc>
+              <a:buNone/>
+            </a:pPr>
+            <a:r>
+              <a:rPr lang="en-US" sz="850" kern="0" spc="-18" dirty="0">
+                <a:solidFill>
+                  <a:srgbClr val="272525"/>
+                </a:solidFill>
+                <a:latin typeface="Inter" pitchFamily="34" charset="0"/>
+                <a:ea typeface="Inter" pitchFamily="34" charset="-122"/>
+                <a:cs typeface="Inter" pitchFamily="34" charset="-120"/>
+              </a:rPr>
+              <a:t>- Prędkość: 900 Mb/s</a:t>
+            </a:r>
+            <a:endParaRPr lang="en-US" sz="850" dirty="0"/>
+          </a:p>
+        </p:txBody>
+      </p:sp>
+      <p:sp>
+        <p:nvSpPr>
+          <p:cNvPr id="15" name="Text 6">
+            <a:extLst>
+              <a:ext uri="{FF2B5EF4-FFF2-40B4-BE49-F238E27FC236}">
+                <a16:creationId xmlns:a16="http://schemas.microsoft.com/office/drawing/2014/main" id="{4DDEDE34-7605-B1E2-6555-CEF6439117A7}"/>
+              </a:ext>
+            </a:extLst>
+          </p:cNvPr>
+          <p:cNvSpPr/>
+          <p:nvPr/>
+        </p:nvSpPr>
+        <p:spPr>
+          <a:xfrm>
+            <a:off x="517803" y="2268141"/>
+            <a:ext cx="6538079" cy="181451"/>
+          </a:xfrm>
+          <a:prstGeom prst="rect">
+            <a:avLst/>
+          </a:prstGeom>
+          <a:noFill/>
+          <a:ln/>
+        </p:spPr>
+        <p:txBody>
+          <a:bodyPr wrap="none" lIns="0" tIns="0" rIns="0" bIns="0" rtlCol="0" anchor="t"/>
+          <a:lstStyle/>
+          <a:p>
+            <a:pPr marL="0" indent="0" algn="l">
+              <a:lnSpc>
+                <a:spcPts val="1400"/>
+              </a:lnSpc>
+              <a:buNone/>
+            </a:pPr>
+            <a:r>
+              <a:rPr lang="en-US" sz="850" kern="0" spc="-18" dirty="0">
+                <a:solidFill>
+                  <a:srgbClr val="272525"/>
+                </a:solidFill>
+                <a:latin typeface="Inter" pitchFamily="34" charset="0"/>
+                <a:ea typeface="Inter" pitchFamily="34" charset="-122"/>
+                <a:cs typeface="Inter" pitchFamily="34" charset="-120"/>
+              </a:rPr>
+              <a:t>- Hasło: "Nic Cię nie zatrzyma"</a:t>
+            </a:r>
+            <a:endParaRPr lang="en-US" sz="850" dirty="0"/>
+          </a:p>
+        </p:txBody>
+      </p:sp>
+      <p:sp>
+        <p:nvSpPr>
+          <p:cNvPr id="16" name="Text 7">
+            <a:extLst>
+              <a:ext uri="{FF2B5EF4-FFF2-40B4-BE49-F238E27FC236}">
+                <a16:creationId xmlns:a16="http://schemas.microsoft.com/office/drawing/2014/main" id="{F7F53D22-160E-141C-3DD6-3EA0BB1DD429}"/>
+              </a:ext>
+            </a:extLst>
+          </p:cNvPr>
+          <p:cNvSpPr/>
+          <p:nvPr/>
+        </p:nvSpPr>
+        <p:spPr>
+          <a:xfrm>
+            <a:off x="517803" y="2551628"/>
+            <a:ext cx="6538079" cy="181451"/>
+          </a:xfrm>
+          <a:prstGeom prst="rect">
+            <a:avLst/>
+          </a:prstGeom>
+          <a:noFill/>
+          <a:ln/>
+        </p:spPr>
+        <p:txBody>
+          <a:bodyPr wrap="none" lIns="0" tIns="0" rIns="0" bIns="0" rtlCol="0" anchor="t"/>
+          <a:lstStyle/>
+          <a:p>
+            <a:pPr marL="0" indent="0" algn="l">
+              <a:lnSpc>
+                <a:spcPts val="1400"/>
+              </a:lnSpc>
+              <a:buNone/>
+            </a:pPr>
+            <a:r>
+              <a:rPr lang="en-US" sz="850" kern="0" spc="-18" dirty="0">
+                <a:solidFill>
+                  <a:srgbClr val="272525"/>
+                </a:solidFill>
+                <a:latin typeface="Inter" pitchFamily="34" charset="0"/>
+                <a:ea typeface="Inter" pitchFamily="34" charset="-122"/>
+                <a:cs typeface="Inter" pitchFamily="34" charset="-120"/>
+              </a:rPr>
+              <a:t>- Koszt: 80 zł/mies</a:t>
+            </a:r>
+            <a:endParaRPr lang="en-US" sz="850" dirty="0"/>
+          </a:p>
+        </p:txBody>
+      </p:sp>
+      <p:sp>
+        <p:nvSpPr>
+          <p:cNvPr id="17" name="Shape 8">
+            <a:extLst>
+              <a:ext uri="{FF2B5EF4-FFF2-40B4-BE49-F238E27FC236}">
+                <a16:creationId xmlns:a16="http://schemas.microsoft.com/office/drawing/2014/main" id="{43C17996-2971-CEC4-AA7F-5F115E52C6D1}"/>
+              </a:ext>
+            </a:extLst>
+          </p:cNvPr>
+          <p:cNvSpPr/>
+          <p:nvPr/>
+        </p:nvSpPr>
+        <p:spPr>
+          <a:xfrm>
+            <a:off x="396835" y="2967395"/>
+            <a:ext cx="5546765" cy="1564362"/>
+          </a:xfrm>
+          <a:prstGeom prst="roundRect">
+            <a:avLst>
+              <a:gd name="adj" fmla="val 3045"/>
+            </a:avLst>
+          </a:prstGeom>
+          <a:solidFill>
+            <a:srgbClr val="DADBF1"/>
+          </a:solidFill>
+          <a:ln w="7620">
+            <a:solidFill>
+              <a:srgbClr val="C0C1D7"/>
+            </a:solidFill>
+            <a:prstDash val="solid"/>
+          </a:ln>
+        </p:spPr>
+      </p:sp>
+      <p:sp>
+        <p:nvSpPr>
+          <p:cNvPr id="18" name="Text 9">
+            <a:extLst>
+              <a:ext uri="{FF2B5EF4-FFF2-40B4-BE49-F238E27FC236}">
+                <a16:creationId xmlns:a16="http://schemas.microsoft.com/office/drawing/2014/main" id="{740E1B3B-B84D-52E8-8F09-502225E5E575}"/>
+              </a:ext>
+            </a:extLst>
+          </p:cNvPr>
+          <p:cNvSpPr/>
+          <p:nvPr/>
+        </p:nvSpPr>
+        <p:spPr>
+          <a:xfrm>
+            <a:off x="517803" y="3088362"/>
+            <a:ext cx="1417558" cy="177165"/>
+          </a:xfrm>
+          <a:prstGeom prst="rect">
+            <a:avLst/>
+          </a:prstGeom>
+          <a:noFill/>
+          <a:ln/>
+        </p:spPr>
+        <p:txBody>
+          <a:bodyPr wrap="none" lIns="0" tIns="0" rIns="0" bIns="0" rtlCol="0" anchor="t"/>
+          <a:lstStyle/>
+          <a:p>
+            <a:pPr marL="0" indent="0" algn="l">
+              <a:lnSpc>
+                <a:spcPts val="1350"/>
+              </a:lnSpc>
+              <a:buNone/>
+            </a:pPr>
+            <a:r>
+              <a:rPr lang="en-US" sz="1100" b="1" kern="0" spc="-33" dirty="0">
+                <a:solidFill>
+                  <a:srgbClr val="272525"/>
+                </a:solidFill>
+                <a:latin typeface="Inter Bold" pitchFamily="34" charset="0"/>
+                <a:ea typeface="Inter Bold" pitchFamily="34" charset="-122"/>
+                <a:cs typeface="Inter Bold" pitchFamily="34" charset="-120"/>
+              </a:rPr>
+              <a:t>Domowy Komfort</a:t>
+            </a:r>
+            <a:endParaRPr lang="en-US" sz="1100" dirty="0"/>
+          </a:p>
+        </p:txBody>
+      </p:sp>
+      <p:sp>
+        <p:nvSpPr>
+          <p:cNvPr id="19" name="Text 10">
+            <a:extLst>
+              <a:ext uri="{FF2B5EF4-FFF2-40B4-BE49-F238E27FC236}">
+                <a16:creationId xmlns:a16="http://schemas.microsoft.com/office/drawing/2014/main" id="{28F84564-8584-F172-4937-EAB412CC75DE}"/>
+              </a:ext>
+            </a:extLst>
+          </p:cNvPr>
+          <p:cNvSpPr/>
+          <p:nvPr/>
+        </p:nvSpPr>
+        <p:spPr>
+          <a:xfrm>
+            <a:off x="517803" y="3378875"/>
+            <a:ext cx="6538079" cy="181451"/>
+          </a:xfrm>
+          <a:prstGeom prst="rect">
+            <a:avLst/>
+          </a:prstGeom>
+          <a:noFill/>
+          <a:ln/>
+        </p:spPr>
+        <p:txBody>
+          <a:bodyPr wrap="none" lIns="0" tIns="0" rIns="0" bIns="0" rtlCol="0" anchor="t"/>
+          <a:lstStyle/>
+          <a:p>
+            <a:pPr marL="0" indent="0" algn="l">
+              <a:lnSpc>
+                <a:spcPts val="1400"/>
+              </a:lnSpc>
+              <a:buNone/>
+            </a:pPr>
+            <a:r>
+              <a:rPr lang="en-US" sz="850" kern="0" spc="-18" dirty="0">
+                <a:solidFill>
+                  <a:srgbClr val="272525"/>
+                </a:solidFill>
+                <a:latin typeface="Inter" pitchFamily="34" charset="0"/>
+                <a:ea typeface="Inter" pitchFamily="34" charset="-122"/>
+                <a:cs typeface="Inter" pitchFamily="34" charset="-120"/>
+              </a:rPr>
+              <a:t>- Opis: Idealny do pracy zdalnej, nauki i codziennego surfowania</a:t>
+            </a:r>
+            <a:endParaRPr lang="en-US" sz="850" dirty="0"/>
+          </a:p>
+        </p:txBody>
+      </p:sp>
+      <p:sp>
+        <p:nvSpPr>
+          <p:cNvPr id="20" name="Text 11">
+            <a:extLst>
+              <a:ext uri="{FF2B5EF4-FFF2-40B4-BE49-F238E27FC236}">
+                <a16:creationId xmlns:a16="http://schemas.microsoft.com/office/drawing/2014/main" id="{BF43DE03-51E6-F00F-90B2-22C20C95E892}"/>
+              </a:ext>
+            </a:extLst>
+          </p:cNvPr>
+          <p:cNvSpPr/>
+          <p:nvPr/>
+        </p:nvSpPr>
+        <p:spPr>
+          <a:xfrm>
+            <a:off x="517803" y="3662363"/>
+            <a:ext cx="6538079" cy="181451"/>
+          </a:xfrm>
+          <a:prstGeom prst="rect">
+            <a:avLst/>
+          </a:prstGeom>
+          <a:noFill/>
+          <a:ln/>
+        </p:spPr>
+        <p:txBody>
+          <a:bodyPr wrap="none" lIns="0" tIns="0" rIns="0" bIns="0" rtlCol="0" anchor="t"/>
+          <a:lstStyle/>
+          <a:p>
+            <a:pPr marL="0" indent="0" algn="l">
+              <a:lnSpc>
+                <a:spcPts val="1400"/>
+              </a:lnSpc>
+              <a:buNone/>
+            </a:pPr>
+            <a:r>
+              <a:rPr lang="en-US" sz="850" kern="0" spc="-18" dirty="0">
+                <a:solidFill>
+                  <a:srgbClr val="272525"/>
+                </a:solidFill>
+                <a:latin typeface="Inter" pitchFamily="34" charset="0"/>
+                <a:ea typeface="Inter" pitchFamily="34" charset="-122"/>
+                <a:cs typeface="Inter" pitchFamily="34" charset="-120"/>
+              </a:rPr>
+              <a:t>- Prędkość: 300 Mb/s</a:t>
+            </a:r>
+            <a:endParaRPr lang="en-US" sz="850" dirty="0"/>
+          </a:p>
+        </p:txBody>
+      </p:sp>
+      <p:sp>
+        <p:nvSpPr>
+          <p:cNvPr id="21" name="Text 12">
+            <a:extLst>
+              <a:ext uri="{FF2B5EF4-FFF2-40B4-BE49-F238E27FC236}">
+                <a16:creationId xmlns:a16="http://schemas.microsoft.com/office/drawing/2014/main" id="{A328718F-2B14-E1D0-BD92-99BFF6F66DF0}"/>
+              </a:ext>
+            </a:extLst>
+          </p:cNvPr>
+          <p:cNvSpPr/>
+          <p:nvPr/>
+        </p:nvSpPr>
+        <p:spPr>
+          <a:xfrm>
+            <a:off x="517803" y="3945850"/>
+            <a:ext cx="6538079" cy="181451"/>
+          </a:xfrm>
+          <a:prstGeom prst="rect">
+            <a:avLst/>
+          </a:prstGeom>
+          <a:noFill/>
+          <a:ln/>
+        </p:spPr>
+        <p:txBody>
+          <a:bodyPr wrap="none" lIns="0" tIns="0" rIns="0" bIns="0" rtlCol="0" anchor="t"/>
+          <a:lstStyle/>
+          <a:p>
+            <a:pPr marL="0" indent="0" algn="l">
+              <a:lnSpc>
+                <a:spcPts val="1400"/>
+              </a:lnSpc>
+              <a:buNone/>
+            </a:pPr>
+            <a:r>
+              <a:rPr lang="en-US" sz="850" kern="0" spc="-18" dirty="0">
+                <a:solidFill>
+                  <a:srgbClr val="272525"/>
+                </a:solidFill>
+                <a:latin typeface="Inter" pitchFamily="34" charset="0"/>
+                <a:ea typeface="Inter" pitchFamily="34" charset="-122"/>
+                <a:cs typeface="Inter" pitchFamily="34" charset="-120"/>
+              </a:rPr>
+              <a:t>- Hasło: "Internet, który rozumie Twój rytm"</a:t>
+            </a:r>
+            <a:endParaRPr lang="en-US" sz="850" dirty="0"/>
+          </a:p>
+        </p:txBody>
+      </p:sp>
+      <p:sp>
+        <p:nvSpPr>
+          <p:cNvPr id="22" name="Text 13">
+            <a:extLst>
+              <a:ext uri="{FF2B5EF4-FFF2-40B4-BE49-F238E27FC236}">
+                <a16:creationId xmlns:a16="http://schemas.microsoft.com/office/drawing/2014/main" id="{B3308A93-9BA0-63A6-D17A-A066989D108E}"/>
+              </a:ext>
+            </a:extLst>
+          </p:cNvPr>
+          <p:cNvSpPr/>
+          <p:nvPr/>
+        </p:nvSpPr>
+        <p:spPr>
+          <a:xfrm>
+            <a:off x="517803" y="4229338"/>
+            <a:ext cx="6538079" cy="181451"/>
+          </a:xfrm>
+          <a:prstGeom prst="rect">
+            <a:avLst/>
+          </a:prstGeom>
+          <a:noFill/>
+          <a:ln/>
+        </p:spPr>
+        <p:txBody>
+          <a:bodyPr wrap="none" lIns="0" tIns="0" rIns="0" bIns="0" rtlCol="0" anchor="t"/>
+          <a:lstStyle/>
+          <a:p>
+            <a:pPr marL="0" indent="0" algn="l">
+              <a:lnSpc>
+                <a:spcPts val="1400"/>
+              </a:lnSpc>
+              <a:buNone/>
+            </a:pPr>
+            <a:r>
+              <a:rPr lang="en-US" sz="850" kern="0" spc="-18" dirty="0">
+                <a:solidFill>
+                  <a:srgbClr val="272525"/>
+                </a:solidFill>
+                <a:latin typeface="Inter" pitchFamily="34" charset="0"/>
+                <a:ea typeface="Inter" pitchFamily="34" charset="-122"/>
+                <a:cs typeface="Inter" pitchFamily="34" charset="-120"/>
+              </a:rPr>
+              <a:t>- Koszt: 60 zł/mies</a:t>
+            </a:r>
+            <a:endParaRPr lang="en-US" sz="850" dirty="0"/>
+          </a:p>
+        </p:txBody>
+      </p:sp>
+      <p:sp>
+        <p:nvSpPr>
+          <p:cNvPr id="23" name="Shape 14">
+            <a:extLst>
+              <a:ext uri="{FF2B5EF4-FFF2-40B4-BE49-F238E27FC236}">
+                <a16:creationId xmlns:a16="http://schemas.microsoft.com/office/drawing/2014/main" id="{A82DC7BA-B786-2F46-8CBE-8845E16890CC}"/>
+              </a:ext>
+            </a:extLst>
+          </p:cNvPr>
+          <p:cNvSpPr/>
+          <p:nvPr/>
+        </p:nvSpPr>
+        <p:spPr>
+          <a:xfrm>
+            <a:off x="396835" y="4645104"/>
+            <a:ext cx="5546765" cy="1564362"/>
+          </a:xfrm>
+          <a:prstGeom prst="roundRect">
+            <a:avLst>
+              <a:gd name="adj" fmla="val 3045"/>
+            </a:avLst>
+          </a:prstGeom>
+          <a:solidFill>
+            <a:srgbClr val="DADBF1"/>
+          </a:solidFill>
+          <a:ln w="7620">
+            <a:solidFill>
+              <a:srgbClr val="C0C1D7"/>
+            </a:solidFill>
+            <a:prstDash val="solid"/>
+          </a:ln>
+        </p:spPr>
+      </p:sp>
+      <p:sp>
+        <p:nvSpPr>
+          <p:cNvPr id="24" name="Text 15">
+            <a:extLst>
+              <a:ext uri="{FF2B5EF4-FFF2-40B4-BE49-F238E27FC236}">
+                <a16:creationId xmlns:a16="http://schemas.microsoft.com/office/drawing/2014/main" id="{91F35E0A-20CC-EF7C-1EE0-62952486655F}"/>
+              </a:ext>
+            </a:extLst>
+          </p:cNvPr>
+          <p:cNvSpPr/>
+          <p:nvPr/>
+        </p:nvSpPr>
+        <p:spPr>
+          <a:xfrm>
+            <a:off x="517803" y="4766072"/>
+            <a:ext cx="1417558" cy="177165"/>
+          </a:xfrm>
+          <a:prstGeom prst="rect">
+            <a:avLst/>
+          </a:prstGeom>
+          <a:noFill/>
+          <a:ln/>
+        </p:spPr>
+        <p:txBody>
+          <a:bodyPr wrap="none" lIns="0" tIns="0" rIns="0" bIns="0" rtlCol="0" anchor="t"/>
+          <a:lstStyle/>
+          <a:p>
+            <a:pPr marL="0" indent="0" algn="l">
+              <a:lnSpc>
+                <a:spcPts val="1350"/>
+              </a:lnSpc>
+              <a:buNone/>
+            </a:pPr>
+            <a:r>
+              <a:rPr lang="en-US" sz="1100" b="1" kern="0" spc="-33" dirty="0">
+                <a:solidFill>
+                  <a:srgbClr val="272525"/>
+                </a:solidFill>
+                <a:latin typeface="Inter Bold" pitchFamily="34" charset="0"/>
+                <a:ea typeface="Inter Bold" pitchFamily="34" charset="-122"/>
+                <a:cs typeface="Inter Bold" pitchFamily="34" charset="-120"/>
+              </a:rPr>
+              <a:t>GameON</a:t>
+            </a:r>
+            <a:endParaRPr lang="en-US" sz="1100" dirty="0"/>
+          </a:p>
+        </p:txBody>
+      </p:sp>
+      <p:sp>
+        <p:nvSpPr>
+          <p:cNvPr id="25" name="Text 16">
+            <a:extLst>
+              <a:ext uri="{FF2B5EF4-FFF2-40B4-BE49-F238E27FC236}">
+                <a16:creationId xmlns:a16="http://schemas.microsoft.com/office/drawing/2014/main" id="{C15029AB-DBB5-4699-B0E2-4C1F51D9371B}"/>
+              </a:ext>
+            </a:extLst>
+          </p:cNvPr>
+          <p:cNvSpPr/>
+          <p:nvPr/>
+        </p:nvSpPr>
+        <p:spPr>
+          <a:xfrm>
+            <a:off x="517803" y="5056584"/>
+            <a:ext cx="6538079" cy="181451"/>
+          </a:xfrm>
+          <a:prstGeom prst="rect">
+            <a:avLst/>
+          </a:prstGeom>
+          <a:noFill/>
+          <a:ln/>
+        </p:spPr>
+        <p:txBody>
+          <a:bodyPr wrap="none" lIns="0" tIns="0" rIns="0" bIns="0" rtlCol="0" anchor="t"/>
+          <a:lstStyle/>
+          <a:p>
+            <a:pPr marL="0" indent="0" algn="l">
+              <a:lnSpc>
+                <a:spcPts val="1400"/>
+              </a:lnSpc>
+              <a:buNone/>
+            </a:pPr>
+            <a:r>
+              <a:rPr lang="en-US" sz="850" kern="0" spc="-18" dirty="0">
+                <a:solidFill>
+                  <a:srgbClr val="272525"/>
+                </a:solidFill>
+                <a:latin typeface="Inter" pitchFamily="34" charset="0"/>
+                <a:ea typeface="Inter" pitchFamily="34" charset="-122"/>
+                <a:cs typeface="Inter" pitchFamily="34" charset="-120"/>
+              </a:rPr>
+              <a:t>- Opis: Oferta stworzona z myślą o graczach i streamerach – z niskim pingiem i priorytetem dla gier</a:t>
+            </a:r>
+            <a:endParaRPr lang="en-US" sz="850" dirty="0"/>
+          </a:p>
+        </p:txBody>
+      </p:sp>
+      <p:sp>
+        <p:nvSpPr>
+          <p:cNvPr id="26" name="Text 17">
+            <a:extLst>
+              <a:ext uri="{FF2B5EF4-FFF2-40B4-BE49-F238E27FC236}">
+                <a16:creationId xmlns:a16="http://schemas.microsoft.com/office/drawing/2014/main" id="{D535480A-4AB5-0F93-E15D-7280B2911D0B}"/>
+              </a:ext>
+            </a:extLst>
+          </p:cNvPr>
+          <p:cNvSpPr/>
+          <p:nvPr/>
+        </p:nvSpPr>
+        <p:spPr>
+          <a:xfrm>
+            <a:off x="517803" y="5340072"/>
+            <a:ext cx="6538079" cy="181451"/>
+          </a:xfrm>
+          <a:prstGeom prst="rect">
+            <a:avLst/>
+          </a:prstGeom>
+          <a:noFill/>
+          <a:ln/>
+        </p:spPr>
+        <p:txBody>
+          <a:bodyPr wrap="none" lIns="0" tIns="0" rIns="0" bIns="0" rtlCol="0" anchor="t"/>
+          <a:lstStyle/>
+          <a:p>
+            <a:pPr marL="0" indent="0" algn="l">
+              <a:lnSpc>
+                <a:spcPts val="1400"/>
+              </a:lnSpc>
+              <a:buNone/>
+            </a:pPr>
+            <a:r>
+              <a:rPr lang="en-US" sz="850" kern="0" spc="-18" dirty="0">
+                <a:solidFill>
+                  <a:srgbClr val="272525"/>
+                </a:solidFill>
+                <a:latin typeface="Inter" pitchFamily="34" charset="0"/>
+                <a:ea typeface="Inter" pitchFamily="34" charset="-122"/>
+                <a:cs typeface="Inter" pitchFamily="34" charset="-120"/>
+              </a:rPr>
+              <a:t>- Prędkość: 600 Mb/s (plus niski ping)</a:t>
+            </a:r>
+            <a:endParaRPr lang="en-US" sz="850" dirty="0"/>
+          </a:p>
+        </p:txBody>
+      </p:sp>
+      <p:sp>
+        <p:nvSpPr>
+          <p:cNvPr id="27" name="Text 18">
+            <a:extLst>
+              <a:ext uri="{FF2B5EF4-FFF2-40B4-BE49-F238E27FC236}">
+                <a16:creationId xmlns:a16="http://schemas.microsoft.com/office/drawing/2014/main" id="{65D28EB3-560B-F4BF-2021-3FDC3A98E493}"/>
+              </a:ext>
+            </a:extLst>
+          </p:cNvPr>
+          <p:cNvSpPr/>
+          <p:nvPr/>
+        </p:nvSpPr>
+        <p:spPr>
+          <a:xfrm>
+            <a:off x="517803" y="5623560"/>
+            <a:ext cx="6538079" cy="181451"/>
+          </a:xfrm>
+          <a:prstGeom prst="rect">
+            <a:avLst/>
+          </a:prstGeom>
+          <a:noFill/>
+          <a:ln/>
+        </p:spPr>
+        <p:txBody>
+          <a:bodyPr wrap="none" lIns="0" tIns="0" rIns="0" bIns="0" rtlCol="0" anchor="t"/>
+          <a:lstStyle/>
+          <a:p>
+            <a:pPr marL="0" indent="0" algn="l">
+              <a:lnSpc>
+                <a:spcPts val="1400"/>
+              </a:lnSpc>
+              <a:buNone/>
+            </a:pPr>
+            <a:r>
+              <a:rPr lang="en-US" sz="850" kern="0" spc="-18" dirty="0">
+                <a:solidFill>
+                  <a:srgbClr val="272525"/>
+                </a:solidFill>
+                <a:latin typeface="Inter" pitchFamily="34" charset="0"/>
+                <a:ea typeface="Inter" pitchFamily="34" charset="-122"/>
+                <a:cs typeface="Inter" pitchFamily="34" charset="-120"/>
+              </a:rPr>
+              <a:t>- Hasło: "Zero lagów Tylko wygrane"</a:t>
+            </a:r>
+            <a:endParaRPr lang="en-US" sz="850" dirty="0"/>
+          </a:p>
+        </p:txBody>
+      </p:sp>
+      <p:sp>
+        <p:nvSpPr>
+          <p:cNvPr id="28" name="Text 19">
+            <a:extLst>
+              <a:ext uri="{FF2B5EF4-FFF2-40B4-BE49-F238E27FC236}">
+                <a16:creationId xmlns:a16="http://schemas.microsoft.com/office/drawing/2014/main" id="{F70A04B9-DD6F-E14B-9722-5383E1F91F61}"/>
+              </a:ext>
+            </a:extLst>
+          </p:cNvPr>
+          <p:cNvSpPr/>
+          <p:nvPr/>
+        </p:nvSpPr>
+        <p:spPr>
+          <a:xfrm>
+            <a:off x="517803" y="5907048"/>
+            <a:ext cx="6538079" cy="181451"/>
+          </a:xfrm>
+          <a:prstGeom prst="rect">
+            <a:avLst/>
+          </a:prstGeom>
+          <a:noFill/>
+          <a:ln/>
+        </p:spPr>
+        <p:txBody>
+          <a:bodyPr wrap="none" lIns="0" tIns="0" rIns="0" bIns="0" rtlCol="0" anchor="t"/>
+          <a:lstStyle/>
+          <a:p>
+            <a:pPr marL="0" indent="0" algn="l">
+              <a:lnSpc>
+                <a:spcPts val="1400"/>
+              </a:lnSpc>
+              <a:buNone/>
+            </a:pPr>
+            <a:r>
+              <a:rPr lang="en-US" sz="850" kern="0" spc="-18" dirty="0">
+                <a:solidFill>
+                  <a:srgbClr val="272525"/>
+                </a:solidFill>
+                <a:latin typeface="Inter" pitchFamily="34" charset="0"/>
+                <a:ea typeface="Inter" pitchFamily="34" charset="-122"/>
+                <a:cs typeface="Inter" pitchFamily="34" charset="-120"/>
+              </a:rPr>
+              <a:t>- Koszt: 70 zł/mies</a:t>
+            </a:r>
+            <a:endParaRPr lang="en-US" sz="850" dirty="0"/>
+          </a:p>
+        </p:txBody>
+      </p:sp>
+      <p:sp>
+        <p:nvSpPr>
+          <p:cNvPr id="29" name="Shape 20">
+            <a:extLst>
+              <a:ext uri="{FF2B5EF4-FFF2-40B4-BE49-F238E27FC236}">
+                <a16:creationId xmlns:a16="http://schemas.microsoft.com/office/drawing/2014/main" id="{7B63A3DC-F314-D139-93E6-8B44E757025C}"/>
+              </a:ext>
+            </a:extLst>
+          </p:cNvPr>
+          <p:cNvSpPr/>
+          <p:nvPr/>
+        </p:nvSpPr>
+        <p:spPr>
+          <a:xfrm>
+            <a:off x="6432471" y="355005"/>
+            <a:ext cx="5546765" cy="1564362"/>
+          </a:xfrm>
+          <a:prstGeom prst="roundRect">
+            <a:avLst>
+              <a:gd name="adj" fmla="val 3045"/>
+            </a:avLst>
+          </a:prstGeom>
+          <a:solidFill>
+            <a:srgbClr val="DADBF1"/>
+          </a:solidFill>
+          <a:ln w="7620">
+            <a:solidFill>
+              <a:srgbClr val="C0C1D7"/>
+            </a:solidFill>
+            <a:prstDash val="solid"/>
+          </a:ln>
+        </p:spPr>
+      </p:sp>
+      <p:sp>
+        <p:nvSpPr>
+          <p:cNvPr id="30" name="Text 21">
+            <a:extLst>
+              <a:ext uri="{FF2B5EF4-FFF2-40B4-BE49-F238E27FC236}">
+                <a16:creationId xmlns:a16="http://schemas.microsoft.com/office/drawing/2014/main" id="{6E90B142-2DBD-6386-6B8B-3C3942D36C0F}"/>
+              </a:ext>
+            </a:extLst>
+          </p:cNvPr>
+          <p:cNvSpPr/>
+          <p:nvPr/>
+        </p:nvSpPr>
+        <p:spPr>
+          <a:xfrm>
+            <a:off x="6553439" y="475973"/>
+            <a:ext cx="1417558" cy="177165"/>
+          </a:xfrm>
+          <a:prstGeom prst="rect">
+            <a:avLst/>
+          </a:prstGeom>
+          <a:noFill/>
+          <a:ln/>
+        </p:spPr>
+        <p:txBody>
+          <a:bodyPr wrap="none" lIns="0" tIns="0" rIns="0" bIns="0" rtlCol="0" anchor="t"/>
+          <a:lstStyle/>
+          <a:p>
+            <a:pPr marL="0" indent="0" algn="l">
+              <a:lnSpc>
+                <a:spcPts val="1350"/>
+              </a:lnSpc>
+              <a:buNone/>
+            </a:pPr>
+            <a:r>
+              <a:rPr lang="en-US" sz="1100" b="1" kern="0" spc="-33" dirty="0">
+                <a:solidFill>
+                  <a:srgbClr val="272525"/>
+                </a:solidFill>
+                <a:latin typeface="Inter Bold" pitchFamily="34" charset="0"/>
+                <a:ea typeface="Inter Bold" pitchFamily="34" charset="-122"/>
+                <a:cs typeface="Inter Bold" pitchFamily="34" charset="-120"/>
+              </a:rPr>
+              <a:t>Wszędzie Ty</a:t>
+            </a:r>
+            <a:endParaRPr lang="en-US" sz="1100" dirty="0"/>
+          </a:p>
+        </p:txBody>
+      </p:sp>
+      <p:sp>
+        <p:nvSpPr>
+          <p:cNvPr id="31" name="Text 22">
+            <a:extLst>
+              <a:ext uri="{FF2B5EF4-FFF2-40B4-BE49-F238E27FC236}">
+                <a16:creationId xmlns:a16="http://schemas.microsoft.com/office/drawing/2014/main" id="{12459E8E-B05A-8821-8493-1193B56FFC3A}"/>
+              </a:ext>
+            </a:extLst>
+          </p:cNvPr>
+          <p:cNvSpPr/>
+          <p:nvPr/>
+        </p:nvSpPr>
+        <p:spPr>
+          <a:xfrm>
+            <a:off x="6553439" y="766485"/>
+            <a:ext cx="6538079" cy="181451"/>
+          </a:xfrm>
+          <a:prstGeom prst="rect">
+            <a:avLst/>
+          </a:prstGeom>
+          <a:noFill/>
+          <a:ln/>
+        </p:spPr>
+        <p:txBody>
+          <a:bodyPr wrap="none" lIns="0" tIns="0" rIns="0" bIns="0" rtlCol="0" anchor="t"/>
+          <a:lstStyle/>
+          <a:p>
+            <a:pPr marL="0" indent="0" algn="l">
+              <a:lnSpc>
+                <a:spcPts val="1400"/>
+              </a:lnSpc>
+              <a:buNone/>
+            </a:pPr>
+            <a:r>
+              <a:rPr lang="en-US" sz="850" kern="0" spc="-18" dirty="0">
+                <a:solidFill>
+                  <a:srgbClr val="272525"/>
+                </a:solidFill>
+                <a:latin typeface="Inter" pitchFamily="34" charset="0"/>
+                <a:ea typeface="Inter" pitchFamily="34" charset="-122"/>
+                <a:cs typeface="Inter" pitchFamily="34" charset="-120"/>
+              </a:rPr>
+              <a:t>- Opis: Internet mobilny z dużym pakietem GB lub nielimitowany, dla tych, którzy są w ciągłym ruchu</a:t>
+            </a:r>
+            <a:endParaRPr lang="en-US" sz="850" dirty="0"/>
+          </a:p>
+        </p:txBody>
+      </p:sp>
+      <p:sp>
+        <p:nvSpPr>
+          <p:cNvPr id="32" name="Text 23">
+            <a:extLst>
+              <a:ext uri="{FF2B5EF4-FFF2-40B4-BE49-F238E27FC236}">
+                <a16:creationId xmlns:a16="http://schemas.microsoft.com/office/drawing/2014/main" id="{66125F35-D586-D160-B08F-CBCE00DAA284}"/>
+              </a:ext>
+            </a:extLst>
+          </p:cNvPr>
+          <p:cNvSpPr/>
+          <p:nvPr/>
+        </p:nvSpPr>
+        <p:spPr>
+          <a:xfrm>
+            <a:off x="6553439" y="1049973"/>
+            <a:ext cx="6538079" cy="181451"/>
+          </a:xfrm>
+          <a:prstGeom prst="rect">
+            <a:avLst/>
+          </a:prstGeom>
+          <a:noFill/>
+          <a:ln/>
+        </p:spPr>
+        <p:txBody>
+          <a:bodyPr wrap="none" lIns="0" tIns="0" rIns="0" bIns="0" rtlCol="0" anchor="t"/>
+          <a:lstStyle/>
+          <a:p>
+            <a:pPr marL="0" indent="0" algn="l">
+              <a:lnSpc>
+                <a:spcPts val="1400"/>
+              </a:lnSpc>
+              <a:buNone/>
+            </a:pPr>
+            <a:r>
+              <a:rPr lang="en-US" sz="850" kern="0" spc="-18" dirty="0">
+                <a:solidFill>
+                  <a:srgbClr val="272525"/>
+                </a:solidFill>
+                <a:latin typeface="Inter" pitchFamily="34" charset="0"/>
+                <a:ea typeface="Inter" pitchFamily="34" charset="-122"/>
+                <a:cs typeface="Inter" pitchFamily="34" charset="-120"/>
+              </a:rPr>
+              <a:t>- Technologia: LTE / 5G</a:t>
+            </a:r>
+            <a:endParaRPr lang="en-US" sz="850" dirty="0"/>
+          </a:p>
+        </p:txBody>
+      </p:sp>
+      <p:sp>
+        <p:nvSpPr>
+          <p:cNvPr id="33" name="Text 24">
+            <a:extLst>
+              <a:ext uri="{FF2B5EF4-FFF2-40B4-BE49-F238E27FC236}">
+                <a16:creationId xmlns:a16="http://schemas.microsoft.com/office/drawing/2014/main" id="{559D907F-EF1D-D515-B955-03D28EEB9F24}"/>
+              </a:ext>
+            </a:extLst>
+          </p:cNvPr>
+          <p:cNvSpPr/>
+          <p:nvPr/>
+        </p:nvSpPr>
+        <p:spPr>
+          <a:xfrm>
+            <a:off x="6553439" y="1333461"/>
+            <a:ext cx="6538079" cy="181451"/>
+          </a:xfrm>
+          <a:prstGeom prst="rect">
+            <a:avLst/>
+          </a:prstGeom>
+          <a:noFill/>
+          <a:ln/>
+        </p:spPr>
+        <p:txBody>
+          <a:bodyPr wrap="none" lIns="0" tIns="0" rIns="0" bIns="0" rtlCol="0" anchor="t"/>
+          <a:lstStyle/>
+          <a:p>
+            <a:pPr marL="0" indent="0" algn="l">
+              <a:lnSpc>
+                <a:spcPts val="1400"/>
+              </a:lnSpc>
+              <a:buNone/>
+            </a:pPr>
+            <a:r>
+              <a:rPr lang="en-US" sz="850" kern="0" spc="-18" dirty="0">
+                <a:solidFill>
+                  <a:srgbClr val="272525"/>
+                </a:solidFill>
+                <a:latin typeface="Inter" pitchFamily="34" charset="0"/>
+                <a:ea typeface="Inter" pitchFamily="34" charset="-122"/>
+                <a:cs typeface="Inter" pitchFamily="34" charset="-120"/>
+              </a:rPr>
+              <a:t>- Hasło: "Internet, który idzie za Tobą"</a:t>
+            </a:r>
+            <a:endParaRPr lang="en-US" sz="850" dirty="0"/>
+          </a:p>
+        </p:txBody>
+      </p:sp>
+      <p:sp>
+        <p:nvSpPr>
+          <p:cNvPr id="34" name="Text 25">
+            <a:extLst>
+              <a:ext uri="{FF2B5EF4-FFF2-40B4-BE49-F238E27FC236}">
+                <a16:creationId xmlns:a16="http://schemas.microsoft.com/office/drawing/2014/main" id="{BC43C09A-A445-5296-337C-44FA190D8B3A}"/>
+              </a:ext>
+            </a:extLst>
+          </p:cNvPr>
+          <p:cNvSpPr/>
+          <p:nvPr/>
+        </p:nvSpPr>
+        <p:spPr>
+          <a:xfrm>
+            <a:off x="6553439" y="1616948"/>
+            <a:ext cx="6538079" cy="181451"/>
+          </a:xfrm>
+          <a:prstGeom prst="rect">
+            <a:avLst/>
+          </a:prstGeom>
+          <a:noFill/>
+          <a:ln/>
+        </p:spPr>
+        <p:txBody>
+          <a:bodyPr wrap="none" lIns="0" tIns="0" rIns="0" bIns="0" rtlCol="0" anchor="t"/>
+          <a:lstStyle/>
+          <a:p>
+            <a:pPr marL="0" indent="0" algn="l">
+              <a:lnSpc>
+                <a:spcPts val="1400"/>
+              </a:lnSpc>
+              <a:buNone/>
+            </a:pPr>
+            <a:r>
+              <a:rPr lang="en-US" sz="850" kern="0" spc="-18" dirty="0">
+                <a:solidFill>
+                  <a:srgbClr val="272525"/>
+                </a:solidFill>
+                <a:latin typeface="Inter" pitchFamily="34" charset="0"/>
+                <a:ea typeface="Inter" pitchFamily="34" charset="-122"/>
+                <a:cs typeface="Inter" pitchFamily="34" charset="-120"/>
+              </a:rPr>
+              <a:t>- Koszt: 120 zł/mies</a:t>
+            </a:r>
+            <a:endParaRPr lang="en-US" sz="850" dirty="0"/>
+          </a:p>
+        </p:txBody>
+      </p:sp>
+      <p:sp>
+        <p:nvSpPr>
+          <p:cNvPr id="35" name="Text 26">
+            <a:extLst>
+              <a:ext uri="{FF2B5EF4-FFF2-40B4-BE49-F238E27FC236}">
+                <a16:creationId xmlns:a16="http://schemas.microsoft.com/office/drawing/2014/main" id="{B04F99B4-BFEF-9001-6977-C126542424DF}"/>
+              </a:ext>
+            </a:extLst>
+          </p:cNvPr>
+          <p:cNvSpPr/>
+          <p:nvPr/>
+        </p:nvSpPr>
+        <p:spPr>
+          <a:xfrm>
+            <a:off x="6432471" y="2301081"/>
+            <a:ext cx="1701165" cy="212646"/>
+          </a:xfrm>
+          <a:prstGeom prst="rect">
+            <a:avLst/>
+          </a:prstGeom>
+          <a:noFill/>
+          <a:ln/>
+        </p:spPr>
+        <p:txBody>
+          <a:bodyPr wrap="none" lIns="0" tIns="0" rIns="0" bIns="0" rtlCol="0" anchor="t"/>
+          <a:lstStyle/>
+          <a:p>
+            <a:pPr marL="0" indent="0" algn="l">
+              <a:lnSpc>
+                <a:spcPts val="1650"/>
+              </a:lnSpc>
+              <a:buNone/>
+            </a:pPr>
+            <a:r>
+              <a:rPr lang="en-US" sz="1300" b="1" kern="0" spc="-40" dirty="0">
+                <a:solidFill>
+                  <a:srgbClr val="000000"/>
+                </a:solidFill>
+                <a:latin typeface="Inter Bold" pitchFamily="34" charset="0"/>
+                <a:ea typeface="Inter Bold" pitchFamily="34" charset="-122"/>
+                <a:cs typeface="Inter Bold" pitchFamily="34" charset="-120"/>
+              </a:rPr>
+              <a:t>Oferta dla Biznesu</a:t>
+            </a:r>
+            <a:endParaRPr lang="en-US" sz="1300" dirty="0"/>
+          </a:p>
+        </p:txBody>
+      </p:sp>
+      <p:sp>
+        <p:nvSpPr>
+          <p:cNvPr id="36" name="Shape 27">
+            <a:extLst>
+              <a:ext uri="{FF2B5EF4-FFF2-40B4-BE49-F238E27FC236}">
+                <a16:creationId xmlns:a16="http://schemas.microsoft.com/office/drawing/2014/main" id="{4EE1EF5E-1486-EF48-DC6C-508762828DAC}"/>
+              </a:ext>
+            </a:extLst>
+          </p:cNvPr>
+          <p:cNvSpPr/>
+          <p:nvPr/>
+        </p:nvSpPr>
+        <p:spPr>
+          <a:xfrm>
+            <a:off x="6432471" y="2641243"/>
+            <a:ext cx="5546765" cy="2210753"/>
+          </a:xfrm>
+          <a:prstGeom prst="roundRect">
+            <a:avLst>
+              <a:gd name="adj" fmla="val 2155"/>
+            </a:avLst>
+          </a:prstGeom>
+          <a:solidFill>
+            <a:srgbClr val="DADBF1"/>
+          </a:solidFill>
+          <a:ln w="7620">
+            <a:solidFill>
+              <a:srgbClr val="C0C1D7"/>
+            </a:solidFill>
+            <a:prstDash val="solid"/>
+          </a:ln>
+        </p:spPr>
+      </p:sp>
+      <p:sp>
+        <p:nvSpPr>
+          <p:cNvPr id="37" name="Text 28">
+            <a:extLst>
+              <a:ext uri="{FF2B5EF4-FFF2-40B4-BE49-F238E27FC236}">
+                <a16:creationId xmlns:a16="http://schemas.microsoft.com/office/drawing/2014/main" id="{CFE01153-F96D-B77B-FCB7-7C3081625B9D}"/>
+              </a:ext>
+            </a:extLst>
+          </p:cNvPr>
+          <p:cNvSpPr/>
+          <p:nvPr/>
+        </p:nvSpPr>
+        <p:spPr>
+          <a:xfrm>
+            <a:off x="6553438" y="2762211"/>
+            <a:ext cx="1417558" cy="177165"/>
+          </a:xfrm>
+          <a:prstGeom prst="rect">
+            <a:avLst/>
+          </a:prstGeom>
+          <a:noFill/>
+          <a:ln/>
+        </p:spPr>
+        <p:txBody>
+          <a:bodyPr wrap="none" lIns="0" tIns="0" rIns="0" bIns="0" rtlCol="0" anchor="t"/>
+          <a:lstStyle/>
+          <a:p>
+            <a:pPr marL="0" indent="0" algn="l">
+              <a:lnSpc>
+                <a:spcPts val="1350"/>
+              </a:lnSpc>
+              <a:buNone/>
+            </a:pPr>
+            <a:r>
+              <a:rPr lang="en-US" sz="1100" b="1" kern="0" spc="-33" dirty="0">
+                <a:solidFill>
+                  <a:srgbClr val="272525"/>
+                </a:solidFill>
+                <a:latin typeface="Inter Bold" pitchFamily="34" charset="0"/>
+                <a:ea typeface="Inter Bold" pitchFamily="34" charset="-122"/>
+                <a:cs typeface="Inter Bold" pitchFamily="34" charset="-120"/>
+              </a:rPr>
+              <a:t>4Business</a:t>
+            </a:r>
+            <a:endParaRPr lang="en-US" sz="1100" dirty="0"/>
+          </a:p>
+        </p:txBody>
+      </p:sp>
+      <p:sp>
+        <p:nvSpPr>
+          <p:cNvPr id="38" name="Text 29">
+            <a:extLst>
+              <a:ext uri="{FF2B5EF4-FFF2-40B4-BE49-F238E27FC236}">
+                <a16:creationId xmlns:a16="http://schemas.microsoft.com/office/drawing/2014/main" id="{0DE9A7D3-58E9-C3B0-14A1-64A1B7F69C89}"/>
+              </a:ext>
+            </a:extLst>
+          </p:cNvPr>
+          <p:cNvSpPr/>
+          <p:nvPr/>
+        </p:nvSpPr>
+        <p:spPr>
+          <a:xfrm>
+            <a:off x="6553438" y="3052723"/>
+            <a:ext cx="6538079" cy="181451"/>
+          </a:xfrm>
+          <a:prstGeom prst="rect">
+            <a:avLst/>
+          </a:prstGeom>
+          <a:noFill/>
+          <a:ln/>
+        </p:spPr>
+        <p:txBody>
+          <a:bodyPr wrap="none" lIns="0" tIns="0" rIns="0" bIns="0" rtlCol="0" anchor="t"/>
+          <a:lstStyle/>
+          <a:p>
+            <a:pPr marL="0" indent="0" algn="l">
+              <a:lnSpc>
+                <a:spcPts val="1400"/>
+              </a:lnSpc>
+              <a:buNone/>
+            </a:pPr>
+            <a:r>
+              <a:rPr lang="en-US" sz="850" kern="0" spc="-18" dirty="0">
+                <a:solidFill>
+                  <a:srgbClr val="272525"/>
+                </a:solidFill>
+                <a:latin typeface="Inter" pitchFamily="34" charset="0"/>
+                <a:ea typeface="Inter" pitchFamily="34" charset="-122"/>
+                <a:cs typeface="Inter" pitchFamily="34" charset="-120"/>
+              </a:rPr>
+              <a:t>Umowa dostępna na 12 lub 24 miesiące</a:t>
+            </a:r>
+            <a:endParaRPr lang="en-US" sz="850" dirty="0"/>
+          </a:p>
+        </p:txBody>
+      </p:sp>
+      <p:sp>
+        <p:nvSpPr>
+          <p:cNvPr id="39" name="Text 30">
+            <a:extLst>
+              <a:ext uri="{FF2B5EF4-FFF2-40B4-BE49-F238E27FC236}">
+                <a16:creationId xmlns:a16="http://schemas.microsoft.com/office/drawing/2014/main" id="{C088BC49-33EF-B6AE-E370-DA98A24A9D14}"/>
+              </a:ext>
+            </a:extLst>
+          </p:cNvPr>
+          <p:cNvSpPr/>
+          <p:nvPr/>
+        </p:nvSpPr>
+        <p:spPr>
+          <a:xfrm>
+            <a:off x="6553439" y="3336211"/>
+            <a:ext cx="5308362" cy="544354"/>
+          </a:xfrm>
+          <a:prstGeom prst="rect">
+            <a:avLst/>
+          </a:prstGeom>
+          <a:noFill/>
+          <a:ln/>
+        </p:spPr>
+        <p:txBody>
+          <a:bodyPr wrap="square" lIns="0" tIns="0" rIns="0" bIns="0" rtlCol="0" anchor="t"/>
+          <a:lstStyle/>
+          <a:p>
+            <a:pPr marL="0" indent="0" algn="l">
+              <a:lnSpc>
+                <a:spcPts val="1400"/>
+              </a:lnSpc>
+              <a:buNone/>
+            </a:pPr>
+            <a:r>
+              <a:rPr lang="en-US" sz="850" kern="0" spc="-18" dirty="0">
+                <a:solidFill>
+                  <a:srgbClr val="272525"/>
+                </a:solidFill>
+                <a:latin typeface="Inter" pitchFamily="34" charset="0"/>
+                <a:ea typeface="Inter" pitchFamily="34" charset="-122"/>
+                <a:cs typeface="Inter" pitchFamily="34" charset="-120"/>
+              </a:rPr>
+              <a:t>- Opis: Solidna i niezawodna usługa internetowa zaprojektowana z myślą o małych i średnich firmach Zapewnia szybkie i stabilne połączenie, idealne do codziennej pracy biurowej, wideokonferencji, korzystania z systemów chmurowych oraz obsługi klientów online Opcjonalnie z możliwością dodania stałego IP i VPN</a:t>
+            </a:r>
+            <a:endParaRPr lang="en-US" sz="850" dirty="0"/>
+          </a:p>
+        </p:txBody>
+      </p:sp>
+      <p:sp>
+        <p:nvSpPr>
+          <p:cNvPr id="40" name="Text 31">
+            <a:extLst>
+              <a:ext uri="{FF2B5EF4-FFF2-40B4-BE49-F238E27FC236}">
+                <a16:creationId xmlns:a16="http://schemas.microsoft.com/office/drawing/2014/main" id="{B6D417AD-B897-D7B9-44FF-14B1429CB570}"/>
+              </a:ext>
+            </a:extLst>
+          </p:cNvPr>
+          <p:cNvSpPr/>
+          <p:nvPr/>
+        </p:nvSpPr>
+        <p:spPr>
+          <a:xfrm>
+            <a:off x="6553438" y="3982601"/>
+            <a:ext cx="6538079" cy="181451"/>
+          </a:xfrm>
+          <a:prstGeom prst="rect">
+            <a:avLst/>
+          </a:prstGeom>
+          <a:noFill/>
+          <a:ln/>
+        </p:spPr>
+        <p:txBody>
+          <a:bodyPr wrap="none" lIns="0" tIns="0" rIns="0" bIns="0" rtlCol="0" anchor="t"/>
+          <a:lstStyle/>
+          <a:p>
+            <a:pPr marL="0" indent="0" algn="l">
+              <a:lnSpc>
+                <a:spcPts val="1400"/>
+              </a:lnSpc>
+              <a:buNone/>
+            </a:pPr>
+            <a:r>
+              <a:rPr lang="en-US" sz="850" kern="0" spc="-18" dirty="0">
+                <a:solidFill>
+                  <a:srgbClr val="272525"/>
+                </a:solidFill>
+                <a:latin typeface="Inter" pitchFamily="34" charset="0"/>
+                <a:ea typeface="Inter" pitchFamily="34" charset="-122"/>
+                <a:cs typeface="Inter" pitchFamily="34" charset="-120"/>
+              </a:rPr>
+              <a:t>- Prędkość: 1 Gb/s</a:t>
+            </a:r>
+            <a:endParaRPr lang="en-US" sz="850" dirty="0"/>
+          </a:p>
+        </p:txBody>
+      </p:sp>
+      <p:sp>
+        <p:nvSpPr>
+          <p:cNvPr id="41" name="Text 32">
+            <a:extLst>
+              <a:ext uri="{FF2B5EF4-FFF2-40B4-BE49-F238E27FC236}">
+                <a16:creationId xmlns:a16="http://schemas.microsoft.com/office/drawing/2014/main" id="{6CFC1250-1771-563A-FF41-D9B42174FE6B}"/>
+              </a:ext>
+            </a:extLst>
+          </p:cNvPr>
+          <p:cNvSpPr/>
+          <p:nvPr/>
+        </p:nvSpPr>
+        <p:spPr>
+          <a:xfrm>
+            <a:off x="6553438" y="4266089"/>
+            <a:ext cx="6538079" cy="181451"/>
+          </a:xfrm>
+          <a:prstGeom prst="rect">
+            <a:avLst/>
+          </a:prstGeom>
+          <a:noFill/>
+          <a:ln/>
+        </p:spPr>
+        <p:txBody>
+          <a:bodyPr wrap="none" lIns="0" tIns="0" rIns="0" bIns="0" rtlCol="0" anchor="t"/>
+          <a:lstStyle/>
+          <a:p>
+            <a:pPr marL="0" indent="0" algn="l">
+              <a:lnSpc>
+                <a:spcPts val="1400"/>
+              </a:lnSpc>
+              <a:buNone/>
+            </a:pPr>
+            <a:r>
+              <a:rPr lang="en-US" sz="850" kern="0" spc="-18" dirty="0">
+                <a:solidFill>
+                  <a:srgbClr val="272525"/>
+                </a:solidFill>
+                <a:latin typeface="Inter" pitchFamily="34" charset="0"/>
+                <a:ea typeface="Inter" pitchFamily="34" charset="-122"/>
+                <a:cs typeface="Inter" pitchFamily="34" charset="-120"/>
+              </a:rPr>
+              <a:t>- Hasło: "Dla biura, które nie może czekać, bo czas to pieniądz"</a:t>
+            </a:r>
+            <a:endParaRPr lang="en-US" sz="850" dirty="0"/>
+          </a:p>
+        </p:txBody>
+      </p:sp>
+      <p:sp>
+        <p:nvSpPr>
+          <p:cNvPr id="42" name="Text 33">
+            <a:extLst>
+              <a:ext uri="{FF2B5EF4-FFF2-40B4-BE49-F238E27FC236}">
+                <a16:creationId xmlns:a16="http://schemas.microsoft.com/office/drawing/2014/main" id="{BBAB96F8-3662-B020-49B0-1F3C43210606}"/>
+              </a:ext>
+            </a:extLst>
+          </p:cNvPr>
+          <p:cNvSpPr/>
+          <p:nvPr/>
+        </p:nvSpPr>
+        <p:spPr>
+          <a:xfrm>
+            <a:off x="6553438" y="4549577"/>
+            <a:ext cx="6538079" cy="181451"/>
+          </a:xfrm>
+          <a:prstGeom prst="rect">
+            <a:avLst/>
+          </a:prstGeom>
+          <a:noFill/>
+          <a:ln/>
+        </p:spPr>
+        <p:txBody>
+          <a:bodyPr wrap="none" lIns="0" tIns="0" rIns="0" bIns="0" rtlCol="0" anchor="t"/>
+          <a:lstStyle/>
+          <a:p>
+            <a:pPr marL="0" indent="0" algn="l">
+              <a:lnSpc>
+                <a:spcPts val="1400"/>
+              </a:lnSpc>
+              <a:buNone/>
+            </a:pPr>
+            <a:r>
+              <a:rPr lang="en-US" sz="850" kern="0" spc="-18" dirty="0">
+                <a:solidFill>
+                  <a:srgbClr val="272525"/>
+                </a:solidFill>
+                <a:latin typeface="Inter" pitchFamily="34" charset="0"/>
+                <a:ea typeface="Inter" pitchFamily="34" charset="-122"/>
+                <a:cs typeface="Inter" pitchFamily="34" charset="-120"/>
+              </a:rPr>
+              <a:t>- Cena: 105 zł/mies (po 3 miesiącach bez rezygnacji: 94,99 zł/mies)</a:t>
+            </a:r>
+            <a:endParaRPr lang="en-US" sz="850" dirty="0"/>
+          </a:p>
+        </p:txBody>
+      </p:sp>
+      <p:sp>
+        <p:nvSpPr>
+          <p:cNvPr id="43" name="Shape 34">
+            <a:extLst>
+              <a:ext uri="{FF2B5EF4-FFF2-40B4-BE49-F238E27FC236}">
+                <a16:creationId xmlns:a16="http://schemas.microsoft.com/office/drawing/2014/main" id="{72D6190B-D2B4-4DAE-DF9C-7107A7DCE9B3}"/>
+              </a:ext>
+            </a:extLst>
+          </p:cNvPr>
+          <p:cNvSpPr/>
+          <p:nvPr/>
+        </p:nvSpPr>
+        <p:spPr>
+          <a:xfrm>
+            <a:off x="6432471" y="4965343"/>
+            <a:ext cx="5546765" cy="1745813"/>
+          </a:xfrm>
+          <a:prstGeom prst="roundRect">
+            <a:avLst>
+              <a:gd name="adj" fmla="val 2728"/>
+            </a:avLst>
+          </a:prstGeom>
+          <a:solidFill>
+            <a:srgbClr val="DADBF1"/>
+          </a:solidFill>
+          <a:ln w="7620">
+            <a:solidFill>
+              <a:srgbClr val="C0C1D7"/>
+            </a:solidFill>
+            <a:prstDash val="solid"/>
+          </a:ln>
+        </p:spPr>
+      </p:sp>
+      <p:sp>
+        <p:nvSpPr>
+          <p:cNvPr id="44" name="Text 35">
+            <a:extLst>
+              <a:ext uri="{FF2B5EF4-FFF2-40B4-BE49-F238E27FC236}">
+                <a16:creationId xmlns:a16="http://schemas.microsoft.com/office/drawing/2014/main" id="{6F0BCB04-F569-EBE0-1B9F-6E0846819262}"/>
+              </a:ext>
+            </a:extLst>
+          </p:cNvPr>
+          <p:cNvSpPr/>
+          <p:nvPr/>
+        </p:nvSpPr>
+        <p:spPr>
+          <a:xfrm>
+            <a:off x="6553438" y="5086311"/>
+            <a:ext cx="1417558" cy="177165"/>
+          </a:xfrm>
+          <a:prstGeom prst="rect">
+            <a:avLst/>
+          </a:prstGeom>
+          <a:noFill/>
+          <a:ln/>
+        </p:spPr>
+        <p:txBody>
+          <a:bodyPr wrap="none" lIns="0" tIns="0" rIns="0" bIns="0" rtlCol="0" anchor="t"/>
+          <a:lstStyle/>
+          <a:p>
+            <a:pPr marL="0" indent="0" algn="l">
+              <a:lnSpc>
+                <a:spcPts val="1350"/>
+              </a:lnSpc>
+              <a:buNone/>
+            </a:pPr>
+            <a:r>
+              <a:rPr lang="en-US" sz="1100" b="1" kern="0" spc="-33" dirty="0">
+                <a:solidFill>
+                  <a:srgbClr val="272525"/>
+                </a:solidFill>
+                <a:latin typeface="Inter Bold" pitchFamily="34" charset="0"/>
+                <a:ea typeface="Inter Bold" pitchFamily="34" charset="-122"/>
+                <a:cs typeface="Inter Bold" pitchFamily="34" charset="-120"/>
+              </a:rPr>
+              <a:t>4Business – Ultra</a:t>
+            </a:r>
+            <a:endParaRPr lang="en-US" sz="1100" dirty="0"/>
+          </a:p>
+        </p:txBody>
+      </p:sp>
+      <p:sp>
+        <p:nvSpPr>
+          <p:cNvPr id="45" name="Text 36">
+            <a:extLst>
+              <a:ext uri="{FF2B5EF4-FFF2-40B4-BE49-F238E27FC236}">
+                <a16:creationId xmlns:a16="http://schemas.microsoft.com/office/drawing/2014/main" id="{F6577636-1BC0-7448-A55B-34448B7ED8AC}"/>
+              </a:ext>
+            </a:extLst>
+          </p:cNvPr>
+          <p:cNvSpPr/>
+          <p:nvPr/>
+        </p:nvSpPr>
+        <p:spPr>
+          <a:xfrm>
+            <a:off x="6553439" y="5376823"/>
+            <a:ext cx="5308362" cy="362903"/>
+          </a:xfrm>
+          <a:prstGeom prst="rect">
+            <a:avLst/>
+          </a:prstGeom>
+          <a:noFill/>
+          <a:ln/>
+        </p:spPr>
+        <p:txBody>
+          <a:bodyPr wrap="square" lIns="0" tIns="0" rIns="0" bIns="0" rtlCol="0" anchor="t"/>
+          <a:lstStyle/>
+          <a:p>
+            <a:pPr marL="0" indent="0" algn="l">
+              <a:lnSpc>
+                <a:spcPts val="1400"/>
+              </a:lnSpc>
+              <a:buNone/>
+            </a:pPr>
+            <a:r>
+              <a:rPr lang="en-US" sz="850" kern="0" spc="-18" dirty="0">
+                <a:solidFill>
+                  <a:srgbClr val="272525"/>
+                </a:solidFill>
+                <a:latin typeface="Inter" pitchFamily="34" charset="0"/>
+                <a:ea typeface="Inter" pitchFamily="34" charset="-122"/>
+                <a:cs typeface="Inter" pitchFamily="34" charset="-120"/>
+              </a:rPr>
+              <a:t>- Opis: Profesjonalna usługa internetu dla firm, które nie uznają kompromisów Oferuje najwyższą wydajność, symetryczne łącze, gwarantowane SLA, opcję backupu LTE i monitoring 24/7 Dedykowana dla dużych biur, serwerowni i zespołów IT</a:t>
+            </a:r>
+            <a:endParaRPr lang="en-US" sz="850" dirty="0"/>
+          </a:p>
+        </p:txBody>
+      </p:sp>
+      <p:sp>
+        <p:nvSpPr>
+          <p:cNvPr id="46" name="Text 37">
+            <a:extLst>
+              <a:ext uri="{FF2B5EF4-FFF2-40B4-BE49-F238E27FC236}">
+                <a16:creationId xmlns:a16="http://schemas.microsoft.com/office/drawing/2014/main" id="{22601502-DEFC-B935-9E70-E3E3684FB4B5}"/>
+              </a:ext>
+            </a:extLst>
+          </p:cNvPr>
+          <p:cNvSpPr/>
+          <p:nvPr/>
+        </p:nvSpPr>
+        <p:spPr>
+          <a:xfrm>
+            <a:off x="6553438" y="5841762"/>
+            <a:ext cx="6538079" cy="181451"/>
+          </a:xfrm>
+          <a:prstGeom prst="rect">
+            <a:avLst/>
+          </a:prstGeom>
+          <a:noFill/>
+          <a:ln/>
+        </p:spPr>
+        <p:txBody>
+          <a:bodyPr wrap="none" lIns="0" tIns="0" rIns="0" bIns="0" rtlCol="0" anchor="t"/>
+          <a:lstStyle/>
+          <a:p>
+            <a:pPr marL="0" indent="0" algn="l">
+              <a:lnSpc>
+                <a:spcPts val="1400"/>
+              </a:lnSpc>
+              <a:buNone/>
+            </a:pPr>
+            <a:r>
+              <a:rPr lang="en-US" sz="850" kern="0" spc="-18" dirty="0">
+                <a:solidFill>
+                  <a:srgbClr val="272525"/>
+                </a:solidFill>
+                <a:latin typeface="Inter" pitchFamily="34" charset="0"/>
+                <a:ea typeface="Inter" pitchFamily="34" charset="-122"/>
+                <a:cs typeface="Inter" pitchFamily="34" charset="-120"/>
+              </a:rPr>
+              <a:t>- Prędkość: 1 Gb/s</a:t>
+            </a:r>
+            <a:endParaRPr lang="en-US" sz="850" dirty="0"/>
+          </a:p>
+        </p:txBody>
+      </p:sp>
+      <p:sp>
+        <p:nvSpPr>
+          <p:cNvPr id="47" name="Text 38">
+            <a:extLst>
+              <a:ext uri="{FF2B5EF4-FFF2-40B4-BE49-F238E27FC236}">
+                <a16:creationId xmlns:a16="http://schemas.microsoft.com/office/drawing/2014/main" id="{A36BFAB7-CA5D-45AF-E193-C892FD526322}"/>
+              </a:ext>
+            </a:extLst>
+          </p:cNvPr>
+          <p:cNvSpPr/>
+          <p:nvPr/>
+        </p:nvSpPr>
+        <p:spPr>
+          <a:xfrm>
+            <a:off x="6553438" y="6125250"/>
+            <a:ext cx="6538079" cy="181451"/>
+          </a:xfrm>
+          <a:prstGeom prst="rect">
+            <a:avLst/>
+          </a:prstGeom>
+          <a:noFill/>
+          <a:ln/>
+        </p:spPr>
+        <p:txBody>
+          <a:bodyPr wrap="none" lIns="0" tIns="0" rIns="0" bIns="0" rtlCol="0" anchor="t"/>
+          <a:lstStyle/>
+          <a:p>
+            <a:pPr marL="0" indent="0" algn="l">
+              <a:lnSpc>
+                <a:spcPts val="1400"/>
+              </a:lnSpc>
+              <a:buNone/>
+            </a:pPr>
+            <a:r>
+              <a:rPr lang="en-US" sz="850" kern="0" spc="-18" dirty="0">
+                <a:solidFill>
+                  <a:srgbClr val="272525"/>
+                </a:solidFill>
+                <a:latin typeface="Inter" pitchFamily="34" charset="0"/>
+                <a:ea typeface="Inter" pitchFamily="34" charset="-122"/>
+                <a:cs typeface="Inter" pitchFamily="34" charset="-120"/>
+              </a:rPr>
+              <a:t>- Hasło: "Bezpieczeństwo firmy leży w sile łącza"</a:t>
+            </a:r>
+            <a:endParaRPr lang="en-US" sz="850" dirty="0"/>
+          </a:p>
+        </p:txBody>
+      </p:sp>
+      <p:sp>
+        <p:nvSpPr>
+          <p:cNvPr id="48" name="Text 39">
+            <a:extLst>
+              <a:ext uri="{FF2B5EF4-FFF2-40B4-BE49-F238E27FC236}">
+                <a16:creationId xmlns:a16="http://schemas.microsoft.com/office/drawing/2014/main" id="{2264B7CC-7FA9-4B25-5355-C47DFC57E8C6}"/>
+              </a:ext>
+            </a:extLst>
+          </p:cNvPr>
+          <p:cNvSpPr/>
+          <p:nvPr/>
+        </p:nvSpPr>
+        <p:spPr>
+          <a:xfrm>
+            <a:off x="6553438" y="6408738"/>
+            <a:ext cx="6538079" cy="181451"/>
+          </a:xfrm>
+          <a:prstGeom prst="rect">
+            <a:avLst/>
+          </a:prstGeom>
+          <a:noFill/>
+          <a:ln/>
+        </p:spPr>
+        <p:txBody>
+          <a:bodyPr wrap="none" lIns="0" tIns="0" rIns="0" bIns="0" rtlCol="0" anchor="t"/>
+          <a:lstStyle/>
+          <a:p>
+            <a:pPr marL="0" indent="0" algn="l">
+              <a:lnSpc>
+                <a:spcPts val="1400"/>
+              </a:lnSpc>
+              <a:buNone/>
+            </a:pPr>
+            <a:r>
+              <a:rPr lang="en-US" sz="850" kern="0" spc="-18" dirty="0">
+                <a:solidFill>
+                  <a:srgbClr val="272525"/>
+                </a:solidFill>
+                <a:latin typeface="Inter" pitchFamily="34" charset="0"/>
+                <a:ea typeface="Inter" pitchFamily="34" charset="-122"/>
+                <a:cs typeface="Inter" pitchFamily="34" charset="-120"/>
+              </a:rPr>
+              <a:t>- Cena: 119,99 zł/mies (po 6 miesiącach bez rezygnacji: 100 zł/mies)</a:t>
+            </a:r>
+            <a:endParaRPr lang="en-US" sz="850" dirty="0"/>
           </a:p>
         </p:txBody>
       </p:sp>
@@ -3658,51 +6665,997 @@
       </p:grpSpPr>
       <p:sp>
         <p:nvSpPr>
-          <p:cNvPr id="2" name="Title 1">
-            <a:extLst>
-              <a:ext uri="{FF2B5EF4-FFF2-40B4-BE49-F238E27FC236}">
-                <a16:creationId xmlns:a16="http://schemas.microsoft.com/office/drawing/2014/main" id="{46737372-8052-DFA8-8C8C-C84AC96B481B}"/>
-              </a:ext>
-            </a:extLst>
-          </p:cNvPr>
-          <p:cNvSpPr>
-            <a:spLocks noGrp="1"/>
-          </p:cNvSpPr>
-          <p:nvPr>
-            <p:ph type="title"/>
-          </p:nvPr>
-        </p:nvSpPr>
-        <p:spPr/>
-        <p:txBody>
-          <a:bodyPr/>
-          <a:lstStyle/>
-          <a:p>
-            <a:endParaRPr lang="pl-PL"/>
-          </a:p>
-        </p:txBody>
-      </p:sp>
-      <p:sp>
-        <p:nvSpPr>
-          <p:cNvPr id="3" name="Content Placeholder 2">
-            <a:extLst>
-              <a:ext uri="{FF2B5EF4-FFF2-40B4-BE49-F238E27FC236}">
-                <a16:creationId xmlns:a16="http://schemas.microsoft.com/office/drawing/2014/main" id="{27D9C77B-DFF0-EB0B-FD36-3BE056C98C67}"/>
-              </a:ext>
-            </a:extLst>
-          </p:cNvPr>
-          <p:cNvSpPr>
-            <a:spLocks noGrp="1"/>
-          </p:cNvSpPr>
-          <p:nvPr>
-            <p:ph idx="1"/>
-          </p:nvPr>
-        </p:nvSpPr>
-        <p:spPr/>
-        <p:txBody>
-          <a:bodyPr/>
-          <a:lstStyle/>
-          <a:p>
-            <a:endParaRPr lang="pl-PL"/>
+          <p:cNvPr id="30" name="Shape 6">
+            <a:extLst>
+              <a:ext uri="{FF2B5EF4-FFF2-40B4-BE49-F238E27FC236}">
+                <a16:creationId xmlns:a16="http://schemas.microsoft.com/office/drawing/2014/main" id="{22192A1E-FA27-95A7-C2B1-C627803D5080}"/>
+              </a:ext>
+            </a:extLst>
+          </p:cNvPr>
+          <p:cNvSpPr/>
+          <p:nvPr/>
+        </p:nvSpPr>
+        <p:spPr>
+          <a:xfrm>
+            <a:off x="133115" y="969894"/>
+            <a:ext cx="428387" cy="567997"/>
+          </a:xfrm>
+          <a:prstGeom prst="roundRect">
+            <a:avLst>
+              <a:gd name="adj" fmla="val 18668"/>
+            </a:avLst>
+          </a:prstGeom>
+          <a:solidFill>
+            <a:srgbClr val="DADBF1"/>
+          </a:solidFill>
+          <a:ln w="7620">
+            <a:solidFill>
+              <a:srgbClr val="C0C1D7"/>
+            </a:solidFill>
+            <a:prstDash val="solid"/>
+          </a:ln>
+        </p:spPr>
+      </p:sp>
+      <p:sp>
+        <p:nvSpPr>
+          <p:cNvPr id="8" name="Text 0">
+            <a:extLst>
+              <a:ext uri="{FF2B5EF4-FFF2-40B4-BE49-F238E27FC236}">
+                <a16:creationId xmlns:a16="http://schemas.microsoft.com/office/drawing/2014/main" id="{E38E066E-7224-01DE-1DAD-30EDC22CE1F9}"/>
+              </a:ext>
+            </a:extLst>
+          </p:cNvPr>
+          <p:cNvSpPr/>
+          <p:nvPr/>
+        </p:nvSpPr>
+        <p:spPr>
+          <a:xfrm>
+            <a:off x="125730" y="100886"/>
+            <a:ext cx="7011679" cy="656630"/>
+          </a:xfrm>
+          <a:prstGeom prst="rect">
+            <a:avLst/>
+          </a:prstGeom>
+          <a:noFill/>
+          <a:ln/>
+        </p:spPr>
+        <p:txBody>
+          <a:bodyPr wrap="none" lIns="0" tIns="0" rIns="0" bIns="0" rtlCol="0" anchor="t"/>
+          <a:lstStyle/>
+          <a:p>
+            <a:pPr marL="0" indent="0" algn="l">
+              <a:lnSpc>
+                <a:spcPts val="5150"/>
+              </a:lnSpc>
+              <a:buNone/>
+            </a:pPr>
+            <a:r>
+              <a:rPr lang="en-US" sz="4100" b="1" kern="0" spc="-124" dirty="0">
+                <a:solidFill>
+                  <a:srgbClr val="000000"/>
+                </a:solidFill>
+                <a:latin typeface="Inter Bold" pitchFamily="34" charset="0"/>
+                <a:ea typeface="Inter Bold" pitchFamily="34" charset="-122"/>
+                <a:cs typeface="Inter Bold" pitchFamily="34" charset="-120"/>
+              </a:rPr>
+              <a:t>Harmonogram wdrożenia nowej oferty</a:t>
+            </a:r>
+            <a:endParaRPr lang="en-US" sz="4100" dirty="0"/>
+          </a:p>
+        </p:txBody>
+      </p:sp>
+      <p:sp>
+        <p:nvSpPr>
+          <p:cNvPr id="10" name="Text 2">
+            <a:extLst>
+              <a:ext uri="{FF2B5EF4-FFF2-40B4-BE49-F238E27FC236}">
+                <a16:creationId xmlns:a16="http://schemas.microsoft.com/office/drawing/2014/main" id="{56298C6E-3D40-5AF3-667F-28B13EF84026}"/>
+              </a:ext>
+            </a:extLst>
+          </p:cNvPr>
+          <p:cNvSpPr/>
+          <p:nvPr/>
+        </p:nvSpPr>
+        <p:spPr>
+          <a:xfrm>
+            <a:off x="204549" y="1071126"/>
+            <a:ext cx="285520" cy="433270"/>
+          </a:xfrm>
+          <a:prstGeom prst="rect">
+            <a:avLst/>
+          </a:prstGeom>
+          <a:noFill/>
+          <a:ln/>
+        </p:spPr>
+        <p:txBody>
+          <a:bodyPr wrap="none" lIns="0" tIns="0" rIns="0" bIns="0" rtlCol="0" anchor="t"/>
+          <a:lstStyle/>
+          <a:p>
+            <a:pPr marL="0" indent="0" algn="ctr">
+              <a:lnSpc>
+                <a:spcPts val="2450"/>
+              </a:lnSpc>
+              <a:buNone/>
+            </a:pPr>
+            <a:r>
+              <a:rPr lang="en-US" sz="2450" b="1" kern="0" spc="-74" dirty="0">
+                <a:solidFill>
+                  <a:srgbClr val="272525"/>
+                </a:solidFill>
+                <a:latin typeface="Inter Bold" pitchFamily="34" charset="0"/>
+                <a:ea typeface="Inter Bold" pitchFamily="34" charset="-122"/>
+                <a:cs typeface="Inter Bold" pitchFamily="34" charset="-120"/>
+              </a:rPr>
+              <a:t>1</a:t>
+            </a:r>
+            <a:endParaRPr lang="en-US" sz="2450" dirty="0"/>
+          </a:p>
+        </p:txBody>
+      </p:sp>
+      <p:sp>
+        <p:nvSpPr>
+          <p:cNvPr id="11" name="Text 3">
+            <a:extLst>
+              <a:ext uri="{FF2B5EF4-FFF2-40B4-BE49-F238E27FC236}">
+                <a16:creationId xmlns:a16="http://schemas.microsoft.com/office/drawing/2014/main" id="{EDEE1803-EF26-9DF3-FD5D-F471174E4F27}"/>
+              </a:ext>
+            </a:extLst>
+          </p:cNvPr>
+          <p:cNvSpPr/>
+          <p:nvPr/>
+        </p:nvSpPr>
+        <p:spPr>
+          <a:xfrm>
+            <a:off x="808434" y="1071126"/>
+            <a:ext cx="2866075" cy="328255"/>
+          </a:xfrm>
+          <a:prstGeom prst="rect">
+            <a:avLst/>
+          </a:prstGeom>
+          <a:noFill/>
+          <a:ln/>
+        </p:spPr>
+        <p:txBody>
+          <a:bodyPr wrap="none" lIns="0" tIns="0" rIns="0" bIns="0" rtlCol="0" anchor="t"/>
+          <a:lstStyle/>
+          <a:p>
+            <a:pPr marL="0" indent="0" algn="l">
+              <a:lnSpc>
+                <a:spcPts val="2550"/>
+              </a:lnSpc>
+              <a:buNone/>
+            </a:pPr>
+            <a:r>
+              <a:rPr lang="en-US" sz="2050" b="1" kern="0" spc="-62" dirty="0">
+                <a:solidFill>
+                  <a:srgbClr val="272525"/>
+                </a:solidFill>
+                <a:latin typeface="Inter Bold" pitchFamily="34" charset="0"/>
+                <a:ea typeface="Inter Bold" pitchFamily="34" charset="-122"/>
+                <a:cs typeface="Inter Bold" pitchFamily="34" charset="-120"/>
+              </a:rPr>
+              <a:t>Miernik sukcesu i ocena ryzyka</a:t>
+            </a:r>
+            <a:endParaRPr lang="en-US" sz="2050" dirty="0"/>
+          </a:p>
+        </p:txBody>
+      </p:sp>
+      <p:sp>
+        <p:nvSpPr>
+          <p:cNvPr id="12" name="Text 4">
+            <a:extLst>
+              <a:ext uri="{FF2B5EF4-FFF2-40B4-BE49-F238E27FC236}">
+                <a16:creationId xmlns:a16="http://schemas.microsoft.com/office/drawing/2014/main" id="{25A1FCDA-5B47-B839-78B3-D14CC3B4ACE0}"/>
+              </a:ext>
+            </a:extLst>
+          </p:cNvPr>
+          <p:cNvSpPr/>
+          <p:nvPr/>
+        </p:nvSpPr>
+        <p:spPr>
+          <a:xfrm>
+            <a:off x="808435" y="1525350"/>
+            <a:ext cx="4368482" cy="1104066"/>
+          </a:xfrm>
+          <a:prstGeom prst="rect">
+            <a:avLst/>
+          </a:prstGeom>
+          <a:noFill/>
+          <a:ln/>
+        </p:spPr>
+        <p:txBody>
+          <a:bodyPr wrap="square" lIns="0" tIns="0" rIns="0" bIns="0" rtlCol="0" anchor="t"/>
+          <a:lstStyle/>
+          <a:p>
+            <a:pPr marL="0" indent="0" algn="l">
+              <a:lnSpc>
+                <a:spcPts val="2600"/>
+              </a:lnSpc>
+              <a:buNone/>
+            </a:pPr>
+            <a:r>
+              <a:rPr lang="en-US" sz="1650" kern="0" spc="-33" dirty="0">
+                <a:solidFill>
+                  <a:srgbClr val="272525"/>
+                </a:solidFill>
+                <a:latin typeface="Inter" pitchFamily="34" charset="0"/>
+                <a:ea typeface="Inter" pitchFamily="34" charset="-122"/>
+                <a:cs typeface="Inter" pitchFamily="34" charset="-120"/>
+              </a:rPr>
+              <a:t>- Zdefiniowanie KPI (np liczba nowych subskrybentów, średni czas obsługi zgłoszeń, wskaźnik awaryjności łącza)</a:t>
+            </a:r>
+            <a:endParaRPr lang="en-US" sz="1650" dirty="0"/>
+          </a:p>
+        </p:txBody>
+      </p:sp>
+      <p:sp>
+        <p:nvSpPr>
+          <p:cNvPr id="13" name="Text 5">
+            <a:extLst>
+              <a:ext uri="{FF2B5EF4-FFF2-40B4-BE49-F238E27FC236}">
+                <a16:creationId xmlns:a16="http://schemas.microsoft.com/office/drawing/2014/main" id="{EEC90BD8-5A71-DEE4-6A9F-6FC1F5DA9CDB}"/>
+              </a:ext>
+            </a:extLst>
+          </p:cNvPr>
+          <p:cNvSpPr/>
+          <p:nvPr/>
+        </p:nvSpPr>
+        <p:spPr>
+          <a:xfrm>
+            <a:off x="808435" y="2629416"/>
+            <a:ext cx="4368482" cy="672465"/>
+          </a:xfrm>
+          <a:prstGeom prst="rect">
+            <a:avLst/>
+          </a:prstGeom>
+          <a:noFill/>
+          <a:ln/>
+        </p:spPr>
+        <p:txBody>
+          <a:bodyPr wrap="square" lIns="0" tIns="0" rIns="0" bIns="0" rtlCol="0" anchor="t"/>
+          <a:lstStyle/>
+          <a:p>
+            <a:pPr marL="0" indent="0" algn="l">
+              <a:lnSpc>
+                <a:spcPts val="2600"/>
+              </a:lnSpc>
+              <a:buNone/>
+            </a:pPr>
+            <a:r>
+              <a:rPr lang="en-US" sz="1650" kern="0" spc="-33" dirty="0">
+                <a:solidFill>
+                  <a:srgbClr val="272525"/>
+                </a:solidFill>
+                <a:latin typeface="Inter" pitchFamily="34" charset="0"/>
+                <a:ea typeface="Inter" pitchFamily="34" charset="-122"/>
+                <a:cs typeface="Inter" pitchFamily="34" charset="-120"/>
+              </a:rPr>
+              <a:t>- Wykonanie analizy SWOT i analizy finansowej, aby określić potencjalne ryzyka i koszty wdrożenia</a:t>
+            </a:r>
+            <a:endParaRPr lang="en-US" sz="1650" dirty="0"/>
+          </a:p>
+        </p:txBody>
+      </p:sp>
+      <p:sp>
+        <p:nvSpPr>
+          <p:cNvPr id="14" name="Shape 6">
+            <a:extLst>
+              <a:ext uri="{FF2B5EF4-FFF2-40B4-BE49-F238E27FC236}">
+                <a16:creationId xmlns:a16="http://schemas.microsoft.com/office/drawing/2014/main" id="{B7F3D1F7-1BFD-E656-64AB-F13C0E4125FB}"/>
+              </a:ext>
+            </a:extLst>
+          </p:cNvPr>
+          <p:cNvSpPr/>
+          <p:nvPr/>
+        </p:nvSpPr>
+        <p:spPr>
+          <a:xfrm>
+            <a:off x="6454703" y="969894"/>
+            <a:ext cx="428387" cy="567997"/>
+          </a:xfrm>
+          <a:prstGeom prst="roundRect">
+            <a:avLst>
+              <a:gd name="adj" fmla="val 18668"/>
+            </a:avLst>
+          </a:prstGeom>
+          <a:solidFill>
+            <a:srgbClr val="DADBF1"/>
+          </a:solidFill>
+          <a:ln w="7620">
+            <a:solidFill>
+              <a:srgbClr val="C0C1D7"/>
+            </a:solidFill>
+            <a:prstDash val="solid"/>
+          </a:ln>
+        </p:spPr>
+      </p:sp>
+      <p:sp>
+        <p:nvSpPr>
+          <p:cNvPr id="15" name="Text 7">
+            <a:extLst>
+              <a:ext uri="{FF2B5EF4-FFF2-40B4-BE49-F238E27FC236}">
+                <a16:creationId xmlns:a16="http://schemas.microsoft.com/office/drawing/2014/main" id="{E6DA498A-F377-BF30-257D-65F87DA2C20D}"/>
+              </a:ext>
+            </a:extLst>
+          </p:cNvPr>
+          <p:cNvSpPr/>
+          <p:nvPr/>
+        </p:nvSpPr>
+        <p:spPr>
+          <a:xfrm>
+            <a:off x="6533523" y="1104623"/>
+            <a:ext cx="237605" cy="393859"/>
+          </a:xfrm>
+          <a:prstGeom prst="rect">
+            <a:avLst/>
+          </a:prstGeom>
+          <a:noFill/>
+          <a:ln/>
+        </p:spPr>
+        <p:txBody>
+          <a:bodyPr wrap="none" lIns="0" tIns="0" rIns="0" bIns="0" rtlCol="0" anchor="t"/>
+          <a:lstStyle/>
+          <a:p>
+            <a:pPr marL="0" indent="0" algn="ctr">
+              <a:lnSpc>
+                <a:spcPts val="2450"/>
+              </a:lnSpc>
+              <a:buNone/>
+            </a:pPr>
+            <a:r>
+              <a:rPr lang="en-US" sz="2450" b="1" kern="0" spc="-74" dirty="0">
+                <a:solidFill>
+                  <a:srgbClr val="272525"/>
+                </a:solidFill>
+                <a:latin typeface="Inter Bold" pitchFamily="34" charset="0"/>
+                <a:ea typeface="Inter Bold" pitchFamily="34" charset="-122"/>
+                <a:cs typeface="Inter Bold" pitchFamily="34" charset="-120"/>
+              </a:rPr>
+              <a:t>2</a:t>
+            </a:r>
+            <a:endParaRPr lang="en-US" sz="2450" dirty="0"/>
+          </a:p>
+        </p:txBody>
+      </p:sp>
+      <p:sp>
+        <p:nvSpPr>
+          <p:cNvPr id="16" name="Text 8">
+            <a:extLst>
+              <a:ext uri="{FF2B5EF4-FFF2-40B4-BE49-F238E27FC236}">
+                <a16:creationId xmlns:a16="http://schemas.microsoft.com/office/drawing/2014/main" id="{E76DFA0D-FCD2-F35C-08DA-BC6BDC5B1D10}"/>
+              </a:ext>
+            </a:extLst>
+          </p:cNvPr>
+          <p:cNvSpPr/>
+          <p:nvPr/>
+        </p:nvSpPr>
+        <p:spPr>
+          <a:xfrm>
+            <a:off x="7137409" y="1065213"/>
+            <a:ext cx="2772506" cy="328255"/>
+          </a:xfrm>
+          <a:prstGeom prst="rect">
+            <a:avLst/>
+          </a:prstGeom>
+          <a:noFill/>
+          <a:ln/>
+        </p:spPr>
+        <p:txBody>
+          <a:bodyPr wrap="none" lIns="0" tIns="0" rIns="0" bIns="0" rtlCol="0" anchor="t"/>
+          <a:lstStyle/>
+          <a:p>
+            <a:pPr marL="0" indent="0" algn="l">
+              <a:lnSpc>
+                <a:spcPts val="2550"/>
+              </a:lnSpc>
+              <a:buNone/>
+            </a:pPr>
+            <a:r>
+              <a:rPr lang="en-US" sz="2050" b="1" kern="0" spc="-62" dirty="0">
+                <a:solidFill>
+                  <a:srgbClr val="272525"/>
+                </a:solidFill>
+                <a:latin typeface="Inter Bold" pitchFamily="34" charset="0"/>
+                <a:ea typeface="Inter Bold" pitchFamily="34" charset="-122"/>
+                <a:cs typeface="Inter Bold" pitchFamily="34" charset="-120"/>
+              </a:rPr>
+              <a:t>Opracowanie strategii rozwoju</a:t>
+            </a:r>
+            <a:endParaRPr lang="en-US" sz="2050" dirty="0"/>
+          </a:p>
+        </p:txBody>
+      </p:sp>
+      <p:sp>
+        <p:nvSpPr>
+          <p:cNvPr id="17" name="Text 9">
+            <a:extLst>
+              <a:ext uri="{FF2B5EF4-FFF2-40B4-BE49-F238E27FC236}">
+                <a16:creationId xmlns:a16="http://schemas.microsoft.com/office/drawing/2014/main" id="{80000E4D-E4B3-6175-1242-B85F08FD5BB9}"/>
+              </a:ext>
+            </a:extLst>
+          </p:cNvPr>
+          <p:cNvSpPr/>
+          <p:nvPr/>
+        </p:nvSpPr>
+        <p:spPr>
+          <a:xfrm>
+            <a:off x="7137409" y="1519437"/>
+            <a:ext cx="4368482" cy="672465"/>
+          </a:xfrm>
+          <a:prstGeom prst="rect">
+            <a:avLst/>
+          </a:prstGeom>
+          <a:noFill/>
+          <a:ln/>
+        </p:spPr>
+        <p:txBody>
+          <a:bodyPr wrap="square" lIns="0" tIns="0" rIns="0" bIns="0" rtlCol="0" anchor="t"/>
+          <a:lstStyle/>
+          <a:p>
+            <a:pPr marL="0" indent="0" algn="l">
+              <a:lnSpc>
+                <a:spcPts val="2600"/>
+              </a:lnSpc>
+              <a:buNone/>
+            </a:pPr>
+            <a:r>
+              <a:rPr lang="en-US" sz="1650" kern="0" spc="-33" dirty="0">
+                <a:solidFill>
+                  <a:srgbClr val="272525"/>
+                </a:solidFill>
+                <a:latin typeface="Inter" pitchFamily="34" charset="0"/>
+                <a:ea typeface="Inter" pitchFamily="34" charset="-122"/>
+                <a:cs typeface="Inter" pitchFamily="34" charset="-120"/>
+              </a:rPr>
+              <a:t>- Ustalenie szczegółowego zakresu oferty, zasobów (ludzkich i technologicznych) oraz etapów wdrożenia</a:t>
+            </a:r>
+            <a:endParaRPr lang="en-US" sz="1650" dirty="0"/>
+          </a:p>
+        </p:txBody>
+      </p:sp>
+      <p:sp>
+        <p:nvSpPr>
+          <p:cNvPr id="18" name="Text 10">
+            <a:extLst>
+              <a:ext uri="{FF2B5EF4-FFF2-40B4-BE49-F238E27FC236}">
+                <a16:creationId xmlns:a16="http://schemas.microsoft.com/office/drawing/2014/main" id="{100521FA-97B8-9AB1-03C6-596D5A56E7A6}"/>
+              </a:ext>
+            </a:extLst>
+          </p:cNvPr>
+          <p:cNvSpPr/>
+          <p:nvPr/>
+        </p:nvSpPr>
+        <p:spPr>
+          <a:xfrm>
+            <a:off x="7137409" y="2558276"/>
+            <a:ext cx="4368482" cy="1008698"/>
+          </a:xfrm>
+          <a:prstGeom prst="rect">
+            <a:avLst/>
+          </a:prstGeom>
+          <a:noFill/>
+          <a:ln/>
+        </p:spPr>
+        <p:txBody>
+          <a:bodyPr wrap="square" lIns="0" tIns="0" rIns="0" bIns="0" rtlCol="0" anchor="t"/>
+          <a:lstStyle/>
+          <a:p>
+            <a:pPr marL="0" indent="0" algn="l">
+              <a:lnSpc>
+                <a:spcPts val="2600"/>
+              </a:lnSpc>
+              <a:buNone/>
+            </a:pPr>
+            <a:r>
+              <a:rPr lang="en-US" sz="1650" kern="0" spc="-33" dirty="0">
+                <a:solidFill>
+                  <a:srgbClr val="272525"/>
+                </a:solidFill>
+                <a:latin typeface="Inter" pitchFamily="34" charset="0"/>
+                <a:ea typeface="Inter" pitchFamily="34" charset="-122"/>
+                <a:cs typeface="Inter" pitchFamily="34" charset="-120"/>
+              </a:rPr>
+              <a:t>- Opracowanie strategii marketingowej i komunikacji – kampanie reklamowe, materiały sprzedażowe i prezentacje dla klientów</a:t>
+            </a:r>
+            <a:endParaRPr lang="en-US" sz="1650" dirty="0"/>
+          </a:p>
+        </p:txBody>
+      </p:sp>
+      <p:sp>
+        <p:nvSpPr>
+          <p:cNvPr id="19" name="Shape 11">
+            <a:extLst>
+              <a:ext uri="{FF2B5EF4-FFF2-40B4-BE49-F238E27FC236}">
+                <a16:creationId xmlns:a16="http://schemas.microsoft.com/office/drawing/2014/main" id="{29092809-3AD0-5EC1-7093-1A0B3D8DEB3C}"/>
+              </a:ext>
+            </a:extLst>
+          </p:cNvPr>
+          <p:cNvSpPr/>
+          <p:nvPr/>
+        </p:nvSpPr>
+        <p:spPr>
+          <a:xfrm>
+            <a:off x="125730" y="3683527"/>
+            <a:ext cx="428387" cy="567997"/>
+          </a:xfrm>
+          <a:prstGeom prst="roundRect">
+            <a:avLst>
+              <a:gd name="adj" fmla="val 18668"/>
+            </a:avLst>
+          </a:prstGeom>
+          <a:solidFill>
+            <a:srgbClr val="DADBF1"/>
+          </a:solidFill>
+          <a:ln w="7620">
+            <a:solidFill>
+              <a:srgbClr val="C0C1D7"/>
+            </a:solidFill>
+            <a:prstDash val="solid"/>
+          </a:ln>
+        </p:spPr>
+      </p:sp>
+      <p:sp>
+        <p:nvSpPr>
+          <p:cNvPr id="20" name="Text 12">
+            <a:extLst>
+              <a:ext uri="{FF2B5EF4-FFF2-40B4-BE49-F238E27FC236}">
+                <a16:creationId xmlns:a16="http://schemas.microsoft.com/office/drawing/2014/main" id="{6CC7EC79-E669-B517-E563-1ADA4AFE955E}"/>
+              </a:ext>
+            </a:extLst>
+          </p:cNvPr>
+          <p:cNvSpPr/>
+          <p:nvPr/>
+        </p:nvSpPr>
+        <p:spPr>
+          <a:xfrm>
+            <a:off x="204549" y="3818255"/>
+            <a:ext cx="237605" cy="393859"/>
+          </a:xfrm>
+          <a:prstGeom prst="rect">
+            <a:avLst/>
+          </a:prstGeom>
+          <a:noFill/>
+          <a:ln/>
+        </p:spPr>
+        <p:txBody>
+          <a:bodyPr wrap="none" lIns="0" tIns="0" rIns="0" bIns="0" rtlCol="0" anchor="t"/>
+          <a:lstStyle/>
+          <a:p>
+            <a:pPr marL="0" indent="0" algn="ctr">
+              <a:lnSpc>
+                <a:spcPts val="2450"/>
+              </a:lnSpc>
+              <a:buNone/>
+            </a:pPr>
+            <a:r>
+              <a:rPr lang="en-US" sz="2450" b="1" kern="0" spc="-74" dirty="0">
+                <a:solidFill>
+                  <a:srgbClr val="272525"/>
+                </a:solidFill>
+                <a:latin typeface="Inter Bold" pitchFamily="34" charset="0"/>
+                <a:ea typeface="Inter Bold" pitchFamily="34" charset="-122"/>
+                <a:cs typeface="Inter Bold" pitchFamily="34" charset="-120"/>
+              </a:rPr>
+              <a:t>3</a:t>
+            </a:r>
+            <a:endParaRPr lang="en-US" sz="2450" dirty="0"/>
+          </a:p>
+        </p:txBody>
+      </p:sp>
+      <p:sp>
+        <p:nvSpPr>
+          <p:cNvPr id="21" name="Text 13">
+            <a:extLst>
+              <a:ext uri="{FF2B5EF4-FFF2-40B4-BE49-F238E27FC236}">
+                <a16:creationId xmlns:a16="http://schemas.microsoft.com/office/drawing/2014/main" id="{9211ED3F-54F9-2EA1-7921-AFA8EB28264B}"/>
+              </a:ext>
+            </a:extLst>
+          </p:cNvPr>
+          <p:cNvSpPr/>
+          <p:nvPr/>
+        </p:nvSpPr>
+        <p:spPr>
+          <a:xfrm>
+            <a:off x="808434" y="3778846"/>
+            <a:ext cx="2025389" cy="328255"/>
+          </a:xfrm>
+          <a:prstGeom prst="rect">
+            <a:avLst/>
+          </a:prstGeom>
+          <a:noFill/>
+          <a:ln/>
+        </p:spPr>
+        <p:txBody>
+          <a:bodyPr wrap="none" lIns="0" tIns="0" rIns="0" bIns="0" rtlCol="0" anchor="t"/>
+          <a:lstStyle/>
+          <a:p>
+            <a:pPr marL="0" indent="0" algn="l">
+              <a:lnSpc>
+                <a:spcPts val="2550"/>
+              </a:lnSpc>
+              <a:buNone/>
+            </a:pPr>
+            <a:r>
+              <a:rPr lang="en-US" sz="2050" b="1" kern="0" spc="-62" dirty="0">
+                <a:solidFill>
+                  <a:srgbClr val="272525"/>
+                </a:solidFill>
+                <a:latin typeface="Inter Bold" pitchFamily="34" charset="0"/>
+                <a:ea typeface="Inter Bold" pitchFamily="34" charset="-122"/>
+                <a:cs typeface="Inter Bold" pitchFamily="34" charset="-120"/>
+              </a:rPr>
+              <a:t>Daty i czas wykonania</a:t>
+            </a:r>
+            <a:endParaRPr lang="en-US" sz="2050" dirty="0"/>
+          </a:p>
+        </p:txBody>
+      </p:sp>
+      <p:sp>
+        <p:nvSpPr>
+          <p:cNvPr id="22" name="Text 14">
+            <a:extLst>
+              <a:ext uri="{FF2B5EF4-FFF2-40B4-BE49-F238E27FC236}">
+                <a16:creationId xmlns:a16="http://schemas.microsoft.com/office/drawing/2014/main" id="{137A0B67-831D-5284-ABAC-ABD2CCCA9058}"/>
+              </a:ext>
+            </a:extLst>
+          </p:cNvPr>
+          <p:cNvSpPr/>
+          <p:nvPr/>
+        </p:nvSpPr>
+        <p:spPr>
+          <a:xfrm>
+            <a:off x="808435" y="4233069"/>
+            <a:ext cx="4368482" cy="1008698"/>
+          </a:xfrm>
+          <a:prstGeom prst="rect">
+            <a:avLst/>
+          </a:prstGeom>
+          <a:noFill/>
+          <a:ln/>
+        </p:spPr>
+        <p:txBody>
+          <a:bodyPr wrap="square" lIns="0" tIns="0" rIns="0" bIns="0" rtlCol="0" anchor="t"/>
+          <a:lstStyle/>
+          <a:p>
+            <a:pPr marL="0" indent="0" algn="l">
+              <a:lnSpc>
+                <a:spcPts val="2600"/>
+              </a:lnSpc>
+              <a:buNone/>
+            </a:pPr>
+            <a:r>
+              <a:rPr lang="en-US" sz="1650" kern="0" spc="-33" dirty="0">
+                <a:solidFill>
+                  <a:srgbClr val="272525"/>
+                </a:solidFill>
+                <a:latin typeface="Inter" pitchFamily="34" charset="0"/>
+                <a:ea typeface="Inter" pitchFamily="34" charset="-122"/>
+                <a:cs typeface="Inter" pitchFamily="34" charset="-120"/>
+              </a:rPr>
+              <a:t>- Ustalenie kluczowych kamieni milowych (milestones): rozpoczęcie testów, pilotażowe wdrożenie, pełne uruchomienie</a:t>
+            </a:r>
+            <a:endParaRPr lang="en-US" sz="1650" dirty="0"/>
+          </a:p>
+        </p:txBody>
+      </p:sp>
+      <p:sp>
+        <p:nvSpPr>
+          <p:cNvPr id="23" name="Text 15">
+            <a:extLst>
+              <a:ext uri="{FF2B5EF4-FFF2-40B4-BE49-F238E27FC236}">
+                <a16:creationId xmlns:a16="http://schemas.microsoft.com/office/drawing/2014/main" id="{855AB375-5B8A-9629-3DBF-0A44F1678AC7}"/>
+              </a:ext>
+            </a:extLst>
+          </p:cNvPr>
+          <p:cNvSpPr/>
+          <p:nvPr/>
+        </p:nvSpPr>
+        <p:spPr>
+          <a:xfrm>
+            <a:off x="808435" y="5367735"/>
+            <a:ext cx="4368482" cy="672465"/>
+          </a:xfrm>
+          <a:prstGeom prst="rect">
+            <a:avLst/>
+          </a:prstGeom>
+          <a:noFill/>
+          <a:ln/>
+        </p:spPr>
+        <p:txBody>
+          <a:bodyPr wrap="square" lIns="0" tIns="0" rIns="0" bIns="0" rtlCol="0" anchor="t"/>
+          <a:lstStyle/>
+          <a:p>
+            <a:pPr marL="0" indent="0" algn="l">
+              <a:lnSpc>
+                <a:spcPts val="2600"/>
+              </a:lnSpc>
+              <a:buNone/>
+            </a:pPr>
+            <a:r>
+              <a:rPr lang="en-US" sz="1650" kern="0" spc="-33" dirty="0">
+                <a:solidFill>
+                  <a:srgbClr val="272525"/>
+                </a:solidFill>
+                <a:latin typeface="Inter" pitchFamily="34" charset="0"/>
+                <a:ea typeface="Inter" pitchFamily="34" charset="-122"/>
+                <a:cs typeface="Inter" pitchFamily="34" charset="-120"/>
+              </a:rPr>
+              <a:t>- Przydzielenie konkretnych terminów i odpowiedzialnych osób za poszczególne etapy</a:t>
+            </a:r>
+            <a:endParaRPr lang="en-US" sz="1650" dirty="0"/>
+          </a:p>
+        </p:txBody>
+      </p:sp>
+      <p:sp>
+        <p:nvSpPr>
+          <p:cNvPr id="24" name="Shape 16">
+            <a:extLst>
+              <a:ext uri="{FF2B5EF4-FFF2-40B4-BE49-F238E27FC236}">
+                <a16:creationId xmlns:a16="http://schemas.microsoft.com/office/drawing/2014/main" id="{B356D6C7-80DF-79FA-F3E1-9F47EF57CD80}"/>
+              </a:ext>
+            </a:extLst>
+          </p:cNvPr>
+          <p:cNvSpPr/>
+          <p:nvPr/>
+        </p:nvSpPr>
+        <p:spPr>
+          <a:xfrm>
+            <a:off x="6454703" y="3677614"/>
+            <a:ext cx="428387" cy="567997"/>
+          </a:xfrm>
+          <a:prstGeom prst="roundRect">
+            <a:avLst>
+              <a:gd name="adj" fmla="val 18668"/>
+            </a:avLst>
+          </a:prstGeom>
+          <a:solidFill>
+            <a:srgbClr val="DADBF1"/>
+          </a:solidFill>
+          <a:ln w="7620">
+            <a:solidFill>
+              <a:srgbClr val="C0C1D7"/>
+            </a:solidFill>
+            <a:prstDash val="solid"/>
+          </a:ln>
+        </p:spPr>
+      </p:sp>
+      <p:sp>
+        <p:nvSpPr>
+          <p:cNvPr id="25" name="Text 17">
+            <a:extLst>
+              <a:ext uri="{FF2B5EF4-FFF2-40B4-BE49-F238E27FC236}">
+                <a16:creationId xmlns:a16="http://schemas.microsoft.com/office/drawing/2014/main" id="{7B400DBA-DBA5-9BAA-D322-F518E9D68C21}"/>
+              </a:ext>
+            </a:extLst>
+          </p:cNvPr>
+          <p:cNvSpPr/>
+          <p:nvPr/>
+        </p:nvSpPr>
+        <p:spPr>
+          <a:xfrm>
+            <a:off x="6533523" y="3812342"/>
+            <a:ext cx="237605" cy="393859"/>
+          </a:xfrm>
+          <a:prstGeom prst="rect">
+            <a:avLst/>
+          </a:prstGeom>
+          <a:noFill/>
+          <a:ln/>
+        </p:spPr>
+        <p:txBody>
+          <a:bodyPr wrap="none" lIns="0" tIns="0" rIns="0" bIns="0" rtlCol="0" anchor="t"/>
+          <a:lstStyle/>
+          <a:p>
+            <a:pPr marL="0" indent="0" algn="ctr">
+              <a:lnSpc>
+                <a:spcPts val="2450"/>
+              </a:lnSpc>
+              <a:buNone/>
+            </a:pPr>
+            <a:r>
+              <a:rPr lang="en-US" sz="2450" b="1" kern="0" spc="-74" dirty="0">
+                <a:solidFill>
+                  <a:srgbClr val="272525"/>
+                </a:solidFill>
+                <a:latin typeface="Inter Bold" pitchFamily="34" charset="0"/>
+                <a:ea typeface="Inter Bold" pitchFamily="34" charset="-122"/>
+                <a:cs typeface="Inter Bold" pitchFamily="34" charset="-120"/>
+              </a:rPr>
+              <a:t>4</a:t>
+            </a:r>
+            <a:endParaRPr lang="en-US" sz="2450" dirty="0"/>
+          </a:p>
+        </p:txBody>
+      </p:sp>
+      <p:sp>
+        <p:nvSpPr>
+          <p:cNvPr id="26" name="Text 18">
+            <a:extLst>
+              <a:ext uri="{FF2B5EF4-FFF2-40B4-BE49-F238E27FC236}">
+                <a16:creationId xmlns:a16="http://schemas.microsoft.com/office/drawing/2014/main" id="{CCD53120-DDF9-5C28-29D8-7132EE14F158}"/>
+              </a:ext>
+            </a:extLst>
+          </p:cNvPr>
+          <p:cNvSpPr/>
+          <p:nvPr/>
+        </p:nvSpPr>
+        <p:spPr>
+          <a:xfrm>
+            <a:off x="7137409" y="3772933"/>
+            <a:ext cx="4131056" cy="328255"/>
+          </a:xfrm>
+          <a:prstGeom prst="rect">
+            <a:avLst/>
+          </a:prstGeom>
+          <a:noFill/>
+          <a:ln/>
+        </p:spPr>
+        <p:txBody>
+          <a:bodyPr wrap="none" lIns="0" tIns="0" rIns="0" bIns="0" rtlCol="0" anchor="t"/>
+          <a:lstStyle/>
+          <a:p>
+            <a:pPr marL="0" indent="0" algn="l">
+              <a:lnSpc>
+                <a:spcPts val="2550"/>
+              </a:lnSpc>
+              <a:buNone/>
+            </a:pPr>
+            <a:r>
+              <a:rPr lang="en-US" sz="2050" b="1" kern="0" spc="-62" dirty="0">
+                <a:solidFill>
+                  <a:srgbClr val="272525"/>
+                </a:solidFill>
+                <a:latin typeface="Inter Bold" pitchFamily="34" charset="0"/>
+                <a:ea typeface="Inter Bold" pitchFamily="34" charset="-122"/>
+                <a:cs typeface="Inter Bold" pitchFamily="34" charset="-120"/>
+              </a:rPr>
+              <a:t>Testowanie i przygotowanie do uruchomienia</a:t>
+            </a:r>
+            <a:endParaRPr lang="en-US" sz="2050" dirty="0"/>
+          </a:p>
+        </p:txBody>
+      </p:sp>
+      <p:sp>
+        <p:nvSpPr>
+          <p:cNvPr id="27" name="Text 19">
+            <a:extLst>
+              <a:ext uri="{FF2B5EF4-FFF2-40B4-BE49-F238E27FC236}">
+                <a16:creationId xmlns:a16="http://schemas.microsoft.com/office/drawing/2014/main" id="{BFFFB45B-E0DE-8DC5-33C1-EB2B3AF0F179}"/>
+              </a:ext>
+            </a:extLst>
+          </p:cNvPr>
+          <p:cNvSpPr/>
+          <p:nvPr/>
+        </p:nvSpPr>
+        <p:spPr>
+          <a:xfrm>
+            <a:off x="7137409" y="4227156"/>
+            <a:ext cx="4368482" cy="672465"/>
+          </a:xfrm>
+          <a:prstGeom prst="rect">
+            <a:avLst/>
+          </a:prstGeom>
+          <a:noFill/>
+          <a:ln/>
+        </p:spPr>
+        <p:txBody>
+          <a:bodyPr wrap="square" lIns="0" tIns="0" rIns="0" bIns="0" rtlCol="0" anchor="t"/>
+          <a:lstStyle/>
+          <a:p>
+            <a:pPr marL="0" indent="0" algn="l">
+              <a:lnSpc>
+                <a:spcPts val="2600"/>
+              </a:lnSpc>
+              <a:buNone/>
+            </a:pPr>
+            <a:r>
+              <a:rPr lang="en-US" sz="1650" kern="0" spc="-33" dirty="0">
+                <a:solidFill>
+                  <a:srgbClr val="272525"/>
+                </a:solidFill>
+                <a:latin typeface="Inter" pitchFamily="34" charset="0"/>
+                <a:ea typeface="Inter" pitchFamily="34" charset="-122"/>
+                <a:cs typeface="Inter" pitchFamily="34" charset="-120"/>
+              </a:rPr>
+              <a:t>- Przeprowadzenie testów funkcjonalnych i użytkowych (np beta testy)</a:t>
+            </a:r>
+            <a:endParaRPr lang="en-US" sz="1650" dirty="0"/>
+          </a:p>
+        </p:txBody>
+      </p:sp>
+      <p:sp>
+        <p:nvSpPr>
+          <p:cNvPr id="28" name="Text 20">
+            <a:extLst>
+              <a:ext uri="{FF2B5EF4-FFF2-40B4-BE49-F238E27FC236}">
+                <a16:creationId xmlns:a16="http://schemas.microsoft.com/office/drawing/2014/main" id="{4E76F6D0-20B7-A5E4-0937-A8F4A40FD54A}"/>
+              </a:ext>
+            </a:extLst>
+          </p:cNvPr>
+          <p:cNvSpPr/>
+          <p:nvPr/>
+        </p:nvSpPr>
+        <p:spPr>
+          <a:xfrm>
+            <a:off x="7137409" y="5025589"/>
+            <a:ext cx="4368482" cy="672465"/>
+          </a:xfrm>
+          <a:prstGeom prst="rect">
+            <a:avLst/>
+          </a:prstGeom>
+          <a:noFill/>
+          <a:ln/>
+        </p:spPr>
+        <p:txBody>
+          <a:bodyPr wrap="square" lIns="0" tIns="0" rIns="0" bIns="0" rtlCol="0" anchor="t"/>
+          <a:lstStyle/>
+          <a:p>
+            <a:pPr marL="0" indent="0" algn="l">
+              <a:lnSpc>
+                <a:spcPts val="2600"/>
+              </a:lnSpc>
+              <a:buNone/>
+            </a:pPr>
+            <a:r>
+              <a:rPr lang="en-US" sz="1650" kern="0" spc="-33" dirty="0">
+                <a:solidFill>
+                  <a:srgbClr val="272525"/>
+                </a:solidFill>
+                <a:latin typeface="Inter" pitchFamily="34" charset="0"/>
+                <a:ea typeface="Inter" pitchFamily="34" charset="-122"/>
+                <a:cs typeface="Inter" pitchFamily="34" charset="-120"/>
+              </a:rPr>
+              <a:t>- Szkolenia wewnętrzne dla zespołów obsługowych i wsparcia technicznego</a:t>
+            </a:r>
+            <a:endParaRPr lang="en-US" sz="1650" dirty="0"/>
+          </a:p>
+        </p:txBody>
+      </p:sp>
+      <p:sp>
+        <p:nvSpPr>
+          <p:cNvPr id="29" name="Text 21">
+            <a:extLst>
+              <a:ext uri="{FF2B5EF4-FFF2-40B4-BE49-F238E27FC236}">
+                <a16:creationId xmlns:a16="http://schemas.microsoft.com/office/drawing/2014/main" id="{E847687E-A507-857B-FD2C-9DC40B2062A9}"/>
+              </a:ext>
+            </a:extLst>
+          </p:cNvPr>
+          <p:cNvSpPr/>
+          <p:nvPr/>
+        </p:nvSpPr>
+        <p:spPr>
+          <a:xfrm>
+            <a:off x="7137409" y="5824022"/>
+            <a:ext cx="4368482" cy="672465"/>
+          </a:xfrm>
+          <a:prstGeom prst="rect">
+            <a:avLst/>
+          </a:prstGeom>
+          <a:noFill/>
+          <a:ln/>
+        </p:spPr>
+        <p:txBody>
+          <a:bodyPr wrap="square" lIns="0" tIns="0" rIns="0" bIns="0" rtlCol="0" anchor="t"/>
+          <a:lstStyle/>
+          <a:p>
+            <a:pPr marL="0" indent="0" algn="l">
+              <a:lnSpc>
+                <a:spcPts val="2600"/>
+              </a:lnSpc>
+              <a:buNone/>
+            </a:pPr>
+            <a:r>
+              <a:rPr lang="en-US" sz="1650" kern="0" spc="-33" dirty="0">
+                <a:solidFill>
+                  <a:srgbClr val="272525"/>
+                </a:solidFill>
+                <a:latin typeface="Inter" pitchFamily="34" charset="0"/>
+                <a:ea typeface="Inter" pitchFamily="34" charset="-122"/>
+                <a:cs typeface="Inter" pitchFamily="34" charset="-120"/>
+              </a:rPr>
+              <a:t>- Ostateczne sprawdzenie gotowości systemu oraz migracji danych (jeśli dotyczy)</a:t>
+            </a:r>
+            <a:endParaRPr lang="en-US" sz="1650" dirty="0"/>
           </a:p>
         </p:txBody>
       </p:sp>
@@ -3738,51 +7691,832 @@
       </p:grpSpPr>
       <p:sp>
         <p:nvSpPr>
-          <p:cNvPr id="2" name="Title 1">
-            <a:extLst>
-              <a:ext uri="{FF2B5EF4-FFF2-40B4-BE49-F238E27FC236}">
-                <a16:creationId xmlns:a16="http://schemas.microsoft.com/office/drawing/2014/main" id="{1C2C5D92-22FB-32AB-E281-5BDEF7A69F9C}"/>
-              </a:ext>
-            </a:extLst>
-          </p:cNvPr>
-          <p:cNvSpPr>
-            <a:spLocks noGrp="1"/>
-          </p:cNvSpPr>
-          <p:nvPr>
-            <p:ph type="title"/>
-          </p:nvPr>
-        </p:nvSpPr>
-        <p:spPr/>
-        <p:txBody>
-          <a:bodyPr/>
-          <a:lstStyle/>
-          <a:p>
-            <a:endParaRPr lang="pl-PL"/>
-          </a:p>
-        </p:txBody>
-      </p:sp>
-      <p:sp>
-        <p:nvSpPr>
-          <p:cNvPr id="3" name="Content Placeholder 2">
-            <a:extLst>
-              <a:ext uri="{FF2B5EF4-FFF2-40B4-BE49-F238E27FC236}">
-                <a16:creationId xmlns:a16="http://schemas.microsoft.com/office/drawing/2014/main" id="{9063A160-3C9E-7CC3-521E-4947746CE108}"/>
-              </a:ext>
-            </a:extLst>
-          </p:cNvPr>
-          <p:cNvSpPr>
-            <a:spLocks noGrp="1"/>
-          </p:cNvSpPr>
-          <p:nvPr>
-            <p:ph idx="1"/>
-          </p:nvPr>
-        </p:nvSpPr>
-        <p:spPr/>
-        <p:txBody>
-          <a:bodyPr/>
-          <a:lstStyle/>
-          <a:p>
-            <a:endParaRPr lang="pl-PL"/>
+          <p:cNvPr id="8" name="Text 0">
+            <a:extLst>
+              <a:ext uri="{FF2B5EF4-FFF2-40B4-BE49-F238E27FC236}">
+                <a16:creationId xmlns:a16="http://schemas.microsoft.com/office/drawing/2014/main" id="{AAB5BF16-885F-3991-30B1-32208700C5CD}"/>
+              </a:ext>
+            </a:extLst>
+          </p:cNvPr>
+          <p:cNvSpPr/>
+          <p:nvPr/>
+        </p:nvSpPr>
+        <p:spPr>
+          <a:xfrm>
+            <a:off x="7441327" y="446504"/>
+            <a:ext cx="5212794" cy="566142"/>
+          </a:xfrm>
+          <a:prstGeom prst="rect">
+            <a:avLst/>
+          </a:prstGeom>
+          <a:noFill/>
+          <a:ln/>
+        </p:spPr>
+        <p:txBody>
+          <a:bodyPr wrap="none" lIns="0" tIns="0" rIns="0" bIns="0" rtlCol="0" anchor="t"/>
+          <a:lstStyle/>
+          <a:p>
+            <a:pPr marL="0" indent="0" algn="l">
+              <a:lnSpc>
+                <a:spcPts val="4450"/>
+              </a:lnSpc>
+              <a:buNone/>
+            </a:pPr>
+            <a:r>
+              <a:rPr lang="en-US" sz="3550" b="1" kern="0" spc="-107" dirty="0">
+                <a:solidFill>
+                  <a:srgbClr val="000000"/>
+                </a:solidFill>
+                <a:latin typeface="Inter Bold" pitchFamily="34" charset="0"/>
+                <a:ea typeface="Inter Bold" pitchFamily="34" charset="-122"/>
+                <a:cs typeface="Inter Bold" pitchFamily="34" charset="-120"/>
+              </a:rPr>
+              <a:t>Wymagania integracyjne</a:t>
+            </a:r>
+            <a:endParaRPr lang="en-US" sz="3550" dirty="0"/>
+          </a:p>
+        </p:txBody>
+      </p:sp>
+      <p:sp>
+        <p:nvSpPr>
+          <p:cNvPr id="9" name="Text 1">
+            <a:extLst>
+              <a:ext uri="{FF2B5EF4-FFF2-40B4-BE49-F238E27FC236}">
+                <a16:creationId xmlns:a16="http://schemas.microsoft.com/office/drawing/2014/main" id="{EE26F12F-35BD-63C0-80E1-E24F7BAC758D}"/>
+              </a:ext>
+            </a:extLst>
+          </p:cNvPr>
+          <p:cNvSpPr/>
+          <p:nvPr/>
+        </p:nvSpPr>
+        <p:spPr>
+          <a:xfrm>
+            <a:off x="189627" y="235942"/>
+            <a:ext cx="13362146" cy="289917"/>
+          </a:xfrm>
+          <a:prstGeom prst="rect">
+            <a:avLst/>
+          </a:prstGeom>
+          <a:noFill/>
+          <a:ln/>
+        </p:spPr>
+        <p:txBody>
+          <a:bodyPr wrap="none" lIns="0" tIns="0" rIns="0" bIns="0" rtlCol="0" anchor="t"/>
+          <a:lstStyle/>
+          <a:p>
+            <a:pPr marL="0" indent="0" algn="l">
+              <a:lnSpc>
+                <a:spcPts val="2250"/>
+              </a:lnSpc>
+              <a:buNone/>
+            </a:pPr>
+            <a:r>
+              <a:rPr lang="en-US" sz="1200" kern="0" spc="-29" dirty="0">
+                <a:solidFill>
+                  <a:srgbClr val="272525"/>
+                </a:solidFill>
+                <a:latin typeface="Inter" pitchFamily="34" charset="0"/>
+                <a:ea typeface="Inter" pitchFamily="34" charset="-122"/>
+                <a:cs typeface="Inter" pitchFamily="34" charset="-120"/>
+              </a:rPr>
+              <a:t>Aby nowa oferta została dobrze zintegrowana z istniejącą infrastrukturą IT oraz bazą danych klientów, należy:</a:t>
+            </a:r>
+            <a:endParaRPr lang="en-US" sz="1200" dirty="0"/>
+          </a:p>
+        </p:txBody>
+      </p:sp>
+      <p:sp>
+        <p:nvSpPr>
+          <p:cNvPr id="10" name="Text 2">
+            <a:extLst>
+              <a:ext uri="{FF2B5EF4-FFF2-40B4-BE49-F238E27FC236}">
+                <a16:creationId xmlns:a16="http://schemas.microsoft.com/office/drawing/2014/main" id="{F7936117-A6FF-D71D-A5FA-7AB4D8BA6C9F}"/>
+              </a:ext>
+            </a:extLst>
+          </p:cNvPr>
+          <p:cNvSpPr/>
+          <p:nvPr/>
+        </p:nvSpPr>
+        <p:spPr>
+          <a:xfrm>
+            <a:off x="189627" y="729575"/>
+            <a:ext cx="13362146" cy="289917"/>
+          </a:xfrm>
+          <a:prstGeom prst="rect">
+            <a:avLst/>
+          </a:prstGeom>
+          <a:noFill/>
+          <a:ln/>
+        </p:spPr>
+        <p:txBody>
+          <a:bodyPr wrap="none" lIns="0" tIns="0" rIns="0" bIns="0" rtlCol="0" anchor="t"/>
+          <a:lstStyle/>
+          <a:p>
+            <a:pPr marL="342900" indent="-342900" algn="l">
+              <a:lnSpc>
+                <a:spcPts val="2250"/>
+              </a:lnSpc>
+              <a:buSzPct val="100000"/>
+              <a:buChar char="•"/>
+            </a:pPr>
+            <a:r>
+              <a:rPr lang="en-US" sz="1200" kern="0" spc="-29" dirty="0">
+                <a:solidFill>
+                  <a:srgbClr val="272525"/>
+                </a:solidFill>
+                <a:latin typeface="Inter" pitchFamily="34" charset="0"/>
+                <a:ea typeface="Inter" pitchFamily="34" charset="-122"/>
+                <a:cs typeface="Inter" pitchFamily="34" charset="-120"/>
+              </a:rPr>
+              <a:t>Analiza obecnej infrastruktury IT:</a:t>
+            </a:r>
+            <a:endParaRPr lang="en-US" sz="1200" dirty="0"/>
+          </a:p>
+        </p:txBody>
+      </p:sp>
+      <p:sp>
+        <p:nvSpPr>
+          <p:cNvPr id="11" name="Text 3">
+            <a:extLst>
+              <a:ext uri="{FF2B5EF4-FFF2-40B4-BE49-F238E27FC236}">
+                <a16:creationId xmlns:a16="http://schemas.microsoft.com/office/drawing/2014/main" id="{5DA22A15-8698-3437-B8C1-3F4D9BB8AA55}"/>
+              </a:ext>
+            </a:extLst>
+          </p:cNvPr>
+          <p:cNvSpPr/>
+          <p:nvPr/>
+        </p:nvSpPr>
+        <p:spPr>
+          <a:xfrm>
+            <a:off x="189627" y="1082833"/>
+            <a:ext cx="13362146" cy="289917"/>
+          </a:xfrm>
+          <a:prstGeom prst="rect">
+            <a:avLst/>
+          </a:prstGeom>
+          <a:noFill/>
+          <a:ln/>
+        </p:spPr>
+        <p:txBody>
+          <a:bodyPr wrap="none" lIns="0" tIns="0" rIns="0" bIns="0" rtlCol="0" anchor="t"/>
+          <a:lstStyle/>
+          <a:p>
+            <a:pPr marL="685800" lvl="1" indent="-342900" algn="l">
+              <a:lnSpc>
+                <a:spcPts val="2250"/>
+              </a:lnSpc>
+              <a:buSzPct val="100000"/>
+              <a:buChar char="•"/>
+            </a:pPr>
+            <a:r>
+              <a:rPr lang="en-US" sz="1200" kern="0" spc="-29" dirty="0">
+                <a:solidFill>
+                  <a:srgbClr val="272525"/>
+                </a:solidFill>
+                <a:latin typeface="Inter" pitchFamily="34" charset="0"/>
+                <a:ea typeface="Inter" pitchFamily="34" charset="-122"/>
+                <a:cs typeface="Inter" pitchFamily="34" charset="-120"/>
+              </a:rPr>
+              <a:t>Przegląd istniejących systemów CRM, ERP oraz platformy billingowej</a:t>
+            </a:r>
+            <a:endParaRPr lang="en-US" sz="1200" dirty="0"/>
+          </a:p>
+        </p:txBody>
+      </p:sp>
+      <p:sp>
+        <p:nvSpPr>
+          <p:cNvPr id="12" name="Text 4">
+            <a:extLst>
+              <a:ext uri="{FF2B5EF4-FFF2-40B4-BE49-F238E27FC236}">
+                <a16:creationId xmlns:a16="http://schemas.microsoft.com/office/drawing/2014/main" id="{880B2AD7-DB42-FACA-54DA-AB4B232B2F59}"/>
+              </a:ext>
+            </a:extLst>
+          </p:cNvPr>
+          <p:cNvSpPr/>
+          <p:nvPr/>
+        </p:nvSpPr>
+        <p:spPr>
+          <a:xfrm>
+            <a:off x="189627" y="1436092"/>
+            <a:ext cx="13362146" cy="289917"/>
+          </a:xfrm>
+          <a:prstGeom prst="rect">
+            <a:avLst/>
+          </a:prstGeom>
+          <a:noFill/>
+          <a:ln/>
+        </p:spPr>
+        <p:txBody>
+          <a:bodyPr wrap="none" lIns="0" tIns="0" rIns="0" bIns="0" rtlCol="0" anchor="t"/>
+          <a:lstStyle/>
+          <a:p>
+            <a:pPr marL="685800" lvl="1" indent="-342900" algn="l">
+              <a:lnSpc>
+                <a:spcPts val="2250"/>
+              </a:lnSpc>
+              <a:buSzPct val="100000"/>
+              <a:buChar char="•"/>
+            </a:pPr>
+            <a:r>
+              <a:rPr lang="en-US" sz="1200" kern="0" spc="-29" dirty="0">
+                <a:solidFill>
+                  <a:srgbClr val="272525"/>
+                </a:solidFill>
+                <a:latin typeface="Inter" pitchFamily="34" charset="0"/>
+                <a:ea typeface="Inter" pitchFamily="34" charset="-122"/>
+                <a:cs typeface="Inter" pitchFamily="34" charset="-120"/>
+              </a:rPr>
+              <a:t>Określenie punktów integracyjnych – gdzie konieczne jest połączenie danych nowych ofert z już zbieranymi informacjami</a:t>
+            </a:r>
+            <a:endParaRPr lang="en-US" sz="1200" dirty="0"/>
+          </a:p>
+        </p:txBody>
+      </p:sp>
+      <p:sp>
+        <p:nvSpPr>
+          <p:cNvPr id="13" name="Text 5">
+            <a:extLst>
+              <a:ext uri="{FF2B5EF4-FFF2-40B4-BE49-F238E27FC236}">
+                <a16:creationId xmlns:a16="http://schemas.microsoft.com/office/drawing/2014/main" id="{7C476E24-AF76-4EA3-57EB-CA3597ED569A}"/>
+              </a:ext>
+            </a:extLst>
+          </p:cNvPr>
+          <p:cNvSpPr/>
+          <p:nvPr/>
+        </p:nvSpPr>
+        <p:spPr>
+          <a:xfrm>
+            <a:off x="189627" y="1789350"/>
+            <a:ext cx="13362146" cy="289917"/>
+          </a:xfrm>
+          <a:prstGeom prst="rect">
+            <a:avLst/>
+          </a:prstGeom>
+          <a:noFill/>
+          <a:ln/>
+        </p:spPr>
+        <p:txBody>
+          <a:bodyPr wrap="none" lIns="0" tIns="0" rIns="0" bIns="0" rtlCol="0" anchor="t"/>
+          <a:lstStyle/>
+          <a:p>
+            <a:pPr marL="342900" indent="-342900" algn="l">
+              <a:lnSpc>
+                <a:spcPts val="2250"/>
+              </a:lnSpc>
+              <a:buSzPct val="100000"/>
+              <a:buChar char="•"/>
+            </a:pPr>
+            <a:r>
+              <a:rPr lang="en-US" sz="1200" kern="0" spc="-29" dirty="0">
+                <a:solidFill>
+                  <a:srgbClr val="272525"/>
+                </a:solidFill>
+                <a:latin typeface="Inter" pitchFamily="34" charset="0"/>
+                <a:ea typeface="Inter" pitchFamily="34" charset="-122"/>
+                <a:cs typeface="Inter" pitchFamily="34" charset="-120"/>
+              </a:rPr>
+              <a:t>Rozbudowa bazy danych:</a:t>
+            </a:r>
+            <a:endParaRPr lang="en-US" sz="1200" dirty="0"/>
+          </a:p>
+        </p:txBody>
+      </p:sp>
+      <p:sp>
+        <p:nvSpPr>
+          <p:cNvPr id="14" name="Text 6">
+            <a:extLst>
+              <a:ext uri="{FF2B5EF4-FFF2-40B4-BE49-F238E27FC236}">
+                <a16:creationId xmlns:a16="http://schemas.microsoft.com/office/drawing/2014/main" id="{C9E0CA5C-CD19-6088-B77B-865A69D5787D}"/>
+              </a:ext>
+            </a:extLst>
+          </p:cNvPr>
+          <p:cNvSpPr/>
+          <p:nvPr/>
+        </p:nvSpPr>
+        <p:spPr>
+          <a:xfrm>
+            <a:off x="189627" y="2142609"/>
+            <a:ext cx="13362146" cy="289917"/>
+          </a:xfrm>
+          <a:prstGeom prst="rect">
+            <a:avLst/>
+          </a:prstGeom>
+          <a:noFill/>
+          <a:ln/>
+        </p:spPr>
+        <p:txBody>
+          <a:bodyPr wrap="none" lIns="0" tIns="0" rIns="0" bIns="0" rtlCol="0" anchor="t"/>
+          <a:lstStyle/>
+          <a:p>
+            <a:pPr marL="685800" lvl="1" indent="-342900" algn="l">
+              <a:lnSpc>
+                <a:spcPts val="2250"/>
+              </a:lnSpc>
+              <a:buSzPct val="100000"/>
+              <a:buChar char="•"/>
+            </a:pPr>
+            <a:r>
+              <a:rPr lang="en-US" sz="1200" kern="0" spc="-29" dirty="0">
+                <a:solidFill>
+                  <a:srgbClr val="272525"/>
+                </a:solidFill>
+                <a:latin typeface="Inter" pitchFamily="34" charset="0"/>
+                <a:ea typeface="Inter" pitchFamily="34" charset="-122"/>
+                <a:cs typeface="Inter" pitchFamily="34" charset="-120"/>
+              </a:rPr>
+              <a:t>Dodanie nowych kolumn i tabel dedykowanych ofercie</a:t>
+            </a:r>
+            <a:endParaRPr lang="en-US" sz="1200" dirty="0"/>
+          </a:p>
+        </p:txBody>
+      </p:sp>
+      <p:sp>
+        <p:nvSpPr>
+          <p:cNvPr id="15" name="Text 7">
+            <a:extLst>
+              <a:ext uri="{FF2B5EF4-FFF2-40B4-BE49-F238E27FC236}">
+                <a16:creationId xmlns:a16="http://schemas.microsoft.com/office/drawing/2014/main" id="{3C3CC3DA-4AE6-A55D-518D-3A2B7FE0973F}"/>
+              </a:ext>
+            </a:extLst>
+          </p:cNvPr>
+          <p:cNvSpPr/>
+          <p:nvPr/>
+        </p:nvSpPr>
+        <p:spPr>
+          <a:xfrm>
+            <a:off x="189627" y="2495867"/>
+            <a:ext cx="13362146" cy="289917"/>
+          </a:xfrm>
+          <a:prstGeom prst="rect">
+            <a:avLst/>
+          </a:prstGeom>
+          <a:noFill/>
+          <a:ln/>
+        </p:spPr>
+        <p:txBody>
+          <a:bodyPr wrap="none" lIns="0" tIns="0" rIns="0" bIns="0" rtlCol="0" anchor="t"/>
+          <a:lstStyle/>
+          <a:p>
+            <a:pPr marL="685800" lvl="1" indent="-342900" algn="l">
+              <a:lnSpc>
+                <a:spcPts val="2250"/>
+              </a:lnSpc>
+              <a:buSzPct val="100000"/>
+              <a:buChar char="•"/>
+            </a:pPr>
+            <a:r>
+              <a:rPr lang="en-US" sz="1200" kern="0" spc="-29" dirty="0">
+                <a:solidFill>
+                  <a:srgbClr val="272525"/>
+                </a:solidFill>
+                <a:latin typeface="Inter" pitchFamily="34" charset="0"/>
+                <a:ea typeface="Inter" pitchFamily="34" charset="-122"/>
+                <a:cs typeface="Inter" pitchFamily="34" charset="-120"/>
+              </a:rPr>
+              <a:t>Aktualizacja modeli danych w systemie, aby uwzględniały zarówno oferty indywidualne, jak i biznesowe</a:t>
+            </a:r>
+            <a:endParaRPr lang="en-US" sz="1200" dirty="0"/>
+          </a:p>
+        </p:txBody>
+      </p:sp>
+      <p:sp>
+        <p:nvSpPr>
+          <p:cNvPr id="16" name="Text 8">
+            <a:extLst>
+              <a:ext uri="{FF2B5EF4-FFF2-40B4-BE49-F238E27FC236}">
+                <a16:creationId xmlns:a16="http://schemas.microsoft.com/office/drawing/2014/main" id="{626EA93E-7020-67A0-045E-FD43516CD295}"/>
+              </a:ext>
+            </a:extLst>
+          </p:cNvPr>
+          <p:cNvSpPr/>
+          <p:nvPr/>
+        </p:nvSpPr>
+        <p:spPr>
+          <a:xfrm>
+            <a:off x="189627" y="2849126"/>
+            <a:ext cx="13362146" cy="289917"/>
+          </a:xfrm>
+          <a:prstGeom prst="rect">
+            <a:avLst/>
+          </a:prstGeom>
+          <a:noFill/>
+          <a:ln/>
+        </p:spPr>
+        <p:txBody>
+          <a:bodyPr wrap="none" lIns="0" tIns="0" rIns="0" bIns="0" rtlCol="0" anchor="t"/>
+          <a:lstStyle/>
+          <a:p>
+            <a:pPr marL="342900" indent="-342900" algn="l">
+              <a:lnSpc>
+                <a:spcPts val="2250"/>
+              </a:lnSpc>
+              <a:buSzPct val="100000"/>
+              <a:buChar char="•"/>
+            </a:pPr>
+            <a:r>
+              <a:rPr lang="en-US" sz="1200" kern="0" spc="-29" dirty="0">
+                <a:solidFill>
+                  <a:srgbClr val="272525"/>
+                </a:solidFill>
+                <a:latin typeface="Inter" pitchFamily="34" charset="0"/>
+                <a:ea typeface="Inter" pitchFamily="34" charset="-122"/>
+                <a:cs typeface="Inter" pitchFamily="34" charset="-120"/>
+              </a:rPr>
+              <a:t>Interfejsy API:</a:t>
+            </a:r>
+            <a:endParaRPr lang="en-US" sz="1200" dirty="0"/>
+          </a:p>
+        </p:txBody>
+      </p:sp>
+      <p:sp>
+        <p:nvSpPr>
+          <p:cNvPr id="17" name="Text 9">
+            <a:extLst>
+              <a:ext uri="{FF2B5EF4-FFF2-40B4-BE49-F238E27FC236}">
+                <a16:creationId xmlns:a16="http://schemas.microsoft.com/office/drawing/2014/main" id="{D4DE8176-65A9-4B41-6641-C084D3F3966F}"/>
+              </a:ext>
+            </a:extLst>
+          </p:cNvPr>
+          <p:cNvSpPr/>
+          <p:nvPr/>
+        </p:nvSpPr>
+        <p:spPr>
+          <a:xfrm>
+            <a:off x="189627" y="3202384"/>
+            <a:ext cx="13362146" cy="579834"/>
+          </a:xfrm>
+          <a:prstGeom prst="rect">
+            <a:avLst/>
+          </a:prstGeom>
+          <a:noFill/>
+          <a:ln/>
+        </p:spPr>
+        <p:txBody>
+          <a:bodyPr wrap="square" lIns="0" tIns="0" rIns="0" bIns="0" rtlCol="0" anchor="t"/>
+          <a:lstStyle/>
+          <a:p>
+            <a:pPr marL="685800" lvl="1" indent="-342900" algn="l">
+              <a:lnSpc>
+                <a:spcPts val="2250"/>
+              </a:lnSpc>
+              <a:buSzPct val="100000"/>
+              <a:buChar char="•"/>
+            </a:pPr>
+            <a:r>
+              <a:rPr lang="en-US" sz="1200" kern="0" spc="-29" dirty="0">
+                <a:solidFill>
+                  <a:srgbClr val="272525"/>
+                </a:solidFill>
+                <a:latin typeface="Inter" pitchFamily="34" charset="0"/>
+                <a:ea typeface="Inter" pitchFamily="34" charset="-122"/>
+                <a:cs typeface="Inter" pitchFamily="34" charset="-120"/>
+              </a:rPr>
+              <a:t>Opracowanie nowych (lub modyfikacja istniejących) endpointów API, które umożliwią synchronizację danych o ofercie między front-endem, systemem sprzedaży, CRM i billingiem</a:t>
+            </a:r>
+            <a:endParaRPr lang="en-US" sz="1200" dirty="0"/>
+          </a:p>
+        </p:txBody>
+      </p:sp>
+      <p:sp>
+        <p:nvSpPr>
+          <p:cNvPr id="18" name="Text 10">
+            <a:extLst>
+              <a:ext uri="{FF2B5EF4-FFF2-40B4-BE49-F238E27FC236}">
+                <a16:creationId xmlns:a16="http://schemas.microsoft.com/office/drawing/2014/main" id="{6A80B152-653B-F022-8E8F-62EDDD5D26BD}"/>
+              </a:ext>
+            </a:extLst>
+          </p:cNvPr>
+          <p:cNvSpPr/>
+          <p:nvPr/>
+        </p:nvSpPr>
+        <p:spPr>
+          <a:xfrm>
+            <a:off x="189627" y="3637259"/>
+            <a:ext cx="13362146" cy="289917"/>
+          </a:xfrm>
+          <a:prstGeom prst="rect">
+            <a:avLst/>
+          </a:prstGeom>
+          <a:noFill/>
+          <a:ln/>
+        </p:spPr>
+        <p:txBody>
+          <a:bodyPr wrap="none" lIns="0" tIns="0" rIns="0" bIns="0" rtlCol="0" anchor="t"/>
+          <a:lstStyle/>
+          <a:p>
+            <a:pPr marL="685800" lvl="1" indent="-342900" algn="l">
+              <a:lnSpc>
+                <a:spcPts val="2250"/>
+              </a:lnSpc>
+              <a:buSzPct val="100000"/>
+              <a:buChar char="•"/>
+            </a:pPr>
+            <a:r>
+              <a:rPr lang="en-US" sz="1200" kern="0" spc="-29" dirty="0">
+                <a:solidFill>
+                  <a:srgbClr val="272525"/>
+                </a:solidFill>
+                <a:latin typeface="Inter" pitchFamily="34" charset="0"/>
+                <a:ea typeface="Inter" pitchFamily="34" charset="-122"/>
+                <a:cs typeface="Inter" pitchFamily="34" charset="-120"/>
+              </a:rPr>
+              <a:t>Upewnienie się, że API umożliwia łatwe aktualizacje oferty i jej parametrów</a:t>
+            </a:r>
+            <a:endParaRPr lang="en-US" sz="1200" dirty="0"/>
+          </a:p>
+        </p:txBody>
+      </p:sp>
+      <p:sp>
+        <p:nvSpPr>
+          <p:cNvPr id="19" name="Text 11">
+            <a:extLst>
+              <a:ext uri="{FF2B5EF4-FFF2-40B4-BE49-F238E27FC236}">
+                <a16:creationId xmlns:a16="http://schemas.microsoft.com/office/drawing/2014/main" id="{DF96F214-84DD-4012-A968-4FF93E4B0F2A}"/>
+              </a:ext>
+            </a:extLst>
+          </p:cNvPr>
+          <p:cNvSpPr/>
+          <p:nvPr/>
+        </p:nvSpPr>
+        <p:spPr>
+          <a:xfrm>
+            <a:off x="189627" y="4198818"/>
+            <a:ext cx="13362146" cy="289917"/>
+          </a:xfrm>
+          <a:prstGeom prst="rect">
+            <a:avLst/>
+          </a:prstGeom>
+          <a:noFill/>
+          <a:ln/>
+        </p:spPr>
+        <p:txBody>
+          <a:bodyPr wrap="none" lIns="0" tIns="0" rIns="0" bIns="0" rtlCol="0" anchor="t"/>
+          <a:lstStyle/>
+          <a:p>
+            <a:pPr marL="342900" indent="-342900" algn="l">
+              <a:lnSpc>
+                <a:spcPts val="2250"/>
+              </a:lnSpc>
+              <a:buSzPct val="100000"/>
+              <a:buChar char="•"/>
+            </a:pPr>
+            <a:r>
+              <a:rPr lang="en-US" sz="1200" kern="0" spc="-29" dirty="0">
+                <a:solidFill>
+                  <a:srgbClr val="272525"/>
+                </a:solidFill>
+                <a:latin typeface="Inter" pitchFamily="34" charset="0"/>
+                <a:ea typeface="Inter" pitchFamily="34" charset="-122"/>
+                <a:cs typeface="Inter" pitchFamily="34" charset="-120"/>
+              </a:rPr>
+              <a:t>Integracja systemowa:</a:t>
+            </a:r>
+            <a:endParaRPr lang="en-US" sz="1200" dirty="0"/>
+          </a:p>
+        </p:txBody>
+      </p:sp>
+      <p:sp>
+        <p:nvSpPr>
+          <p:cNvPr id="20" name="Text 12">
+            <a:extLst>
+              <a:ext uri="{FF2B5EF4-FFF2-40B4-BE49-F238E27FC236}">
+                <a16:creationId xmlns:a16="http://schemas.microsoft.com/office/drawing/2014/main" id="{A4C48D12-7CA9-7C7D-66FF-D424DF930623}"/>
+              </a:ext>
+            </a:extLst>
+          </p:cNvPr>
+          <p:cNvSpPr/>
+          <p:nvPr/>
+        </p:nvSpPr>
+        <p:spPr>
+          <a:xfrm>
+            <a:off x="189627" y="4552077"/>
+            <a:ext cx="11595973" cy="579834"/>
+          </a:xfrm>
+          <a:prstGeom prst="rect">
+            <a:avLst/>
+          </a:prstGeom>
+          <a:noFill/>
+          <a:ln/>
+        </p:spPr>
+        <p:txBody>
+          <a:bodyPr wrap="square" lIns="0" tIns="0" rIns="0" bIns="0" rtlCol="0" anchor="t"/>
+          <a:lstStyle/>
+          <a:p>
+            <a:pPr marL="685800" lvl="1" indent="-342900" algn="l">
+              <a:lnSpc>
+                <a:spcPts val="2250"/>
+              </a:lnSpc>
+              <a:buSzPct val="100000"/>
+              <a:buChar char="•"/>
+            </a:pPr>
+            <a:r>
+              <a:rPr lang="en-US" sz="1200" kern="0" spc="-29" dirty="0">
+                <a:solidFill>
+                  <a:srgbClr val="272525"/>
+                </a:solidFill>
+                <a:latin typeface="Inter" pitchFamily="34" charset="0"/>
+                <a:ea typeface="Inter" pitchFamily="34" charset="-122"/>
+                <a:cs typeface="Inter" pitchFamily="34" charset="-120"/>
+              </a:rPr>
+              <a:t>Przeprowadzenie testów integracyjnych, aby upewnić się, że wszystkie systemy (np strona www, system billingowy, CRM) poprawnie obsługują nowe pakiety i mogą na bieżąco przekazywać dane o użytkownikach</a:t>
+            </a:r>
+            <a:endParaRPr lang="en-US" sz="1200" dirty="0"/>
+          </a:p>
+        </p:txBody>
+      </p:sp>
+      <p:sp>
+        <p:nvSpPr>
+          <p:cNvPr id="21" name="Text 13">
+            <a:extLst>
+              <a:ext uri="{FF2B5EF4-FFF2-40B4-BE49-F238E27FC236}">
+                <a16:creationId xmlns:a16="http://schemas.microsoft.com/office/drawing/2014/main" id="{F45B83B4-6CEC-94A6-B220-EFFE4A0CEACC}"/>
+              </a:ext>
+            </a:extLst>
+          </p:cNvPr>
+          <p:cNvSpPr/>
+          <p:nvPr/>
+        </p:nvSpPr>
+        <p:spPr>
+          <a:xfrm>
+            <a:off x="189627" y="5195252"/>
+            <a:ext cx="13362146" cy="289917"/>
+          </a:xfrm>
+          <a:prstGeom prst="rect">
+            <a:avLst/>
+          </a:prstGeom>
+          <a:noFill/>
+          <a:ln/>
+        </p:spPr>
+        <p:txBody>
+          <a:bodyPr wrap="none" lIns="0" tIns="0" rIns="0" bIns="0" rtlCol="0" anchor="t"/>
+          <a:lstStyle/>
+          <a:p>
+            <a:pPr marL="685800" lvl="1" indent="-342900" algn="l">
+              <a:lnSpc>
+                <a:spcPts val="2250"/>
+              </a:lnSpc>
+              <a:buSzPct val="100000"/>
+              <a:buChar char="•"/>
+            </a:pPr>
+            <a:r>
+              <a:rPr lang="en-US" sz="1200" kern="0" spc="-29" dirty="0">
+                <a:solidFill>
+                  <a:srgbClr val="272525"/>
+                </a:solidFill>
+                <a:latin typeface="Inter" pitchFamily="34" charset="0"/>
+                <a:ea typeface="Inter" pitchFamily="34" charset="-122"/>
+                <a:cs typeface="Inter" pitchFamily="34" charset="-120"/>
+              </a:rPr>
+              <a:t>Zapewnienie wsparcia technicznego i dokumentacji dla działu IT oraz zespołu obsługi klienta, którzy będą korzystać z nowych interfejsów</a:t>
+            </a:r>
+            <a:endParaRPr lang="en-US" sz="1200" dirty="0"/>
+          </a:p>
+        </p:txBody>
+      </p:sp>
+      <p:sp>
+        <p:nvSpPr>
+          <p:cNvPr id="22" name="Text 14">
+            <a:extLst>
+              <a:ext uri="{FF2B5EF4-FFF2-40B4-BE49-F238E27FC236}">
+                <a16:creationId xmlns:a16="http://schemas.microsoft.com/office/drawing/2014/main" id="{317863FC-5E19-D19D-F96E-2285CBD561AA}"/>
+              </a:ext>
+            </a:extLst>
+          </p:cNvPr>
+          <p:cNvSpPr/>
+          <p:nvPr/>
+        </p:nvSpPr>
+        <p:spPr>
+          <a:xfrm>
+            <a:off x="189627" y="5548511"/>
+            <a:ext cx="13362146" cy="289917"/>
+          </a:xfrm>
+          <a:prstGeom prst="rect">
+            <a:avLst/>
+          </a:prstGeom>
+          <a:noFill/>
+          <a:ln/>
+        </p:spPr>
+        <p:txBody>
+          <a:bodyPr wrap="none" lIns="0" tIns="0" rIns="0" bIns="0" rtlCol="0" anchor="t"/>
+          <a:lstStyle/>
+          <a:p>
+            <a:pPr marL="342900" indent="-342900" algn="l">
+              <a:lnSpc>
+                <a:spcPts val="2250"/>
+              </a:lnSpc>
+              <a:buSzPct val="100000"/>
+              <a:buChar char="•"/>
+            </a:pPr>
+            <a:r>
+              <a:rPr lang="en-US" sz="1200" kern="0" spc="-29" dirty="0">
+                <a:solidFill>
+                  <a:srgbClr val="272525"/>
+                </a:solidFill>
+                <a:latin typeface="Inter" pitchFamily="34" charset="0"/>
+                <a:ea typeface="Inter" pitchFamily="34" charset="-122"/>
+                <a:cs typeface="Inter" pitchFamily="34" charset="-120"/>
+              </a:rPr>
+              <a:t>Bezpieczeństwo:</a:t>
+            </a:r>
+            <a:endParaRPr lang="en-US" sz="1200" dirty="0"/>
+          </a:p>
+        </p:txBody>
+      </p:sp>
+      <p:sp>
+        <p:nvSpPr>
+          <p:cNvPr id="23" name="Text 15">
+            <a:extLst>
+              <a:ext uri="{FF2B5EF4-FFF2-40B4-BE49-F238E27FC236}">
+                <a16:creationId xmlns:a16="http://schemas.microsoft.com/office/drawing/2014/main" id="{3939F8A4-C063-64FC-BE27-B8EBE81F4ECC}"/>
+              </a:ext>
+            </a:extLst>
+          </p:cNvPr>
+          <p:cNvSpPr/>
+          <p:nvPr/>
+        </p:nvSpPr>
+        <p:spPr>
+          <a:xfrm>
+            <a:off x="189627" y="5901769"/>
+            <a:ext cx="13362146" cy="289917"/>
+          </a:xfrm>
+          <a:prstGeom prst="rect">
+            <a:avLst/>
+          </a:prstGeom>
+          <a:noFill/>
+          <a:ln/>
+        </p:spPr>
+        <p:txBody>
+          <a:bodyPr wrap="none" lIns="0" tIns="0" rIns="0" bIns="0" rtlCol="0" anchor="t"/>
+          <a:lstStyle/>
+          <a:p>
+            <a:pPr marL="685800" lvl="1" indent="-342900" algn="l">
+              <a:lnSpc>
+                <a:spcPts val="2250"/>
+              </a:lnSpc>
+              <a:buSzPct val="100000"/>
+              <a:buChar char="•"/>
+            </a:pPr>
+            <a:r>
+              <a:rPr lang="en-US" sz="1200" kern="0" spc="-29" dirty="0">
+                <a:solidFill>
+                  <a:srgbClr val="272525"/>
+                </a:solidFill>
+                <a:latin typeface="Inter" pitchFamily="34" charset="0"/>
+                <a:ea typeface="Inter" pitchFamily="34" charset="-122"/>
+                <a:cs typeface="Inter" pitchFamily="34" charset="-120"/>
+              </a:rPr>
+              <a:t>Weryfikacja, czy nowe dane oraz integracje nie naruszają istniejących standardów bezpieczeństwa i ochrony danych</a:t>
+            </a:r>
+            <a:endParaRPr lang="en-US" sz="1200" dirty="0"/>
+          </a:p>
+        </p:txBody>
+      </p:sp>
+      <p:sp>
+        <p:nvSpPr>
+          <p:cNvPr id="24" name="Text 16">
+            <a:extLst>
+              <a:ext uri="{FF2B5EF4-FFF2-40B4-BE49-F238E27FC236}">
+                <a16:creationId xmlns:a16="http://schemas.microsoft.com/office/drawing/2014/main" id="{968BB304-284B-589F-F385-74FB6D5192CF}"/>
+              </a:ext>
+            </a:extLst>
+          </p:cNvPr>
+          <p:cNvSpPr/>
+          <p:nvPr/>
+        </p:nvSpPr>
+        <p:spPr>
+          <a:xfrm>
+            <a:off x="189627" y="6255028"/>
+            <a:ext cx="13362146" cy="289917"/>
+          </a:xfrm>
+          <a:prstGeom prst="rect">
+            <a:avLst/>
+          </a:prstGeom>
+          <a:noFill/>
+          <a:ln/>
+        </p:spPr>
+        <p:txBody>
+          <a:bodyPr wrap="none" lIns="0" tIns="0" rIns="0" bIns="0" rtlCol="0" anchor="t"/>
+          <a:lstStyle/>
+          <a:p>
+            <a:pPr marL="685800" lvl="1" indent="-342900" algn="l">
+              <a:lnSpc>
+                <a:spcPts val="2250"/>
+              </a:lnSpc>
+              <a:buSzPct val="100000"/>
+              <a:buChar char="•"/>
+            </a:pPr>
+            <a:r>
+              <a:rPr lang="en-US" sz="1200" kern="0" spc="-29" dirty="0">
+                <a:solidFill>
+                  <a:srgbClr val="272525"/>
+                </a:solidFill>
+                <a:latin typeface="Inter" pitchFamily="34" charset="0"/>
+                <a:ea typeface="Inter" pitchFamily="34" charset="-122"/>
+                <a:cs typeface="Inter" pitchFamily="34" charset="-120"/>
+              </a:rPr>
+              <a:t>Wprowadzenie mechanizmów audytu i monitoringu dostępu do nowych modułów systemu</a:t>
+            </a:r>
+            <a:endParaRPr lang="en-US" sz="1200" dirty="0"/>
           </a:p>
         </p:txBody>
       </p:sp>
@@ -3832,12 +8566,33 @@
             <p:ph type="title"/>
           </p:nvPr>
         </p:nvSpPr>
-        <p:spPr/>
-        <p:txBody>
-          <a:bodyPr/>
-          <a:lstStyle/>
-          <a:p>
-            <a:endParaRPr lang="pl-PL"/>
+        <p:spPr>
+          <a:xfrm>
+            <a:off x="92476" y="86803"/>
+            <a:ext cx="4266460" cy="1188467"/>
+          </a:xfrm>
+        </p:spPr>
+        <p:txBody>
+          <a:bodyPr>
+            <a:normAutofit fontScale="90000"/>
+          </a:bodyPr>
+          <a:lstStyle/>
+          <a:p>
+            <a:r>
+              <a:rPr lang="pl-PL" sz="4400" b="1" kern="0" spc="-67" dirty="0">
+                <a:solidFill>
+                  <a:srgbClr val="000000"/>
+                </a:solidFill>
+                <a:latin typeface="Inter Bold" pitchFamily="34" charset="0"/>
+                <a:ea typeface="Inter Bold" pitchFamily="34" charset="-122"/>
+                <a:cs typeface="Inter Bold" pitchFamily="34" charset="-120"/>
+              </a:rPr>
+              <a:t>Podsumowanie</a:t>
+            </a:r>
+            <a:br>
+              <a:rPr lang="en-US" sz="4400" dirty="0"/>
+            </a:br>
+            <a:endParaRPr lang="pl-PL" dirty="0"/>
           </a:p>
         </p:txBody>
       </p:sp>
@@ -3862,7 +8617,10 @@
           <a:bodyPr/>
           <a:lstStyle/>
           <a:p>
-            <a:endParaRPr lang="pl-PL"/>
+            <a:pPr marL="0" indent="0">
+              <a:buNone/>
+            </a:pPr>
+            <a:endParaRPr lang="pl-PL" dirty="0"/>
           </a:p>
         </p:txBody>
       </p:sp>
@@ -4172,4 +8930,299 @@
     </a:ext>
   </a:extLst>
 </a:theme>
+</file>
+
+<file path=ppt/theme/theme2.xml><?xml version="1.0" encoding="utf-8"?>
+<a:theme xmlns:a="http://schemas.openxmlformats.org/drawingml/2006/main" name="Office Theme">
+  <a:themeElements>
+    <a:clrScheme name="Office">
+      <a:dk1>
+        <a:sysClr val="windowText" lastClr="000000"/>
+      </a:dk1>
+      <a:lt1>
+        <a:sysClr val="window" lastClr="FFFFFF"/>
+      </a:lt1>
+      <a:dk2>
+        <a:srgbClr val="44546A"/>
+      </a:dk2>
+      <a:lt2>
+        <a:srgbClr val="E7E6E6"/>
+      </a:lt2>
+      <a:accent1>
+        <a:srgbClr val="4472C4"/>
+      </a:accent1>
+      <a:accent2>
+        <a:srgbClr val="ED7D31"/>
+      </a:accent2>
+      <a:accent3>
+        <a:srgbClr val="A5A5A5"/>
+      </a:accent3>
+      <a:accent4>
+        <a:srgbClr val="FFC000"/>
+      </a:accent4>
+      <a:accent5>
+        <a:srgbClr val="5B9BD5"/>
+      </a:accent5>
+      <a:accent6>
+        <a:srgbClr val="70AD47"/>
+      </a:accent6>
+      <a:hlink>
+        <a:srgbClr val="0563C1"/>
+      </a:hlink>
+      <a:folHlink>
+        <a:srgbClr val="954F72"/>
+      </a:folHlink>
+    </a:clrScheme>
+    <a:fontScheme name="Office">
+      <a:majorFont>
+        <a:latin typeface="Calibri Light" panose="020F0302020204030204"/>
+        <a:ea typeface=""/>
+        <a:cs typeface=""/>
+        <a:font script="Jpan" typeface="游ゴシック Light"/>
+        <a:font script="Hang" typeface="맑은 고딕"/>
+        <a:font script="Hans" typeface="等线 Light"/>
+        <a:font script="Hant" typeface="新細明體"/>
+        <a:font script="Arab" typeface="Times New Roman"/>
+        <a:font script="Hebr" typeface="Times New Roman"/>
+        <a:font script="Thai" typeface="Angsana New"/>
+        <a:font script="Ethi" typeface="Nyala"/>
+        <a:font script="Beng" typeface="Vrinda"/>
+        <a:font script="Gujr" typeface="Shruti"/>
+        <a:font script="Khmr" typeface="MoolBoran"/>
+        <a:font script="Knda" typeface="Tunga"/>
+        <a:font script="Guru" typeface="Raavi"/>
+        <a:font script="Cans" typeface="Euphemia"/>
+        <a:font script="Cher" typeface="Plantagenet Cherokee"/>
+        <a:font script="Yiii" typeface="Microsoft Yi Baiti"/>
+        <a:font script="Tibt" typeface="Microsoft Himalaya"/>
+        <a:font script="Thaa" typeface="MV Boli"/>
+        <a:font script="Deva" typeface="Mangal"/>
+        <a:font script="Telu" typeface="Gautami"/>
+        <a:font script="Taml" typeface="Latha"/>
+        <a:font script="Syrc" typeface="Estrangelo Edessa"/>
+        <a:font script="Orya" typeface="Kalinga"/>
+        <a:font script="Mlym" typeface="Kartika"/>
+        <a:font script="Laoo" typeface="DokChampa"/>
+        <a:font script="Sinh" typeface="Iskoola Pota"/>
+        <a:font script="Mong" typeface="Mongolian Baiti"/>
+        <a:font script="Viet" typeface="Times New Roman"/>
+        <a:font script="Uigh" typeface="Microsoft Uighur"/>
+        <a:font script="Geor" typeface="Sylfaen"/>
+        <a:font script="Armn" typeface="Arial"/>
+        <a:font script="Bugi" typeface="Leelawadee UI"/>
+        <a:font script="Bopo" typeface="Microsoft JhengHei"/>
+        <a:font script="Java" typeface="Javanese Text"/>
+        <a:font script="Lisu" typeface="Segoe UI"/>
+        <a:font script="Mymr" typeface="Myanmar Text"/>
+        <a:font script="Nkoo" typeface="Ebrima"/>
+        <a:font script="Olck" typeface="Nirmala UI"/>
+        <a:font script="Osma" typeface="Ebrima"/>
+        <a:font script="Phag" typeface="Phagspa"/>
+        <a:font script="Syrn" typeface="Estrangelo Edessa"/>
+        <a:font script="Syrj" typeface="Estrangelo Edessa"/>
+        <a:font script="Syre" typeface="Estrangelo Edessa"/>
+        <a:font script="Sora" typeface="Nirmala UI"/>
+        <a:font script="Tale" typeface="Microsoft Tai Le"/>
+        <a:font script="Talu" typeface="Microsoft New Tai Lue"/>
+        <a:font script="Tfng" typeface="Ebrima"/>
+      </a:majorFont>
+      <a:minorFont>
+        <a:latin typeface="Calibri" panose="020F0502020204030204"/>
+        <a:ea typeface=""/>
+        <a:cs typeface=""/>
+        <a:font script="Jpan" typeface="游ゴシック"/>
+        <a:font script="Hang" typeface="맑은 고딕"/>
+        <a:font script="Hans" typeface="等线"/>
+        <a:font script="Hant" typeface="新細明體"/>
+        <a:font script="Arab" typeface="Arial"/>
+        <a:font script="Hebr" typeface="Arial"/>
+        <a:font script="Thai" typeface="Cordia New"/>
+        <a:font script="Ethi" typeface="Nyala"/>
+        <a:font script="Beng" typeface="Vrinda"/>
+        <a:font script="Gujr" typeface="Shruti"/>
+        <a:font script="Khmr" typeface="DaunPenh"/>
+        <a:font script="Knda" typeface="Tunga"/>
+        <a:font script="Guru" typeface="Raavi"/>
+        <a:font script="Cans" typeface="Euphemia"/>
+        <a:font script="Cher" typeface="Plantagenet Cherokee"/>
+        <a:font script="Yiii" typeface="Microsoft Yi Baiti"/>
+        <a:font script="Tibt" typeface="Microsoft Himalaya"/>
+        <a:font script="Thaa" typeface="MV Boli"/>
+        <a:font script="Deva" typeface="Mangal"/>
+        <a:font script="Telu" typeface="Gautami"/>
+        <a:font script="Taml" typeface="Latha"/>
+        <a:font script="Syrc" typeface="Estrangelo Edessa"/>
+        <a:font script="Orya" typeface="Kalinga"/>
+        <a:font script="Mlym" typeface="Kartika"/>
+        <a:font script="Laoo" typeface="DokChampa"/>
+        <a:font script="Sinh" typeface="Iskoola Pota"/>
+        <a:font script="Mong" typeface="Mongolian Baiti"/>
+        <a:font script="Viet" typeface="Arial"/>
+        <a:font script="Uigh" typeface="Microsoft Uighur"/>
+        <a:font script="Geor" typeface="Sylfaen"/>
+        <a:font script="Armn" typeface="Arial"/>
+        <a:font script="Bugi" typeface="Leelawadee UI"/>
+        <a:font script="Bopo" typeface="Microsoft JhengHei"/>
+        <a:font script="Java" typeface="Javanese Text"/>
+        <a:font script="Lisu" typeface="Segoe UI"/>
+        <a:font script="Mymr" typeface="Myanmar Text"/>
+        <a:font script="Nkoo" typeface="Ebrima"/>
+        <a:font script="Olck" typeface="Nirmala UI"/>
+        <a:font script="Osma" typeface="Ebrima"/>
+        <a:font script="Phag" typeface="Phagspa"/>
+        <a:font script="Syrn" typeface="Estrangelo Edessa"/>
+        <a:font script="Syrj" typeface="Estrangelo Edessa"/>
+        <a:font script="Syre" typeface="Estrangelo Edessa"/>
+        <a:font script="Sora" typeface="Nirmala UI"/>
+        <a:font script="Tale" typeface="Microsoft Tai Le"/>
+        <a:font script="Talu" typeface="Microsoft New Tai Lue"/>
+        <a:font script="Tfng" typeface="Ebrima"/>
+      </a:minorFont>
+    </a:fontScheme>
+    <a:fmtScheme name="Office">
+      <a:fillStyleLst>
+        <a:solidFill>
+          <a:schemeClr val="phClr"/>
+        </a:solidFill>
+        <a:gradFill rotWithShape="1">
+          <a:gsLst>
+            <a:gs pos="0">
+              <a:schemeClr val="phClr">
+                <a:lumMod val="110000"/>
+                <a:satMod val="105000"/>
+                <a:tint val="67000"/>
+              </a:schemeClr>
+            </a:gs>
+            <a:gs pos="50000">
+              <a:schemeClr val="phClr">
+                <a:lumMod val="105000"/>
+                <a:satMod val="103000"/>
+                <a:tint val="73000"/>
+              </a:schemeClr>
+            </a:gs>
+            <a:gs pos="100000">
+              <a:schemeClr val="phClr">
+                <a:lumMod val="105000"/>
+                <a:satMod val="109000"/>
+                <a:tint val="81000"/>
+              </a:schemeClr>
+            </a:gs>
+          </a:gsLst>
+          <a:lin ang="5400000" scaled="0"/>
+        </a:gradFill>
+        <a:gradFill rotWithShape="1">
+          <a:gsLst>
+            <a:gs pos="0">
+              <a:schemeClr val="phClr">
+                <a:satMod val="103000"/>
+                <a:lumMod val="102000"/>
+                <a:tint val="94000"/>
+              </a:schemeClr>
+            </a:gs>
+            <a:gs pos="50000">
+              <a:schemeClr val="phClr">
+                <a:satMod val="110000"/>
+                <a:lumMod val="100000"/>
+                <a:shade val="100000"/>
+              </a:schemeClr>
+            </a:gs>
+            <a:gs pos="100000">
+              <a:schemeClr val="phClr">
+                <a:lumMod val="99000"/>
+                <a:satMod val="120000"/>
+                <a:shade val="78000"/>
+              </a:schemeClr>
+            </a:gs>
+          </a:gsLst>
+          <a:lin ang="5400000" scaled="0"/>
+        </a:gradFill>
+      </a:fillStyleLst>
+      <a:lnStyleLst>
+        <a:ln w="6350" cap="flat" cmpd="sng" algn="ctr">
+          <a:solidFill>
+            <a:schemeClr val="phClr"/>
+          </a:solidFill>
+          <a:prstDash val="solid"/>
+          <a:miter lim="800000"/>
+        </a:ln>
+        <a:ln w="12700" cap="flat" cmpd="sng" algn="ctr">
+          <a:solidFill>
+            <a:schemeClr val="phClr"/>
+          </a:solidFill>
+          <a:prstDash val="solid"/>
+          <a:miter lim="800000"/>
+        </a:ln>
+        <a:ln w="19050" cap="flat" cmpd="sng" algn="ctr">
+          <a:solidFill>
+            <a:schemeClr val="phClr"/>
+          </a:solidFill>
+          <a:prstDash val="solid"/>
+          <a:miter lim="800000"/>
+        </a:ln>
+      </a:lnStyleLst>
+      <a:effectStyleLst>
+        <a:effectStyle>
+          <a:effectLst/>
+        </a:effectStyle>
+        <a:effectStyle>
+          <a:effectLst/>
+        </a:effectStyle>
+        <a:effectStyle>
+          <a:effectLst>
+            <a:outerShdw blurRad="57150" dist="19050" dir="5400000" algn="ctr" rotWithShape="0">
+              <a:srgbClr val="000000">
+                <a:alpha val="63000"/>
+              </a:srgbClr>
+            </a:outerShdw>
+          </a:effectLst>
+        </a:effectStyle>
+      </a:effectStyleLst>
+      <a:bgFillStyleLst>
+        <a:solidFill>
+          <a:schemeClr val="phClr"/>
+        </a:solidFill>
+        <a:solidFill>
+          <a:schemeClr val="phClr">
+            <a:tint val="95000"/>
+            <a:satMod val="170000"/>
+          </a:schemeClr>
+        </a:solidFill>
+        <a:gradFill rotWithShape="1">
+          <a:gsLst>
+            <a:gs pos="0">
+              <a:schemeClr val="phClr">
+                <a:tint val="93000"/>
+                <a:satMod val="150000"/>
+                <a:shade val="98000"/>
+                <a:lumMod val="102000"/>
+              </a:schemeClr>
+            </a:gs>
+            <a:gs pos="50000">
+              <a:schemeClr val="phClr">
+                <a:tint val="98000"/>
+                <a:satMod val="130000"/>
+                <a:shade val="90000"/>
+                <a:lumMod val="103000"/>
+              </a:schemeClr>
+            </a:gs>
+            <a:gs pos="100000">
+              <a:schemeClr val="phClr">
+                <a:shade val="63000"/>
+                <a:satMod val="120000"/>
+              </a:schemeClr>
+            </a:gs>
+          </a:gsLst>
+          <a:lin ang="5400000" scaled="0"/>
+        </a:gradFill>
+      </a:bgFillStyleLst>
+    </a:fmtScheme>
+  </a:themeElements>
+  <a:objectDefaults/>
+  <a:extraClrSchemeLst/>
+  <a:extLst>
+    <a:ext uri="{05A4C25C-085E-4340-85A3-A5531E510DB2}">
+      <thm15:themeFamily xmlns:thm15="http://schemas.microsoft.com/office/thememl/2012/main" name="Office Theme" id="{62F939B6-93AF-4DB8-9C6B-D6C7DFDC589F}" vid="{4A3C46E8-61CC-4603-A589-7422A47A8E4A}"/>
+    </a:ext>
+  </a:extLst>
+</a:theme>
 </file>